--- a/Report/presentation_2_Diana.pptx
+++ b/Report/presentation_2_Diana.pptx
@@ -10,15 +10,15 @@
   <p:sldIdLst>
     <p:sldId id="256" r:id="rId2"/>
     <p:sldId id="257" r:id="rId3"/>
-    <p:sldId id="258" r:id="rId4"/>
-    <p:sldId id="259" r:id="rId5"/>
-    <p:sldId id="260" r:id="rId6"/>
-    <p:sldId id="262" r:id="rId7"/>
-    <p:sldId id="267" r:id="rId8"/>
-    <p:sldId id="266" r:id="rId9"/>
-    <p:sldId id="263" r:id="rId10"/>
-    <p:sldId id="264" r:id="rId11"/>
-    <p:sldId id="269" r:id="rId12"/>
+    <p:sldId id="269" r:id="rId4"/>
+    <p:sldId id="272" r:id="rId5"/>
+    <p:sldId id="271" r:id="rId6"/>
+    <p:sldId id="273" r:id="rId7"/>
+    <p:sldId id="274" r:id="rId8"/>
+    <p:sldId id="276" r:id="rId9"/>
+    <p:sldId id="277" r:id="rId10"/>
+    <p:sldId id="278" r:id="rId11"/>
+    <p:sldId id="275" r:id="rId12"/>
     <p:sldId id="268" r:id="rId13"/>
   </p:sldIdLst>
   <p:sldSz cx="12192000" cy="6858000"/>
@@ -208,7 +208,7 @@
           <a:p>
             <a:fld id="{FDDF5FE0-F804-4E91-803A-7CECEE48BB95}" type="datetimeFigureOut">
               <a:rPr lang="pt-PT" smtClean="0"/>
-              <a:t>27/03/2019</a:t>
+              <a:t>24/05/2019</a:t>
             </a:fld>
             <a:endParaRPr lang="pt-PT"/>
           </a:p>
@@ -559,356 +559,6 @@
 </p:notes>
 </file>
 
-<file path=ppt/notesSlides/notesSlide10.xml><?xml version="1.0" encoding="utf-8"?>
-<p:notes xmlns:a="http://schemas.openxmlformats.org/drawingml/2006/main" xmlns:r="http://schemas.openxmlformats.org/officeDocument/2006/relationships" xmlns:p="http://schemas.openxmlformats.org/presentationml/2006/main">
-  <p:cSld>
-    <p:spTree>
-      <p:nvGrpSpPr>
-        <p:cNvPr id="1" name=""/>
-        <p:cNvGrpSpPr/>
-        <p:nvPr/>
-      </p:nvGrpSpPr>
-      <p:grpSpPr>
-        <a:xfrm>
-          <a:off x="0" y="0"/>
-          <a:ext cx="0" cy="0"/>
-          <a:chOff x="0" y="0"/>
-          <a:chExt cx="0" cy="0"/>
-        </a:xfrm>
-      </p:grpSpPr>
-      <p:sp>
-        <p:nvSpPr>
-          <p:cNvPr id="2" name="Marcador de Posição da Imagem do Diapositivo 1"/>
-          <p:cNvSpPr>
-            <a:spLocks noGrp="1" noRot="1" noChangeAspect="1"/>
-          </p:cNvSpPr>
-          <p:nvPr>
-            <p:ph type="sldImg"/>
-          </p:nvPr>
-        </p:nvSpPr>
-        <p:spPr/>
-      </p:sp>
-      <p:sp>
-        <p:nvSpPr>
-          <p:cNvPr id="3" name="Marcador de Posição de Notas 2"/>
-          <p:cNvSpPr>
-            <a:spLocks noGrp="1"/>
-          </p:cNvSpPr>
-          <p:nvPr>
-            <p:ph type="body" idx="1"/>
-          </p:nvPr>
-        </p:nvSpPr>
-        <p:spPr/>
-        <p:txBody>
-          <a:bodyPr/>
-          <a:lstStyle/>
-          <a:p>
-            <a:r>
-              <a:rPr lang="pt-PT" dirty="0"/>
-              <a:t>GIL</a:t>
-            </a:r>
-          </a:p>
-          <a:p>
-            <a:endParaRPr lang="pt-PT" dirty="0"/>
-          </a:p>
-          <a:p>
-            <a:r>
-              <a:rPr lang="pt-PT" dirty="0"/>
-              <a:t>Ponto 2.1 – falar q </a:t>
-            </a:r>
-            <a:r>
-              <a:rPr lang="pt-PT" dirty="0" err="1"/>
-              <a:t>mongoDB</a:t>
-            </a:r>
-            <a:r>
-              <a:rPr lang="pt-PT" dirty="0"/>
-              <a:t> e parão alteram constantemente conforme regras e conforme vamos querendo eficiência</a:t>
-            </a:r>
-            <a:br>
-              <a:rPr lang="pt-PT" dirty="0"/>
-            </a:br>
-            <a:endParaRPr lang="pt-PT" dirty="0"/>
-          </a:p>
-          <a:p>
-            <a:r>
-              <a:rPr lang="pt-PT" dirty="0"/>
-              <a:t>Ponto 2.2 – dizer q árvore é o q permite escolher diálogo, com base em destreza e tal</a:t>
-            </a:r>
-          </a:p>
-          <a:p>
-            <a:endParaRPr lang="pt-PT" dirty="0"/>
-          </a:p>
-          <a:p>
-            <a:r>
-              <a:rPr lang="pt-PT" dirty="0"/>
-              <a:t>Ponto 2.3 – dizer que é supervisionada para já ?</a:t>
-            </a:r>
-            <a:br>
-              <a:rPr lang="pt-PT" dirty="0"/>
-            </a:br>
-            <a:br>
-              <a:rPr lang="pt-PT" dirty="0"/>
-            </a:br>
-            <a:r>
-              <a:rPr lang="pt-PT" dirty="0"/>
-              <a:t>Ponto 3 – dizer q basicamente temos que melhorar tudo o que temos acima</a:t>
-            </a:r>
-          </a:p>
-        </p:txBody>
-      </p:sp>
-      <p:sp>
-        <p:nvSpPr>
-          <p:cNvPr id="4" name="Marcador de Posição do Número do Diapositivo 3"/>
-          <p:cNvSpPr>
-            <a:spLocks noGrp="1"/>
-          </p:cNvSpPr>
-          <p:nvPr>
-            <p:ph type="sldNum" sz="quarter" idx="5"/>
-          </p:nvPr>
-        </p:nvSpPr>
-        <p:spPr/>
-        <p:txBody>
-          <a:bodyPr/>
-          <a:lstStyle/>
-          <a:p>
-            <a:fld id="{F9C76EEC-3DB8-4814-A8C5-185DA6C5A9E9}" type="slidenum">
-              <a:rPr lang="pt-PT" smtClean="0"/>
-              <a:t>10</a:t>
-            </a:fld>
-            <a:endParaRPr lang="pt-PT"/>
-          </a:p>
-        </p:txBody>
-      </p:sp>
-    </p:spTree>
-    <p:extLst>
-      <p:ext uri="{BB962C8B-B14F-4D97-AF65-F5344CB8AC3E}">
-        <p14:creationId xmlns:p14="http://schemas.microsoft.com/office/powerpoint/2010/main" val="2653281919"/>
-      </p:ext>
-    </p:extLst>
-  </p:cSld>
-  <p:clrMapOvr>
-    <a:masterClrMapping/>
-  </p:clrMapOvr>
-</p:notes>
-</file>
-
-<file path=ppt/notesSlides/notesSlide11.xml><?xml version="1.0" encoding="utf-8"?>
-<p:notes xmlns:a="http://schemas.openxmlformats.org/drawingml/2006/main" xmlns:r="http://schemas.openxmlformats.org/officeDocument/2006/relationships" xmlns:p="http://schemas.openxmlformats.org/presentationml/2006/main">
-  <p:cSld>
-    <p:spTree>
-      <p:nvGrpSpPr>
-        <p:cNvPr id="1" name=""/>
-        <p:cNvGrpSpPr/>
-        <p:nvPr/>
-      </p:nvGrpSpPr>
-      <p:grpSpPr>
-        <a:xfrm>
-          <a:off x="0" y="0"/>
-          <a:ext cx="0" cy="0"/>
-          <a:chOff x="0" y="0"/>
-          <a:chExt cx="0" cy="0"/>
-        </a:xfrm>
-      </p:grpSpPr>
-      <p:sp>
-        <p:nvSpPr>
-          <p:cNvPr id="2" name="Marcador de Posição da Imagem do Diapositivo 1"/>
-          <p:cNvSpPr>
-            <a:spLocks noGrp="1" noRot="1" noChangeAspect="1"/>
-          </p:cNvSpPr>
-          <p:nvPr>
-            <p:ph type="sldImg"/>
-          </p:nvPr>
-        </p:nvSpPr>
-        <p:spPr/>
-      </p:sp>
-      <p:sp>
-        <p:nvSpPr>
-          <p:cNvPr id="3" name="Marcador de Posição de Notas 2"/>
-          <p:cNvSpPr>
-            <a:spLocks noGrp="1"/>
-          </p:cNvSpPr>
-          <p:nvPr>
-            <p:ph type="body" idx="1"/>
-          </p:nvPr>
-        </p:nvSpPr>
-        <p:spPr/>
-        <p:txBody>
-          <a:bodyPr/>
-          <a:lstStyle/>
-          <a:p>
-            <a:r>
-              <a:rPr lang="pt-PT" dirty="0"/>
-              <a:t>GIL</a:t>
-            </a:r>
-          </a:p>
-          <a:p>
-            <a:endParaRPr lang="pt-PT" dirty="0"/>
-          </a:p>
-          <a:p>
-            <a:r>
-              <a:rPr lang="pt-PT" dirty="0"/>
-              <a:t>Ponto 2.1 – falar q </a:t>
-            </a:r>
-            <a:r>
-              <a:rPr lang="pt-PT" dirty="0" err="1"/>
-              <a:t>mongoDB</a:t>
-            </a:r>
-            <a:r>
-              <a:rPr lang="pt-PT" dirty="0"/>
-              <a:t> e parão alteram constantemente conforme regras e conforme vamos querendo eficiência</a:t>
-            </a:r>
-            <a:br>
-              <a:rPr lang="pt-PT" dirty="0"/>
-            </a:br>
-            <a:endParaRPr lang="pt-PT" dirty="0"/>
-          </a:p>
-          <a:p>
-            <a:r>
-              <a:rPr lang="pt-PT" dirty="0"/>
-              <a:t>Ponto 2.2 – dizer q árvore é o q permite escolher diálogo, com base em destreza e tal</a:t>
-            </a:r>
-          </a:p>
-          <a:p>
-            <a:endParaRPr lang="pt-PT" dirty="0"/>
-          </a:p>
-          <a:p>
-            <a:r>
-              <a:rPr lang="pt-PT" dirty="0"/>
-              <a:t>Ponto 2.3 – dizer que é supervisionada para já ?</a:t>
-            </a:r>
-            <a:br>
-              <a:rPr lang="pt-PT" dirty="0"/>
-            </a:br>
-            <a:br>
-              <a:rPr lang="pt-PT" dirty="0"/>
-            </a:br>
-            <a:r>
-              <a:rPr lang="pt-PT" dirty="0"/>
-              <a:t>Ponto 3 – dizer q basicamente temos que melhorar tudo o que temos acima</a:t>
-            </a:r>
-          </a:p>
-        </p:txBody>
-      </p:sp>
-      <p:sp>
-        <p:nvSpPr>
-          <p:cNvPr id="4" name="Marcador de Posição do Número do Diapositivo 3"/>
-          <p:cNvSpPr>
-            <a:spLocks noGrp="1"/>
-          </p:cNvSpPr>
-          <p:nvPr>
-            <p:ph type="sldNum" sz="quarter" idx="5"/>
-          </p:nvPr>
-        </p:nvSpPr>
-        <p:spPr/>
-        <p:txBody>
-          <a:bodyPr/>
-          <a:lstStyle/>
-          <a:p>
-            <a:fld id="{F9C76EEC-3DB8-4814-A8C5-185DA6C5A9E9}" type="slidenum">
-              <a:rPr lang="pt-PT" smtClean="0"/>
-              <a:t>11</a:t>
-            </a:fld>
-            <a:endParaRPr lang="pt-PT"/>
-          </a:p>
-        </p:txBody>
-      </p:sp>
-    </p:spTree>
-    <p:extLst>
-      <p:ext uri="{BB962C8B-B14F-4D97-AF65-F5344CB8AC3E}">
-        <p14:creationId xmlns:p14="http://schemas.microsoft.com/office/powerpoint/2010/main" val="2155469764"/>
-      </p:ext>
-    </p:extLst>
-  </p:cSld>
-  <p:clrMapOvr>
-    <a:masterClrMapping/>
-  </p:clrMapOvr>
-</p:notes>
-</file>
-
-<file path=ppt/notesSlides/notesSlide12.xml><?xml version="1.0" encoding="utf-8"?>
-<p:notes xmlns:a="http://schemas.openxmlformats.org/drawingml/2006/main" xmlns:r="http://schemas.openxmlformats.org/officeDocument/2006/relationships" xmlns:p="http://schemas.openxmlformats.org/presentationml/2006/main">
-  <p:cSld>
-    <p:spTree>
-      <p:nvGrpSpPr>
-        <p:cNvPr id="1" name=""/>
-        <p:cNvGrpSpPr/>
-        <p:nvPr/>
-      </p:nvGrpSpPr>
-      <p:grpSpPr>
-        <a:xfrm>
-          <a:off x="0" y="0"/>
-          <a:ext cx="0" cy="0"/>
-          <a:chOff x="0" y="0"/>
-          <a:chExt cx="0" cy="0"/>
-        </a:xfrm>
-      </p:grpSpPr>
-      <p:sp>
-        <p:nvSpPr>
-          <p:cNvPr id="2" name="Slide Image Placeholder 1"/>
-          <p:cNvSpPr>
-            <a:spLocks noGrp="1" noRot="1" noChangeAspect="1"/>
-          </p:cNvSpPr>
-          <p:nvPr>
-            <p:ph type="sldImg"/>
-          </p:nvPr>
-        </p:nvSpPr>
-        <p:spPr/>
-      </p:sp>
-      <p:sp>
-        <p:nvSpPr>
-          <p:cNvPr id="3" name="Notes Placeholder 2"/>
-          <p:cNvSpPr>
-            <a:spLocks noGrp="1"/>
-          </p:cNvSpPr>
-          <p:nvPr>
-            <p:ph type="body" idx="1"/>
-          </p:nvPr>
-        </p:nvSpPr>
-        <p:spPr/>
-        <p:txBody>
-          <a:bodyPr/>
-          <a:lstStyle/>
-          <a:p>
-            <a:endParaRPr lang="pt-PT" dirty="0"/>
-          </a:p>
-        </p:txBody>
-      </p:sp>
-      <p:sp>
-        <p:nvSpPr>
-          <p:cNvPr id="4" name="Slide Number Placeholder 3"/>
-          <p:cNvSpPr>
-            <a:spLocks noGrp="1"/>
-          </p:cNvSpPr>
-          <p:nvPr>
-            <p:ph type="sldNum" sz="quarter" idx="10"/>
-          </p:nvPr>
-        </p:nvSpPr>
-        <p:spPr/>
-        <p:txBody>
-          <a:bodyPr/>
-          <a:lstStyle/>
-          <a:p>
-            <a:fld id="{F9C76EEC-3DB8-4814-A8C5-185DA6C5A9E9}" type="slidenum">
-              <a:rPr lang="pt-PT" smtClean="0"/>
-              <a:t>12</a:t>
-            </a:fld>
-            <a:endParaRPr lang="pt-PT"/>
-          </a:p>
-        </p:txBody>
-      </p:sp>
-    </p:spTree>
-    <p:extLst>
-      <p:ext uri="{BB962C8B-B14F-4D97-AF65-F5344CB8AC3E}">
-        <p14:creationId xmlns:p14="http://schemas.microsoft.com/office/powerpoint/2010/main" val="2587704403"/>
-      </p:ext>
-    </p:extLst>
-  </p:cSld>
-  <p:clrMapOvr>
-    <a:masterClrMapping/>
-  </p:clrMapOvr>
-</p:notes>
-</file>
-
 <file path=ppt/notesSlides/notesSlide2.xml><?xml version="1.0" encoding="utf-8"?>
 <p:notes xmlns:a="http://schemas.openxmlformats.org/drawingml/2006/main" xmlns:r="http://schemas.openxmlformats.org/officeDocument/2006/relationships" xmlns:p="http://schemas.openxmlformats.org/presentationml/2006/main">
   <p:cSld>
@@ -1054,76 +704,7 @@
           <a:bodyPr/>
           <a:lstStyle/>
           <a:p>
-            <a:r>
-              <a:rPr lang="pt-PT" dirty="0"/>
-              <a:t>LUIS</a:t>
-            </a:r>
-          </a:p>
-          <a:p>
             <a:endParaRPr lang="pt-PT" dirty="0"/>
-          </a:p>
-          <a:p>
-            <a:r>
-              <a:rPr lang="pt-PT" dirty="0"/>
-              <a:t>Ponto 1 – falar também do exemplo de matemática (geometria, trigonometria,…) para encher</a:t>
-            </a:r>
-          </a:p>
-          <a:p>
-            <a:r>
-              <a:rPr lang="pt-PT" dirty="0"/>
-              <a:t> </a:t>
-            </a:r>
-          </a:p>
-          <a:p>
-            <a:r>
-              <a:rPr lang="pt-PT" dirty="0"/>
-              <a:t>Ponto 2 – 	aluno = utilizador</a:t>
-            </a:r>
-          </a:p>
-          <a:p>
-            <a:r>
-              <a:rPr lang="pt-PT" dirty="0"/>
-              <a:t>     	2.1 Explicar o que é a destreza (media tempo global a responder) e o desempenho(percentagem de respostas certas dentro de todas q já respondeu)</a:t>
-            </a:r>
-          </a:p>
-          <a:p>
-            <a:r>
-              <a:rPr lang="pt-PT" dirty="0"/>
-              <a:t>	2.1 falar do desempenho geral na realização de vários testes, como soma de desempenho de testes individuais</a:t>
-            </a:r>
-            <a:br>
-              <a:rPr lang="pt-PT" dirty="0"/>
-            </a:br>
-            <a:r>
-              <a:rPr lang="pt-PT" dirty="0"/>
-              <a:t>                	2.2 dizer que cada aluno tem sensibilidades diferentes e tal FUTURO, mas para já está adaptado a os dados de cada aluno (performance)</a:t>
-            </a:r>
-            <a:br>
-              <a:rPr lang="pt-PT" dirty="0"/>
-            </a:br>
-            <a:endParaRPr lang="pt-PT" dirty="0"/>
-          </a:p>
-          <a:p>
-            <a:r>
-              <a:rPr lang="pt-PT" dirty="0"/>
-              <a:t>Ponto 3 -  dizer que não se queria apenas o típico </a:t>
-            </a:r>
-            <a:r>
-              <a:rPr lang="pt-PT" dirty="0" err="1"/>
-              <a:t>chatbox</a:t>
-            </a:r>
-            <a:r>
-              <a:rPr lang="pt-PT" dirty="0"/>
-              <a:t> chato, mas um “</a:t>
-            </a:r>
-            <a:r>
-              <a:rPr lang="pt-PT" dirty="0" err="1"/>
-              <a:t>bot</a:t>
-            </a:r>
-            <a:r>
-              <a:rPr lang="pt-PT" dirty="0"/>
-              <a:t>” cativante e adequado a cada aluno</a:t>
-            </a:r>
           </a:p>
         </p:txBody>
       </p:sp>
@@ -1153,7 +734,7 @@
     </p:spTree>
     <p:extLst>
       <p:ext uri="{BB962C8B-B14F-4D97-AF65-F5344CB8AC3E}">
-        <p14:creationId xmlns:p14="http://schemas.microsoft.com/office/powerpoint/2010/main" val="2884616700"/>
+        <p14:creationId xmlns:p14="http://schemas.microsoft.com/office/powerpoint/2010/main" val="2155469764"/>
       </p:ext>
     </p:extLst>
   </p:cSld>
@@ -1207,29 +788,6 @@
           <a:bodyPr/>
           <a:lstStyle/>
           <a:p>
-            <a:pPr marL="0" marR="0" lvl="0" indent="0" algn="l" defTabSz="914400" rtl="0" eaLnBrk="1" fontAlgn="auto" latinLnBrk="0" hangingPunct="1">
-              <a:lnSpc>
-                <a:spcPct val="100000"/>
-              </a:lnSpc>
-              <a:spcBef>
-                <a:spcPts val="0"/>
-              </a:spcBef>
-              <a:spcAft>
-                <a:spcPts val="0"/>
-              </a:spcAft>
-              <a:buClrTx/>
-              <a:buSzTx/>
-              <a:buFontTx/>
-              <a:buNone/>
-              <a:tabLst/>
-              <a:defRPr/>
-            </a:pPr>
-            <a:r>
-              <a:rPr lang="pt-PT" dirty="0"/>
-              <a:t>LUIS</a:t>
-            </a:r>
-          </a:p>
-          <a:p>
             <a:endParaRPr lang="pt-PT" dirty="0"/>
           </a:p>
         </p:txBody>
@@ -1251,7 +809,7 @@
           <a:p>
             <a:fld id="{F9C76EEC-3DB8-4814-A8C5-185DA6C5A9E9}" type="slidenum">
               <a:rPr lang="pt-PT" smtClean="0"/>
-              <a:t>4</a:t>
+              <a:t>11</a:t>
             </a:fld>
             <a:endParaRPr lang="pt-PT"/>
           </a:p>
@@ -1260,7 +818,7 @@
     </p:spTree>
     <p:extLst>
       <p:ext uri="{BB962C8B-B14F-4D97-AF65-F5344CB8AC3E}">
-        <p14:creationId xmlns:p14="http://schemas.microsoft.com/office/powerpoint/2010/main" val="2542676790"/>
+        <p14:creationId xmlns:p14="http://schemas.microsoft.com/office/powerpoint/2010/main" val="2303373365"/>
       </p:ext>
     </p:extLst>
   </p:cSld>
@@ -1289,7 +847,7 @@
       </p:grpSpPr>
       <p:sp>
         <p:nvSpPr>
-          <p:cNvPr id="2" name="Marcador de Posição da Imagem do Diapositivo 1"/>
+          <p:cNvPr id="2" name="Slide Image Placeholder 1"/>
           <p:cNvSpPr>
             <a:spLocks noGrp="1" noRot="1" noChangeAspect="1"/>
           </p:cNvSpPr>
@@ -1301,7 +859,7 @@
       </p:sp>
       <p:sp>
         <p:nvSpPr>
-          <p:cNvPr id="3" name="Marcador de Posição de Notas 2"/>
+          <p:cNvPr id="3" name="Notes Placeholder 2"/>
           <p:cNvSpPr>
             <a:spLocks noGrp="1"/>
           </p:cNvSpPr>
@@ -1314,57 +872,18 @@
           <a:bodyPr/>
           <a:lstStyle/>
           <a:p>
-            <a:pPr marL="0" marR="0" lvl="0" indent="0" algn="l" defTabSz="914400" rtl="0" eaLnBrk="1" fontAlgn="auto" latinLnBrk="0" hangingPunct="1">
-              <a:lnSpc>
-                <a:spcPct val="100000"/>
-              </a:lnSpc>
-              <a:spcBef>
-                <a:spcPts val="0"/>
-              </a:spcBef>
-              <a:spcAft>
-                <a:spcPts val="0"/>
-              </a:spcAft>
-              <a:buClrTx/>
-              <a:buSzTx/>
-              <a:buFontTx/>
-              <a:buNone/>
-              <a:tabLst/>
-              <a:defRPr/>
-            </a:pPr>
-            <a:r>
-              <a:rPr lang="pt-PT" dirty="0"/>
-              <a:t>LUIS</a:t>
-            </a:r>
-          </a:p>
-          <a:p>
             <a:endParaRPr lang="pt-PT" dirty="0"/>
           </a:p>
-          <a:p>
-            <a:r>
-              <a:rPr lang="pt-PT" dirty="0"/>
-              <a:t>Ponto 1: salientar que a existência dos outros módulos por estarmos a trabalhar em conjunto com outro projeto</a:t>
-            </a:r>
-            <a:br>
-              <a:rPr lang="pt-PT" dirty="0"/>
-            </a:br>
-            <a:br>
-              <a:rPr lang="pt-PT" dirty="0"/>
-            </a:br>
-            <a:r>
-              <a:rPr lang="pt-PT" dirty="0"/>
-              <a:t>Ponto 2: exemplificar domínio e subdomínio</a:t>
-            </a:r>
-          </a:p>
-        </p:txBody>
-      </p:sp>
-      <p:sp>
-        <p:nvSpPr>
-          <p:cNvPr id="4" name="Marcador de Posição do Número do Diapositivo 3"/>
-          <p:cNvSpPr>
-            <a:spLocks noGrp="1"/>
-          </p:cNvSpPr>
-          <p:nvPr>
-            <p:ph type="sldNum" sz="quarter" idx="5"/>
+        </p:txBody>
+      </p:sp>
+      <p:sp>
+        <p:nvSpPr>
+          <p:cNvPr id="4" name="Slide Number Placeholder 3"/>
+          <p:cNvSpPr>
+            <a:spLocks noGrp="1"/>
+          </p:cNvSpPr>
+          <p:nvPr>
+            <p:ph type="sldNum" sz="quarter" idx="10"/>
           </p:nvPr>
         </p:nvSpPr>
         <p:spPr/>
@@ -1374,7 +893,7 @@
           <a:p>
             <a:fld id="{F9C76EEC-3DB8-4814-A8C5-185DA6C5A9E9}" type="slidenum">
               <a:rPr lang="pt-PT" smtClean="0"/>
-              <a:t>5</a:t>
+              <a:t>12</a:t>
             </a:fld>
             <a:endParaRPr lang="pt-PT"/>
           </a:p>
@@ -1383,839 +902,7 @@
     </p:spTree>
     <p:extLst>
       <p:ext uri="{BB962C8B-B14F-4D97-AF65-F5344CB8AC3E}">
-        <p14:creationId xmlns:p14="http://schemas.microsoft.com/office/powerpoint/2010/main" val="1200589705"/>
-      </p:ext>
-    </p:extLst>
-  </p:cSld>
-  <p:clrMapOvr>
-    <a:masterClrMapping/>
-  </p:clrMapOvr>
-</p:notes>
-</file>
-
-<file path=ppt/notesSlides/notesSlide6.xml><?xml version="1.0" encoding="utf-8"?>
-<p:notes xmlns:a="http://schemas.openxmlformats.org/drawingml/2006/main" xmlns:r="http://schemas.openxmlformats.org/officeDocument/2006/relationships" xmlns:p="http://schemas.openxmlformats.org/presentationml/2006/main">
-  <p:cSld>
-    <p:spTree>
-      <p:nvGrpSpPr>
-        <p:cNvPr id="1" name=""/>
-        <p:cNvGrpSpPr/>
-        <p:nvPr/>
-      </p:nvGrpSpPr>
-      <p:grpSpPr>
-        <a:xfrm>
-          <a:off x="0" y="0"/>
-          <a:ext cx="0" cy="0"/>
-          <a:chOff x="0" y="0"/>
-          <a:chExt cx="0" cy="0"/>
-        </a:xfrm>
-      </p:grpSpPr>
-      <p:sp>
-        <p:nvSpPr>
-          <p:cNvPr id="2" name="Marcador de Posição da Imagem do Diapositivo 1"/>
-          <p:cNvSpPr>
-            <a:spLocks noGrp="1" noRot="1" noChangeAspect="1"/>
-          </p:cNvSpPr>
-          <p:nvPr>
-            <p:ph type="sldImg"/>
-          </p:nvPr>
-        </p:nvSpPr>
-        <p:spPr/>
-      </p:sp>
-      <p:sp>
-        <p:nvSpPr>
-          <p:cNvPr id="3" name="Marcador de Posição de Notas 2"/>
-          <p:cNvSpPr>
-            <a:spLocks noGrp="1"/>
-          </p:cNvSpPr>
-          <p:nvPr>
-            <p:ph type="body" idx="1"/>
-          </p:nvPr>
-        </p:nvSpPr>
-        <p:spPr/>
-        <p:txBody>
-          <a:bodyPr/>
-          <a:lstStyle/>
-          <a:p>
-            <a:r>
-              <a:rPr lang="pt-PT" dirty="0"/>
-              <a:t>DIANA</a:t>
-            </a:r>
-          </a:p>
-          <a:p>
-            <a:endParaRPr lang="pt-PT" dirty="0"/>
-          </a:p>
-          <a:p>
-            <a:pPr marL="0" marR="0" lvl="0" indent="0" algn="l" defTabSz="914400" rtl="0" eaLnBrk="1" fontAlgn="auto" latinLnBrk="0" hangingPunct="1">
-              <a:lnSpc>
-                <a:spcPct val="100000"/>
-              </a:lnSpc>
-              <a:spcBef>
-                <a:spcPts val="0"/>
-              </a:spcBef>
-              <a:spcAft>
-                <a:spcPts val="0"/>
-              </a:spcAft>
-              <a:buClrTx/>
-              <a:buSzTx/>
-              <a:buFontTx/>
-              <a:buNone/>
-              <a:tabLst/>
-              <a:defRPr/>
-            </a:pPr>
-            <a:r>
-              <a:rPr lang="pt-PT" dirty="0"/>
-              <a:t>&gt;&gt; apresentação geral das funcionalidades do componente.</a:t>
-            </a:r>
-          </a:p>
-          <a:p>
-            <a:pPr marL="0" marR="0" lvl="0" indent="0" algn="l" defTabSz="914400" rtl="0" eaLnBrk="1" fontAlgn="auto" latinLnBrk="0" hangingPunct="1">
-              <a:lnSpc>
-                <a:spcPct val="100000"/>
-              </a:lnSpc>
-              <a:spcBef>
-                <a:spcPts val="0"/>
-              </a:spcBef>
-              <a:spcAft>
-                <a:spcPts val="0"/>
-              </a:spcAft>
-              <a:buClrTx/>
-              <a:buSzTx/>
-              <a:buFontTx/>
-              <a:buNone/>
-              <a:tabLst/>
-              <a:defRPr/>
-            </a:pPr>
-            <a:endParaRPr lang="pt-PT" dirty="0"/>
-          </a:p>
-          <a:p>
-            <a:pPr marL="0" marR="0" lvl="0" indent="0" algn="l" defTabSz="914400" rtl="0" eaLnBrk="1" fontAlgn="auto" latinLnBrk="0" hangingPunct="1">
-              <a:lnSpc>
-                <a:spcPct val="100000"/>
-              </a:lnSpc>
-              <a:spcBef>
-                <a:spcPts val="0"/>
-              </a:spcBef>
-              <a:spcAft>
-                <a:spcPts val="0"/>
-              </a:spcAft>
-              <a:buClrTx/>
-              <a:buSzTx/>
-              <a:buFontTx/>
-              <a:buNone/>
-              <a:tabLst/>
-              <a:defRPr/>
-            </a:pPr>
-            <a:r>
-              <a:rPr lang="pt-PT" dirty="0"/>
-              <a:t>	COMPONENTE  NOSSA --- ESTÁ INTEGRADA NOUTRAS  como BD &amp; PROFILER</a:t>
-            </a:r>
-            <a:br>
-              <a:rPr lang="pt-PT" dirty="0"/>
-            </a:br>
-            <a:r>
-              <a:rPr lang="pt-PT" dirty="0"/>
-              <a:t>Ponto 1.1 – dizer que vem do </a:t>
-            </a:r>
-            <a:r>
-              <a:rPr lang="pt-PT" dirty="0" err="1"/>
-              <a:t>profiler</a:t>
-            </a:r>
-            <a:r>
-              <a:rPr lang="pt-PT" dirty="0"/>
-              <a:t> (PADRAO em JSON / VETOR DE INFO) –convertemos os valores do padrão noutros valores, segundo os intervalos estabelecidos por</a:t>
-            </a:r>
-            <a:br>
-              <a:rPr lang="pt-PT" dirty="0"/>
-            </a:br>
-            <a:r>
-              <a:rPr lang="pt-PT" dirty="0"/>
-              <a:t>                   nós.</a:t>
-            </a:r>
-          </a:p>
-          <a:p>
-            <a:r>
-              <a:rPr lang="pt-PT" dirty="0"/>
-              <a:t>                –  definir “informação útil” (dados do aluno como performance, se acertou ou errou ultima pergunta,…)</a:t>
-            </a:r>
-          </a:p>
-          <a:p>
-            <a:endParaRPr lang="pt-PT" dirty="0"/>
-          </a:p>
-          <a:p>
-            <a:r>
-              <a:rPr lang="pt-PT" dirty="0"/>
-              <a:t>Ponto 1.2 – explicar que analisamos esses valores e testamos contra as regras estabelecidas por nós, respetivas a cada um dos </a:t>
-            </a:r>
-            <a:r>
-              <a:rPr lang="pt-PT" dirty="0" err="1"/>
-              <a:t>dominios</a:t>
-            </a:r>
-            <a:r>
-              <a:rPr lang="pt-PT" dirty="0"/>
-              <a:t>.</a:t>
-            </a:r>
-          </a:p>
-          <a:p>
-            <a:endParaRPr lang="pt-PT" dirty="0"/>
-          </a:p>
-          <a:p>
-            <a:r>
-              <a:rPr lang="pt-PT" dirty="0"/>
-              <a:t>Ponto 1.3 – dizer que a regra acionada (cujas condições são satisfeitas pelos valores) vai ditar qual o tipo de frase a apresentar ao utilizador</a:t>
-            </a:r>
-            <a:br>
-              <a:rPr lang="pt-PT" dirty="0"/>
-            </a:br>
-            <a:endParaRPr lang="pt-PT" dirty="0"/>
-          </a:p>
-        </p:txBody>
-      </p:sp>
-      <p:sp>
-        <p:nvSpPr>
-          <p:cNvPr id="4" name="Marcador de Posição do Número do Diapositivo 3"/>
-          <p:cNvSpPr>
-            <a:spLocks noGrp="1"/>
-          </p:cNvSpPr>
-          <p:nvPr>
-            <p:ph type="sldNum" sz="quarter" idx="5"/>
-          </p:nvPr>
-        </p:nvSpPr>
-        <p:spPr/>
-        <p:txBody>
-          <a:bodyPr/>
-          <a:lstStyle/>
-          <a:p>
-            <a:fld id="{F9C76EEC-3DB8-4814-A8C5-185DA6C5A9E9}" type="slidenum">
-              <a:rPr lang="pt-PT" smtClean="0"/>
-              <a:t>6</a:t>
-            </a:fld>
-            <a:endParaRPr lang="pt-PT"/>
-          </a:p>
-        </p:txBody>
-      </p:sp>
-    </p:spTree>
-    <p:extLst>
-      <p:ext uri="{BB962C8B-B14F-4D97-AF65-F5344CB8AC3E}">
-        <p14:creationId xmlns:p14="http://schemas.microsoft.com/office/powerpoint/2010/main" val="1112323880"/>
-      </p:ext>
-    </p:extLst>
-  </p:cSld>
-  <p:clrMapOvr>
-    <a:masterClrMapping/>
-  </p:clrMapOvr>
-</p:notes>
-</file>
-
-<file path=ppt/notesSlides/notesSlide7.xml><?xml version="1.0" encoding="utf-8"?>
-<p:notes xmlns:a="http://schemas.openxmlformats.org/drawingml/2006/main" xmlns:r="http://schemas.openxmlformats.org/officeDocument/2006/relationships" xmlns:p="http://schemas.openxmlformats.org/presentationml/2006/main">
-  <p:cSld>
-    <p:spTree>
-      <p:nvGrpSpPr>
-        <p:cNvPr id="1" name=""/>
-        <p:cNvGrpSpPr/>
-        <p:nvPr/>
-      </p:nvGrpSpPr>
-      <p:grpSpPr>
-        <a:xfrm>
-          <a:off x="0" y="0"/>
-          <a:ext cx="0" cy="0"/>
-          <a:chOff x="0" y="0"/>
-          <a:chExt cx="0" cy="0"/>
-        </a:xfrm>
-      </p:grpSpPr>
-      <p:sp>
-        <p:nvSpPr>
-          <p:cNvPr id="2" name="Marcador de Posição da Imagem do Diapositivo 1"/>
-          <p:cNvSpPr>
-            <a:spLocks noGrp="1" noRot="1" noChangeAspect="1"/>
-          </p:cNvSpPr>
-          <p:nvPr>
-            <p:ph type="sldImg"/>
-          </p:nvPr>
-        </p:nvSpPr>
-        <p:spPr/>
-      </p:sp>
-      <p:sp>
-        <p:nvSpPr>
-          <p:cNvPr id="3" name="Marcador de Posição de Notas 2"/>
-          <p:cNvSpPr>
-            <a:spLocks noGrp="1"/>
-          </p:cNvSpPr>
-          <p:nvPr>
-            <p:ph type="body" idx="1"/>
-          </p:nvPr>
-        </p:nvSpPr>
-        <p:spPr/>
-        <p:txBody>
-          <a:bodyPr/>
-          <a:lstStyle/>
-          <a:p>
-            <a:r>
-              <a:rPr lang="pt-PT" dirty="0"/>
-              <a:t>DIANA</a:t>
-            </a:r>
-          </a:p>
-          <a:p>
-            <a:endParaRPr lang="pt-PT" dirty="0"/>
-          </a:p>
-          <a:p>
-            <a:r>
-              <a:rPr lang="pt-PT" dirty="0"/>
-              <a:t>&gt;&gt; descrição de como o componente atua dentro do sistema global </a:t>
-            </a:r>
-          </a:p>
-          <a:p>
-            <a:r>
-              <a:rPr lang="pt-PT" dirty="0"/>
-              <a:t>---- dizer que não tratamos de ir buscar as perguntas da matéria à BD nem somos o </a:t>
-            </a:r>
-            <a:r>
-              <a:rPr lang="pt-PT" dirty="0" err="1"/>
-              <a:t>profiler</a:t>
-            </a:r>
-            <a:r>
-              <a:rPr lang="pt-PT" dirty="0"/>
-              <a:t>, apenas somos responsáveis pelas frases de diálogo com o aluno</a:t>
-            </a:r>
-          </a:p>
-          <a:p>
-            <a:r>
-              <a:rPr lang="pt-PT" dirty="0"/>
-              <a:t>&gt;&gt; arquitetura básica do componente e sua interação com os outros módulos</a:t>
-            </a:r>
-            <a:br>
-              <a:rPr lang="pt-PT" dirty="0"/>
-            </a:br>
-            <a:r>
-              <a:rPr lang="pt-PT" dirty="0"/>
-              <a:t>---- imagem</a:t>
-            </a:r>
-          </a:p>
-          <a:p>
-            <a:endParaRPr lang="pt-PT" dirty="0"/>
-          </a:p>
-        </p:txBody>
-      </p:sp>
-      <p:sp>
-        <p:nvSpPr>
-          <p:cNvPr id="4" name="Marcador de Posição do Número do Diapositivo 3"/>
-          <p:cNvSpPr>
-            <a:spLocks noGrp="1"/>
-          </p:cNvSpPr>
-          <p:nvPr>
-            <p:ph type="sldNum" sz="quarter" idx="5"/>
-          </p:nvPr>
-        </p:nvSpPr>
-        <p:spPr/>
-        <p:txBody>
-          <a:bodyPr/>
-          <a:lstStyle/>
-          <a:p>
-            <a:fld id="{F9C76EEC-3DB8-4814-A8C5-185DA6C5A9E9}" type="slidenum">
-              <a:rPr lang="pt-PT" smtClean="0"/>
-              <a:t>7</a:t>
-            </a:fld>
-            <a:endParaRPr lang="pt-PT"/>
-          </a:p>
-        </p:txBody>
-      </p:sp>
-    </p:spTree>
-    <p:extLst>
-      <p:ext uri="{BB962C8B-B14F-4D97-AF65-F5344CB8AC3E}">
-        <p14:creationId xmlns:p14="http://schemas.microsoft.com/office/powerpoint/2010/main" val="3339019805"/>
-      </p:ext>
-    </p:extLst>
-  </p:cSld>
-  <p:clrMapOvr>
-    <a:masterClrMapping/>
-  </p:clrMapOvr>
-</p:notes>
-</file>
-
-<file path=ppt/notesSlides/notesSlide8.xml><?xml version="1.0" encoding="utf-8"?>
-<p:notes xmlns:a="http://schemas.openxmlformats.org/drawingml/2006/main" xmlns:r="http://schemas.openxmlformats.org/officeDocument/2006/relationships" xmlns:p="http://schemas.openxmlformats.org/presentationml/2006/main">
-  <p:cSld>
-    <p:spTree>
-      <p:nvGrpSpPr>
-        <p:cNvPr id="1" name=""/>
-        <p:cNvGrpSpPr/>
-        <p:nvPr/>
-      </p:nvGrpSpPr>
-      <p:grpSpPr>
-        <a:xfrm>
-          <a:off x="0" y="0"/>
-          <a:ext cx="0" cy="0"/>
-          <a:chOff x="0" y="0"/>
-          <a:chExt cx="0" cy="0"/>
-        </a:xfrm>
-      </p:grpSpPr>
-      <p:sp>
-        <p:nvSpPr>
-          <p:cNvPr id="2" name="Marcador de Posição da Imagem do Diapositivo 1"/>
-          <p:cNvSpPr>
-            <a:spLocks noGrp="1" noRot="1" noChangeAspect="1"/>
-          </p:cNvSpPr>
-          <p:nvPr>
-            <p:ph type="sldImg"/>
-          </p:nvPr>
-        </p:nvSpPr>
-        <p:spPr/>
-      </p:sp>
-      <p:sp>
-        <p:nvSpPr>
-          <p:cNvPr id="3" name="Marcador de Posição de Notas 2"/>
-          <p:cNvSpPr>
-            <a:spLocks noGrp="1"/>
-          </p:cNvSpPr>
-          <p:nvPr>
-            <p:ph type="body" idx="1"/>
-          </p:nvPr>
-        </p:nvSpPr>
-        <p:spPr/>
-        <p:txBody>
-          <a:bodyPr/>
-          <a:lstStyle/>
-          <a:p>
-            <a:r>
-              <a:rPr lang="pt-PT" dirty="0"/>
-              <a:t>DIANA</a:t>
-            </a:r>
-          </a:p>
-          <a:p>
-            <a:endParaRPr lang="pt-PT" dirty="0"/>
-          </a:p>
-          <a:p>
-            <a:r>
-              <a:rPr lang="pt-PT" dirty="0"/>
-              <a:t>&gt;&gt; apresentação de um pequeno excerto da base de dados das frases e da sua informação de suporte.</a:t>
-            </a:r>
-          </a:p>
-          <a:p>
-            <a:r>
-              <a:rPr lang="pt-PT" dirty="0"/>
-              <a:t>&gt;&gt; exemplo de um diálogo suportado pelo sistema.</a:t>
-            </a:r>
-          </a:p>
-          <a:p>
-            <a:r>
-              <a:rPr lang="pt-PT" dirty="0"/>
-              <a:t>&gt;&gt; explicar </a:t>
-            </a:r>
-            <a:r>
-              <a:rPr lang="pt-PT" dirty="0" err="1"/>
-              <a:t>tags</a:t>
-            </a:r>
-            <a:r>
-              <a:rPr lang="pt-PT" dirty="0"/>
-              <a:t> (</a:t>
-            </a:r>
-            <a:r>
-              <a:rPr lang="pt-PT" dirty="0" err="1"/>
-              <a:t>greetings</a:t>
-            </a:r>
-            <a:r>
-              <a:rPr lang="pt-PT" dirty="0"/>
-              <a:t>, </a:t>
-            </a:r>
-            <a:r>
-              <a:rPr lang="pt-PT" dirty="0" err="1"/>
-              <a:t>funny</a:t>
-            </a:r>
-            <a:r>
-              <a:rPr lang="pt-PT"/>
-              <a:t> [ESTADOS ESPIRITO LEONARDO], </a:t>
-            </a:r>
-            <a:r>
-              <a:rPr lang="pt-PT" dirty="0" err="1"/>
-              <a:t>phrase</a:t>
-            </a:r>
-            <a:r>
-              <a:rPr lang="pt-PT" dirty="0"/>
-              <a:t>, </a:t>
-            </a:r>
-            <a:r>
-              <a:rPr lang="pt-PT" dirty="0" err="1"/>
-              <a:t>counter</a:t>
-            </a:r>
-            <a:r>
-              <a:rPr lang="pt-PT" dirty="0"/>
-              <a:t>, </a:t>
-            </a:r>
-            <a:r>
-              <a:rPr lang="pt-PT" dirty="0" err="1"/>
-              <a:t>answer</a:t>
-            </a:r>
-            <a:r>
-              <a:rPr lang="pt-PT" dirty="0"/>
-              <a:t>…)</a:t>
-            </a:r>
-          </a:p>
-          <a:p>
-            <a:endParaRPr lang="pt-PT" dirty="0"/>
-          </a:p>
-        </p:txBody>
-      </p:sp>
-      <p:sp>
-        <p:nvSpPr>
-          <p:cNvPr id="4" name="Marcador de Posição do Número do Diapositivo 3"/>
-          <p:cNvSpPr>
-            <a:spLocks noGrp="1"/>
-          </p:cNvSpPr>
-          <p:nvPr>
-            <p:ph type="sldNum" sz="quarter" idx="5"/>
-          </p:nvPr>
-        </p:nvSpPr>
-        <p:spPr/>
-        <p:txBody>
-          <a:bodyPr/>
-          <a:lstStyle/>
-          <a:p>
-            <a:fld id="{F9C76EEC-3DB8-4814-A8C5-185DA6C5A9E9}" type="slidenum">
-              <a:rPr lang="pt-PT" smtClean="0"/>
-              <a:t>8</a:t>
-            </a:fld>
-            <a:endParaRPr lang="pt-PT"/>
-          </a:p>
-        </p:txBody>
-      </p:sp>
-    </p:spTree>
-    <p:extLst>
-      <p:ext uri="{BB962C8B-B14F-4D97-AF65-F5344CB8AC3E}">
-        <p14:creationId xmlns:p14="http://schemas.microsoft.com/office/powerpoint/2010/main" val="2373765445"/>
-      </p:ext>
-    </p:extLst>
-  </p:cSld>
-  <p:clrMapOvr>
-    <a:masterClrMapping/>
-  </p:clrMapOvr>
-</p:notes>
-</file>
-
-<file path=ppt/notesSlides/notesSlide9.xml><?xml version="1.0" encoding="utf-8"?>
-<p:notes xmlns:a="http://schemas.openxmlformats.org/drawingml/2006/main" xmlns:r="http://schemas.openxmlformats.org/officeDocument/2006/relationships" xmlns:p="http://schemas.openxmlformats.org/presentationml/2006/main">
-  <p:cSld>
-    <p:spTree>
-      <p:nvGrpSpPr>
-        <p:cNvPr id="1" name=""/>
-        <p:cNvGrpSpPr/>
-        <p:nvPr/>
-      </p:nvGrpSpPr>
-      <p:grpSpPr>
-        <a:xfrm>
-          <a:off x="0" y="0"/>
-          <a:ext cx="0" cy="0"/>
-          <a:chOff x="0" y="0"/>
-          <a:chExt cx="0" cy="0"/>
-        </a:xfrm>
-      </p:grpSpPr>
-      <p:sp>
-        <p:nvSpPr>
-          <p:cNvPr id="2" name="Marcador de Posição da Imagem do Diapositivo 1"/>
-          <p:cNvSpPr>
-            <a:spLocks noGrp="1" noRot="1" noChangeAspect="1"/>
-          </p:cNvSpPr>
-          <p:nvPr>
-            <p:ph type="sldImg"/>
-          </p:nvPr>
-        </p:nvSpPr>
-        <p:spPr/>
-      </p:sp>
-      <p:sp>
-        <p:nvSpPr>
-          <p:cNvPr id="3" name="Marcador de Posição de Notas 2"/>
-          <p:cNvSpPr>
-            <a:spLocks noGrp="1"/>
-          </p:cNvSpPr>
-          <p:nvPr>
-            <p:ph type="body" idx="1"/>
-          </p:nvPr>
-        </p:nvSpPr>
-        <p:spPr/>
-        <p:txBody>
-          <a:bodyPr/>
-          <a:lstStyle/>
-          <a:p>
-            <a:r>
-              <a:rPr lang="pt-PT" dirty="0"/>
-              <a:t>GIL</a:t>
-            </a:r>
-          </a:p>
-          <a:p>
-            <a:endParaRPr lang="pt-PT" dirty="0"/>
-          </a:p>
-          <a:p>
-            <a:r>
-              <a:rPr lang="pt-PT" dirty="0"/>
-              <a:t>- No </a:t>
-            </a:r>
-            <a:r>
-              <a:rPr lang="pt-PT" dirty="0" err="1"/>
-              <a:t>python</a:t>
-            </a:r>
-            <a:r>
-              <a:rPr lang="pt-PT" dirty="0"/>
-              <a:t> falar do script para geração de frases, com cadeias de </a:t>
-            </a:r>
-            <a:r>
-              <a:rPr lang="pt-PT" dirty="0" err="1"/>
-              <a:t>Markov</a:t>
-            </a:r>
-            <a:r>
-              <a:rPr lang="pt-PT" dirty="0"/>
-              <a:t> e utilização de NLTK para processamento de frases (separar por palavras)</a:t>
-            </a:r>
-          </a:p>
-          <a:p>
-            <a:pPr marL="171450" indent="-171450">
-              <a:buFontTx/>
-              <a:buChar char="-"/>
-            </a:pPr>
-            <a:r>
-              <a:rPr lang="pt-PT" dirty="0" err="1"/>
-              <a:t>Sentence</a:t>
-            </a:r>
-            <a:r>
-              <a:rPr lang="pt-PT" dirty="0"/>
-              <a:t> </a:t>
-            </a:r>
-            <a:r>
-              <a:rPr lang="pt-PT" dirty="0" err="1"/>
-              <a:t>generator</a:t>
-            </a:r>
-            <a:r>
-              <a:rPr lang="pt-PT" dirty="0"/>
-              <a:t> </a:t>
-            </a:r>
-            <a:r>
-              <a:rPr lang="pt-PT" dirty="0" err="1"/>
-              <a:t>with</a:t>
-            </a:r>
-            <a:r>
-              <a:rPr lang="pt-PT" dirty="0"/>
-              <a:t> </a:t>
-            </a:r>
-            <a:r>
-              <a:rPr lang="pt-PT" dirty="0" err="1"/>
-              <a:t>Markov</a:t>
-            </a:r>
-            <a:r>
-              <a:rPr lang="pt-PT" dirty="0"/>
-              <a:t> </a:t>
-            </a:r>
-            <a:r>
-              <a:rPr lang="pt-PT" dirty="0" err="1"/>
-              <a:t>chains</a:t>
-            </a:r>
-            <a:r>
-              <a:rPr lang="pt-PT" dirty="0"/>
-              <a:t>: o programa </a:t>
-            </a:r>
-            <a:r>
-              <a:rPr lang="pt-PT" sz="1200" b="0" i="0" kern="1200" dirty="0">
-                <a:solidFill>
-                  <a:schemeClr val="tx1"/>
-                </a:solidFill>
-                <a:effectLst/>
-                <a:latin typeface="+mn-lt"/>
-                <a:ea typeface="+mn-ea"/>
-                <a:cs typeface="+mn-cs"/>
-              </a:rPr>
-              <a:t>cria um dicionário com as palavras, recebidas de um </a:t>
-            </a:r>
-            <a:r>
-              <a:rPr lang="pt-PT" sz="1200" b="0" i="0" kern="1200" dirty="0" err="1">
-                <a:solidFill>
-                  <a:schemeClr val="tx1"/>
-                </a:solidFill>
-                <a:effectLst/>
-                <a:latin typeface="+mn-lt"/>
-                <a:ea typeface="+mn-ea"/>
-                <a:cs typeface="+mn-cs"/>
-              </a:rPr>
-              <a:t>dataset</a:t>
-            </a:r>
-            <a:r>
-              <a:rPr lang="pt-PT" sz="1200" b="0" i="0" kern="1200" dirty="0">
-                <a:solidFill>
-                  <a:schemeClr val="tx1"/>
-                </a:solidFill>
-                <a:effectLst/>
-                <a:latin typeface="+mn-lt"/>
-                <a:ea typeface="+mn-ea"/>
-                <a:cs typeface="+mn-cs"/>
-              </a:rPr>
-              <a:t> com frases, e a palavra que vem a seguir, e depois aplica cadeias de </a:t>
-            </a:r>
-            <a:r>
-              <a:rPr lang="pt-PT" sz="1200" b="0" i="0" kern="1200" dirty="0" err="1">
-                <a:solidFill>
-                  <a:schemeClr val="tx1"/>
-                </a:solidFill>
-                <a:effectLst/>
-                <a:latin typeface="+mn-lt"/>
-                <a:ea typeface="+mn-ea"/>
-                <a:cs typeface="+mn-cs"/>
-              </a:rPr>
-              <a:t>Markov</a:t>
-            </a:r>
-            <a:r>
-              <a:rPr lang="pt-PT" sz="1200" b="0" i="0" kern="1200" dirty="0">
-                <a:solidFill>
-                  <a:schemeClr val="tx1"/>
-                </a:solidFill>
-                <a:effectLst/>
-                <a:latin typeface="+mn-lt"/>
-                <a:ea typeface="+mn-ea"/>
-                <a:cs typeface="+mn-cs"/>
-              </a:rPr>
-              <a:t> sobre essa informação tentando fazer frases que fazem sentido. As cadeias de </a:t>
-            </a:r>
-            <a:r>
-              <a:rPr lang="pt-PT" sz="1200" b="0" i="0" kern="1200" dirty="0" err="1">
-                <a:solidFill>
-                  <a:schemeClr val="tx1"/>
-                </a:solidFill>
-                <a:effectLst/>
-                <a:latin typeface="+mn-lt"/>
-                <a:ea typeface="+mn-ea"/>
-                <a:cs typeface="+mn-cs"/>
-              </a:rPr>
-              <a:t>Markov</a:t>
-            </a:r>
-            <a:r>
-              <a:rPr lang="pt-PT" sz="1200" b="0" i="0" kern="1200" dirty="0">
-                <a:solidFill>
-                  <a:schemeClr val="tx1"/>
-                </a:solidFill>
-                <a:effectLst/>
-                <a:latin typeface="+mn-lt"/>
-                <a:ea typeface="+mn-ea"/>
-                <a:cs typeface="+mn-cs"/>
-              </a:rPr>
-              <a:t> são uteis para prever o estado futuro com base nas características do estado presente. Assim , o programa utiliza e analisa as frases de um </a:t>
-            </a:r>
-            <a:r>
-              <a:rPr lang="pt-PT" sz="1200" b="0" i="0" kern="1200" dirty="0" err="1">
-                <a:solidFill>
-                  <a:schemeClr val="tx1"/>
-                </a:solidFill>
-                <a:effectLst/>
-                <a:latin typeface="+mn-lt"/>
-                <a:ea typeface="+mn-ea"/>
-                <a:cs typeface="+mn-cs"/>
-              </a:rPr>
-              <a:t>dataset</a:t>
-            </a:r>
-            <a:r>
-              <a:rPr lang="pt-PT" sz="1200" b="0" i="0" kern="1200" dirty="0">
-                <a:solidFill>
-                  <a:schemeClr val="tx1"/>
-                </a:solidFill>
-                <a:effectLst/>
-                <a:latin typeface="+mn-lt"/>
-                <a:ea typeface="+mn-ea"/>
-                <a:cs typeface="+mn-cs"/>
-              </a:rPr>
-              <a:t> inicial e, a partir dai, tenta prever e gerar novas frases. Utiliza as cadeiras de </a:t>
-            </a:r>
-            <a:r>
-              <a:rPr lang="pt-PT" sz="1200" b="0" i="0" kern="1200" dirty="0" err="1">
-                <a:solidFill>
-                  <a:schemeClr val="tx1"/>
-                </a:solidFill>
-                <a:effectLst/>
-                <a:latin typeface="+mn-lt"/>
-                <a:ea typeface="+mn-ea"/>
-                <a:cs typeface="+mn-cs"/>
-              </a:rPr>
-              <a:t>markov</a:t>
-            </a:r>
-            <a:r>
-              <a:rPr lang="pt-PT" sz="1200" b="0" i="0" kern="1200" dirty="0">
-                <a:solidFill>
-                  <a:schemeClr val="tx1"/>
-                </a:solidFill>
-                <a:effectLst/>
-                <a:latin typeface="+mn-lt"/>
-                <a:ea typeface="+mn-ea"/>
-                <a:cs typeface="+mn-cs"/>
-              </a:rPr>
-              <a:t> para prever quais as sequências de palavras mais adequadas que precedem a um outro conjunto de palavras.</a:t>
-            </a:r>
-          </a:p>
-          <a:p>
-            <a:pPr marL="171450" indent="-171450">
-              <a:buFontTx/>
-              <a:buChar char="-"/>
-            </a:pPr>
-            <a:r>
-              <a:rPr lang="pt-PT" sz="1200" b="0" i="0" kern="1200" dirty="0">
-                <a:solidFill>
-                  <a:schemeClr val="tx1"/>
-                </a:solidFill>
-                <a:effectLst/>
-                <a:latin typeface="+mn-lt"/>
-                <a:ea typeface="+mn-ea"/>
-                <a:cs typeface="+mn-cs"/>
-              </a:rPr>
-              <a:t>Cadeias de </a:t>
-            </a:r>
-            <a:r>
-              <a:rPr lang="pt-PT" sz="1200" b="0" i="0" kern="1200" dirty="0" err="1">
-                <a:solidFill>
-                  <a:schemeClr val="tx1"/>
-                </a:solidFill>
-                <a:effectLst/>
-                <a:latin typeface="+mn-lt"/>
-                <a:ea typeface="+mn-ea"/>
-                <a:cs typeface="+mn-cs"/>
-              </a:rPr>
-              <a:t>Markov</a:t>
-            </a:r>
-            <a:r>
-              <a:rPr lang="pt-PT" sz="1200" b="0" i="0" kern="1200" dirty="0">
-                <a:solidFill>
-                  <a:schemeClr val="tx1"/>
-                </a:solidFill>
-                <a:effectLst/>
-                <a:latin typeface="+mn-lt"/>
-                <a:ea typeface="+mn-ea"/>
-                <a:cs typeface="+mn-cs"/>
-              </a:rPr>
-              <a:t> são, por isso, bastante utilizadas neste tipo de situações!</a:t>
-            </a:r>
-            <a:endParaRPr lang="pt-PT" dirty="0"/>
-          </a:p>
-        </p:txBody>
-      </p:sp>
-      <p:sp>
-        <p:nvSpPr>
-          <p:cNvPr id="4" name="Marcador de Posição do Número do Diapositivo 3"/>
-          <p:cNvSpPr>
-            <a:spLocks noGrp="1"/>
-          </p:cNvSpPr>
-          <p:nvPr>
-            <p:ph type="sldNum" sz="quarter" idx="5"/>
-          </p:nvPr>
-        </p:nvSpPr>
-        <p:spPr/>
-        <p:txBody>
-          <a:bodyPr/>
-          <a:lstStyle/>
-          <a:p>
-            <a:fld id="{F9C76EEC-3DB8-4814-A8C5-185DA6C5A9E9}" type="slidenum">
-              <a:rPr lang="pt-PT" smtClean="0"/>
-              <a:t>9</a:t>
-            </a:fld>
-            <a:endParaRPr lang="pt-PT"/>
-          </a:p>
-        </p:txBody>
-      </p:sp>
-    </p:spTree>
-    <p:extLst>
-      <p:ext uri="{BB962C8B-B14F-4D97-AF65-F5344CB8AC3E}">
-        <p14:creationId xmlns:p14="http://schemas.microsoft.com/office/powerpoint/2010/main" val="3154484066"/>
+        <p14:creationId xmlns:p14="http://schemas.microsoft.com/office/powerpoint/2010/main" val="2587704403"/>
       </p:ext>
     </p:extLst>
   </p:cSld>
@@ -2451,7 +1138,7 @@
           <a:p>
             <a:fld id="{D3D2C362-FAA5-4C55-BE02-652F59C753E4}" type="datetimeFigureOut">
               <a:rPr lang="pt-PT" smtClean="0"/>
-              <a:t>27/03/2019</a:t>
+              <a:t>24/05/2019</a:t>
             </a:fld>
             <a:endParaRPr lang="pt-PT"/>
           </a:p>
@@ -2659,7 +1346,7 @@
           <a:p>
             <a:fld id="{D3D2C362-FAA5-4C55-BE02-652F59C753E4}" type="datetimeFigureOut">
               <a:rPr lang="pt-PT" smtClean="0"/>
-              <a:t>27/03/2019</a:t>
+              <a:t>24/05/2019</a:t>
             </a:fld>
             <a:endParaRPr lang="pt-PT"/>
           </a:p>
@@ -2915,7 +1602,7 @@
           <a:p>
             <a:fld id="{D3D2C362-FAA5-4C55-BE02-652F59C753E4}" type="datetimeFigureOut">
               <a:rPr lang="pt-PT" smtClean="0"/>
-              <a:t>27/03/2019</a:t>
+              <a:t>24/05/2019</a:t>
             </a:fld>
             <a:endParaRPr lang="pt-PT"/>
           </a:p>
@@ -3089,7 +1776,7 @@
           <a:p>
             <a:fld id="{D3D2C362-FAA5-4C55-BE02-652F59C753E4}" type="datetimeFigureOut">
               <a:rPr lang="pt-PT" smtClean="0"/>
-              <a:t>27/03/2019</a:t>
+              <a:t>24/05/2019</a:t>
             </a:fld>
             <a:endParaRPr lang="pt-PT"/>
           </a:p>
@@ -3432,7 +2119,7 @@
           <a:p>
             <a:fld id="{D3D2C362-FAA5-4C55-BE02-652F59C753E4}" type="datetimeFigureOut">
               <a:rPr lang="pt-PT" smtClean="0"/>
-              <a:t>27/03/2019</a:t>
+              <a:t>24/05/2019</a:t>
             </a:fld>
             <a:endParaRPr lang="pt-PT"/>
           </a:p>
@@ -3707,7 +2394,7 @@
           <a:p>
             <a:fld id="{D3D2C362-FAA5-4C55-BE02-652F59C753E4}" type="datetimeFigureOut">
               <a:rPr lang="pt-PT" smtClean="0"/>
-              <a:t>27/03/2019</a:t>
+              <a:t>24/05/2019</a:t>
             </a:fld>
             <a:endParaRPr lang="pt-PT"/>
           </a:p>
@@ -4086,7 +2773,7 @@
           <a:p>
             <a:fld id="{D3D2C362-FAA5-4C55-BE02-652F59C753E4}" type="datetimeFigureOut">
               <a:rPr lang="pt-PT" smtClean="0"/>
-              <a:t>27/03/2019</a:t>
+              <a:t>24/05/2019</a:t>
             </a:fld>
             <a:endParaRPr lang="pt-PT"/>
           </a:p>
@@ -4204,7 +2891,7 @@
           <a:p>
             <a:fld id="{D3D2C362-FAA5-4C55-BE02-652F59C753E4}" type="datetimeFigureOut">
               <a:rPr lang="pt-PT" smtClean="0"/>
-              <a:t>27/03/2019</a:t>
+              <a:t>24/05/2019</a:t>
             </a:fld>
             <a:endParaRPr lang="pt-PT"/>
           </a:p>
@@ -4375,7 +3062,7 @@
           <a:p>
             <a:fld id="{D3D2C362-FAA5-4C55-BE02-652F59C753E4}" type="datetimeFigureOut">
               <a:rPr lang="pt-PT" smtClean="0"/>
-              <a:t>27/03/2019</a:t>
+              <a:t>24/05/2019</a:t>
             </a:fld>
             <a:endParaRPr lang="pt-PT"/>
           </a:p>
@@ -4729,7 +3416,7 @@
           <a:p>
             <a:fld id="{D3D2C362-FAA5-4C55-BE02-652F59C753E4}" type="datetimeFigureOut">
               <a:rPr lang="pt-PT" smtClean="0"/>
-              <a:t>27/03/2019</a:t>
+              <a:t>24/05/2019</a:t>
             </a:fld>
             <a:endParaRPr lang="pt-PT"/>
           </a:p>
@@ -5111,7 +3798,7 @@
           <a:p>
             <a:fld id="{D3D2C362-FAA5-4C55-BE02-652F59C753E4}" type="datetimeFigureOut">
               <a:rPr lang="pt-PT" smtClean="0"/>
-              <a:t>27/03/2019</a:t>
+              <a:t>24/05/2019</a:t>
             </a:fld>
             <a:endParaRPr lang="pt-PT"/>
           </a:p>
@@ -5398,7 +4085,7 @@
           <a:p>
             <a:fld id="{D3D2C362-FAA5-4C55-BE02-652F59C753E4}" type="datetimeFigureOut">
               <a:rPr lang="pt-PT" smtClean="0"/>
-              <a:t>27/03/2019</a:t>
+              <a:t>24/05/2019</a:t>
             </a:fld>
             <a:endParaRPr lang="pt-PT"/>
           </a:p>
@@ -6224,7 +4911,7 @@
           <p:cNvPr id="2" name="Título 1">
             <a:extLst>
               <a:ext uri="{FF2B5EF4-FFF2-40B4-BE49-F238E27FC236}">
-                <a16:creationId xmlns:a16="http://schemas.microsoft.com/office/drawing/2014/main" id="{E7F3627F-344B-4BBB-AE8A-D976F33B76F1}"/>
+                <a16:creationId xmlns:a16="http://schemas.microsoft.com/office/drawing/2014/main" id="{D7D5C487-DAE2-4B7D-BFE9-AF4871322A8E}"/>
               </a:ext>
             </a:extLst>
           </p:cNvPr>
@@ -6241,24 +4928,18 @@
           <a:lstStyle/>
           <a:p>
             <a:r>
-              <a:rPr lang="pt-PT" dirty="0">
-                <a:solidFill>
-                  <a:schemeClr val="bg1">
-                    <a:lumMod val="50000"/>
-                  </a:schemeClr>
-                </a:solidFill>
-              </a:rPr>
-              <a:t>Conclusões</a:t>
-            </a:r>
-          </a:p>
-        </p:txBody>
-      </p:sp>
-      <p:sp>
-        <p:nvSpPr>
-          <p:cNvPr id="3" name="Marcador de Posição de Conteúdo 2">
+              <a:rPr lang="pt-PT" dirty="0"/>
+              <a:t>Funcionamento do Sistema</a:t>
+            </a:r>
+          </a:p>
+        </p:txBody>
+      </p:sp>
+      <p:sp>
+        <p:nvSpPr>
+          <p:cNvPr id="4" name="Marcador de Posição do Texto 3">
             <a:extLst>
               <a:ext uri="{FF2B5EF4-FFF2-40B4-BE49-F238E27FC236}">
-                <a16:creationId xmlns:a16="http://schemas.microsoft.com/office/drawing/2014/main" id="{8FF2DE50-49B0-47EC-8D7A-0F77D0C69A13}"/>
+                <a16:creationId xmlns:a16="http://schemas.microsoft.com/office/drawing/2014/main" id="{417E3BDF-5D19-4BAF-AEB7-734DBFCE7AA0}"/>
               </a:ext>
             </a:extLst>
           </p:cNvPr>
@@ -6266,13 +4947,13 @@
             <a:spLocks noGrp="1"/>
           </p:cNvSpPr>
           <p:nvPr>
-            <p:ph idx="1"/>
-          </p:nvPr>
-        </p:nvSpPr>
-        <p:spPr>
-          <a:xfrm>
-            <a:off x="1171422" y="1964266"/>
-            <a:ext cx="10058400" cy="4023360"/>
+            <p:ph type="body" sz="half" idx="2"/>
+          </p:nvPr>
+        </p:nvSpPr>
+        <p:spPr>
+          <a:xfrm>
+            <a:off x="457200" y="2858701"/>
+            <a:ext cx="3441032" cy="3746925"/>
           </a:xfrm>
         </p:spPr>
         <p:txBody>
@@ -6282,95 +4963,198 @@
           <a:lstStyle/>
           <a:p>
             <a:pPr>
-              <a:buFont typeface="Wingdings" panose="05000000000000000000" pitchFamily="2" charset="2"/>
-              <a:buChar char="q"/>
+              <a:lnSpc>
+                <a:spcPct val="120000"/>
+              </a:lnSpc>
             </a:pPr>
-            <a:r>
-              <a:rPr lang="pt-PT" dirty="0"/>
-              <a:t> Tema interessante e fora da área de trabalho comum do grupo.</a:t>
-            </a:r>
-          </a:p>
-          <a:p>
-            <a:pPr>
-              <a:buFont typeface="Wingdings" panose="05000000000000000000" pitchFamily="2" charset="2"/>
-              <a:buChar char="q"/>
-            </a:pPr>
-            <a:r>
-              <a:rPr lang="pt-PT" dirty="0"/>
-              <a:t> Nesta fase:</a:t>
-            </a:r>
-          </a:p>
-          <a:p>
-            <a:pPr lvl="1">
-              <a:buFont typeface="Wingdings" panose="05000000000000000000" pitchFamily="2" charset="2"/>
-              <a:buChar char="q"/>
-            </a:pPr>
-            <a:r>
-              <a:rPr lang="pt-PT" dirty="0"/>
-              <a:t> Constituição da base de conhecimento para as falas do diálogo (em constante alteração);</a:t>
-            </a:r>
-          </a:p>
-          <a:p>
-            <a:pPr lvl="1">
-              <a:buFont typeface="Wingdings" panose="05000000000000000000" pitchFamily="2" charset="2"/>
-              <a:buChar char="q"/>
-            </a:pPr>
-            <a:r>
-              <a:rPr lang="pt-PT" dirty="0"/>
-              <a:t> Geração autónoma de frases;</a:t>
-            </a:r>
-          </a:p>
-          <a:p>
-            <a:pPr lvl="1">
-              <a:buFont typeface="Wingdings" panose="05000000000000000000" pitchFamily="2" charset="2"/>
-              <a:buChar char="q"/>
-            </a:pPr>
-            <a:r>
-              <a:rPr lang="pt-PT" dirty="0"/>
-              <a:t> Configuração do padrão (em constante alteração);</a:t>
-            </a:r>
-          </a:p>
-          <a:p>
-            <a:pPr lvl="1">
-              <a:buFont typeface="Wingdings" panose="05000000000000000000" pitchFamily="2" charset="2"/>
-              <a:buChar char="q"/>
-            </a:pPr>
-            <a:r>
-              <a:rPr lang="pt-PT" dirty="0"/>
-              <a:t> Desenvolvimento do analisador do padrão;</a:t>
-            </a:r>
-          </a:p>
-          <a:p>
-            <a:pPr lvl="1">
-              <a:buFont typeface="Wingdings" panose="05000000000000000000" pitchFamily="2" charset="2"/>
-              <a:buChar char="q"/>
-            </a:pPr>
-            <a:r>
-              <a:rPr lang="pt-PT" dirty="0"/>
-              <a:t> Desenvolvimento do motor de regras.</a:t>
-            </a:r>
-          </a:p>
-          <a:p>
-            <a:pPr marL="201168" lvl="1" indent="0">
-              <a:buNone/>
-            </a:pPr>
+            <a:endParaRPr lang="sv-SE" sz="5200" dirty="0"/>
+          </a:p>
+        </p:txBody>
+      </p:sp>
+      <p:sp>
+        <p:nvSpPr>
+          <p:cNvPr id="20" name="Marcador de Posição de Conteúdo 19">
+            <a:extLst>
+              <a:ext uri="{FF2B5EF4-FFF2-40B4-BE49-F238E27FC236}">
+                <a16:creationId xmlns:a16="http://schemas.microsoft.com/office/drawing/2014/main" id="{E6D76E72-3E5E-4298-ADA6-0607B4B80320}"/>
+              </a:ext>
+            </a:extLst>
+          </p:cNvPr>
+          <p:cNvSpPr>
+            <a:spLocks noGrp="1"/>
+          </p:cNvSpPr>
+          <p:nvPr>
+            <p:ph idx="1"/>
+          </p:nvPr>
+        </p:nvSpPr>
+        <p:spPr>
+          <a:xfrm>
+            <a:off x="4800600" y="1911352"/>
+            <a:ext cx="6492240" cy="4077967"/>
+          </a:xfrm>
+        </p:spPr>
+        <p:txBody>
+          <a:bodyPr/>
+          <a:lstStyle/>
+          <a:p>
             <a:endParaRPr lang="pt-PT" dirty="0"/>
           </a:p>
         </p:txBody>
       </p:sp>
+      <p:pic>
+        <p:nvPicPr>
+          <p:cNvPr id="22" name="Marcador de Posição de Conteúdo 9" descr="Uma imagem com captura de ecrã&#10;&#10;Descrição gerada automaticamente">
+            <a:extLst>
+              <a:ext uri="{FF2B5EF4-FFF2-40B4-BE49-F238E27FC236}">
+                <a16:creationId xmlns:a16="http://schemas.microsoft.com/office/drawing/2014/main" id="{50375737-C7DA-43B7-A2F5-C20ED74572B3}"/>
+              </a:ext>
+            </a:extLst>
+          </p:cNvPr>
+          <p:cNvPicPr>
+            <a:picLocks noChangeAspect="1"/>
+          </p:cNvPicPr>
+          <p:nvPr/>
+        </p:nvPicPr>
+        <p:blipFill>
+          <a:blip r:embed="rId2">
+            <a:extLst>
+              <a:ext uri="{28A0092B-C50C-407E-A947-70E740481C1C}">
+                <a14:useLocalDpi xmlns:a14="http://schemas.microsoft.com/office/drawing/2010/main" val="0"/>
+              </a:ext>
+            </a:extLst>
+          </a:blip>
+          <a:stretch>
+            <a:fillRect/>
+          </a:stretch>
+        </p:blipFill>
+        <p:spPr>
+          <a:xfrm>
+            <a:off x="4696327" y="252372"/>
+            <a:ext cx="6625388" cy="6353255"/>
+          </a:xfrm>
+          <a:prstGeom prst="rect">
+            <a:avLst/>
+          </a:prstGeom>
+        </p:spPr>
+      </p:pic>
+      <p:sp>
+        <p:nvSpPr>
+          <p:cNvPr id="9" name="Retângulo 8">
+            <a:extLst>
+              <a:ext uri="{FF2B5EF4-FFF2-40B4-BE49-F238E27FC236}">
+                <a16:creationId xmlns:a16="http://schemas.microsoft.com/office/drawing/2014/main" id="{0328868E-BE98-426E-ACAC-2E1D7B160452}"/>
+              </a:ext>
+            </a:extLst>
+          </p:cNvPr>
+          <p:cNvSpPr/>
+          <p:nvPr/>
+        </p:nvSpPr>
+        <p:spPr>
+          <a:xfrm>
+            <a:off x="7915450" y="914400"/>
+            <a:ext cx="218783" cy="157075"/>
+          </a:xfrm>
+          <a:prstGeom prst="rect">
+            <a:avLst/>
+          </a:prstGeom>
+          <a:solidFill>
+            <a:schemeClr val="bg1"/>
+          </a:solidFill>
+          <a:ln>
+            <a:solidFill>
+              <a:schemeClr val="bg1"/>
+            </a:solidFill>
+          </a:ln>
+        </p:spPr>
+        <p:style>
+          <a:lnRef idx="2">
+            <a:schemeClr val="accent1">
+              <a:shade val="50000"/>
+            </a:schemeClr>
+          </a:lnRef>
+          <a:fillRef idx="1">
+            <a:schemeClr val="accent1"/>
+          </a:fillRef>
+          <a:effectRef idx="0">
+            <a:schemeClr val="accent1"/>
+          </a:effectRef>
+          <a:fontRef idx="minor">
+            <a:schemeClr val="lt1"/>
+          </a:fontRef>
+        </p:style>
+        <p:txBody>
+          <a:bodyPr rtlCol="0" anchor="ctr"/>
+          <a:lstStyle/>
+          <a:p>
+            <a:pPr algn="ctr"/>
+            <a:endParaRPr lang="pt-PT"/>
+          </a:p>
+        </p:txBody>
+      </p:sp>
+      <p:cxnSp>
+        <p:nvCxnSpPr>
+          <p:cNvPr id="8" name="Conexão: Ângulo Reto 7">
+            <a:extLst>
+              <a:ext uri="{FF2B5EF4-FFF2-40B4-BE49-F238E27FC236}">
+                <a16:creationId xmlns:a16="http://schemas.microsoft.com/office/drawing/2014/main" id="{C02C7A4A-4398-43CF-9D60-0174ED2493C3}"/>
+              </a:ext>
+            </a:extLst>
+          </p:cNvPr>
+          <p:cNvCxnSpPr>
+            <a:cxnSpLocks/>
+          </p:cNvCxnSpPr>
+          <p:nvPr/>
+        </p:nvCxnSpPr>
+        <p:spPr>
+          <a:xfrm rot="5400000" flipH="1" flipV="1">
+            <a:off x="7207496" y="1105415"/>
+            <a:ext cx="1042670" cy="569205"/>
+          </a:xfrm>
+          <a:prstGeom prst="bentConnector3">
+            <a:avLst>
+              <a:gd name="adj1" fmla="val 33321"/>
+            </a:avLst>
+          </a:prstGeom>
+          <a:ln w="28575">
+            <a:solidFill>
+              <a:srgbClr val="FF3300"/>
+            </a:solidFill>
+            <a:tailEnd type="triangle"/>
+          </a:ln>
+          <a:effectLst>
+            <a:glow rad="63500">
+              <a:schemeClr val="accent2">
+                <a:satMod val="175000"/>
+                <a:alpha val="40000"/>
+              </a:schemeClr>
+            </a:glow>
+          </a:effectLst>
+        </p:spPr>
+        <p:style>
+          <a:lnRef idx="1">
+            <a:schemeClr val="accent1"/>
+          </a:lnRef>
+          <a:fillRef idx="0">
+            <a:schemeClr val="accent1"/>
+          </a:fillRef>
+          <a:effectRef idx="0">
+            <a:schemeClr val="accent1"/>
+          </a:effectRef>
+          <a:fontRef idx="minor">
+            <a:schemeClr val="tx1"/>
+          </a:fontRef>
+        </p:style>
+      </p:cxnSp>
     </p:spTree>
     <p:extLst>
       <p:ext uri="{BB962C8B-B14F-4D97-AF65-F5344CB8AC3E}">
-        <p14:creationId xmlns:p14="http://schemas.microsoft.com/office/powerpoint/2010/main" val="2408894607"/>
+        <p14:creationId xmlns:p14="http://schemas.microsoft.com/office/powerpoint/2010/main" val="907343855"/>
       </p:ext>
     </p:extLst>
   </p:cSld>
   <p:clrMapOvr>
     <a:masterClrMapping/>
   </p:clrMapOvr>
-  <p:transition spd="slow">
-    <p:cover/>
-  </p:transition>
 </p:sld>
 </file>
 
@@ -6396,7 +5180,7 @@
           <p:cNvPr id="2" name="Título 1">
             <a:extLst>
               <a:ext uri="{FF2B5EF4-FFF2-40B4-BE49-F238E27FC236}">
-                <a16:creationId xmlns:a16="http://schemas.microsoft.com/office/drawing/2014/main" id="{E7F3627F-344B-4BBB-AE8A-D976F33B76F1}"/>
+                <a16:creationId xmlns:a16="http://schemas.microsoft.com/office/drawing/2014/main" id="{D7D5C487-DAE2-4B7D-BFE9-AF4871322A8E}"/>
               </a:ext>
             </a:extLst>
           </p:cNvPr>
@@ -6413,24 +5197,18 @@
           <a:lstStyle/>
           <a:p>
             <a:r>
-              <a:rPr lang="pt-PT" dirty="0">
-                <a:solidFill>
-                  <a:schemeClr val="bg1">
-                    <a:lumMod val="50000"/>
-                  </a:schemeClr>
-                </a:solidFill>
-              </a:rPr>
-              <a:t>Trabalho Futuro</a:t>
-            </a:r>
-          </a:p>
-        </p:txBody>
-      </p:sp>
-      <p:sp>
-        <p:nvSpPr>
-          <p:cNvPr id="3" name="Marcador de Posição de Conteúdo 2">
+              <a:rPr lang="pt-PT" dirty="0"/>
+              <a:t>Funcionamento do Sistema</a:t>
+            </a:r>
+          </a:p>
+        </p:txBody>
+      </p:sp>
+      <p:sp>
+        <p:nvSpPr>
+          <p:cNvPr id="4" name="Marcador de Posição do Texto 3">
             <a:extLst>
               <a:ext uri="{FF2B5EF4-FFF2-40B4-BE49-F238E27FC236}">
-                <a16:creationId xmlns:a16="http://schemas.microsoft.com/office/drawing/2014/main" id="{8FF2DE50-49B0-47EC-8D7A-0F77D0C69A13}"/>
+                <a16:creationId xmlns:a16="http://schemas.microsoft.com/office/drawing/2014/main" id="{417E3BDF-5D19-4BAF-AEB7-734DBFCE7AA0}"/>
               </a:ext>
             </a:extLst>
           </p:cNvPr>
@@ -6438,13 +5216,13 @@
             <a:spLocks noGrp="1"/>
           </p:cNvSpPr>
           <p:nvPr>
-            <p:ph idx="1"/>
-          </p:nvPr>
-        </p:nvSpPr>
-        <p:spPr>
-          <a:xfrm>
-            <a:off x="1208493" y="1964266"/>
-            <a:ext cx="10058400" cy="4023360"/>
+            <p:ph type="body" sz="half" idx="2"/>
+          </p:nvPr>
+        </p:nvSpPr>
+        <p:spPr>
+          <a:xfrm>
+            <a:off x="457200" y="2858701"/>
+            <a:ext cx="3441032" cy="3746925"/>
           </a:xfrm>
         </p:spPr>
         <p:txBody>
@@ -6453,50 +5231,89 @@
           </a:bodyPr>
           <a:lstStyle/>
           <a:p>
-            <a:pPr>
-              <a:buFont typeface="Wingdings" panose="05000000000000000000" pitchFamily="2" charset="2"/>
-              <a:buChar char="q"/>
-            </a:pPr>
-            <a:r>
-              <a:rPr lang="pt-PT" dirty="0"/>
-              <a:t> Esboço da árvore de decisão.</a:t>
-            </a:r>
-          </a:p>
-          <a:p>
-            <a:pPr>
-              <a:buFont typeface="Wingdings" panose="05000000000000000000" pitchFamily="2" charset="2"/>
-              <a:buChar char="q"/>
-            </a:pPr>
-            <a:r>
-              <a:rPr lang="pt-PT" dirty="0"/>
-              <a:t> Adição e aprimoramento de regras ao motor.</a:t>
-            </a:r>
-          </a:p>
-          <a:p>
-            <a:pPr>
-              <a:buFont typeface="Wingdings" panose="05000000000000000000" pitchFamily="2" charset="2"/>
-              <a:buChar char="q"/>
-            </a:pPr>
-            <a:r>
-              <a:rPr lang="pt-PT" dirty="0"/>
-              <a:t> Continuação do desenvolvimento do sistema atual.</a:t>
-            </a:r>
-          </a:p>
-        </p:txBody>
-      </p:sp>
+            <a:r>
+              <a:rPr lang="pt-PT" sz="1600" dirty="0"/>
+              <a:t>Leonardo: Então, foste de férias? Vamos lá praticar!😀</a:t>
+            </a:r>
+          </a:p>
+        </p:txBody>
+      </p:sp>
+      <p:sp>
+        <p:nvSpPr>
+          <p:cNvPr id="20" name="Marcador de Posição de Conteúdo 19">
+            <a:extLst>
+              <a:ext uri="{FF2B5EF4-FFF2-40B4-BE49-F238E27FC236}">
+                <a16:creationId xmlns:a16="http://schemas.microsoft.com/office/drawing/2014/main" id="{E6D76E72-3E5E-4298-ADA6-0607B4B80320}"/>
+              </a:ext>
+            </a:extLst>
+          </p:cNvPr>
+          <p:cNvSpPr>
+            <a:spLocks noGrp="1"/>
+          </p:cNvSpPr>
+          <p:nvPr>
+            <p:ph idx="1"/>
+          </p:nvPr>
+        </p:nvSpPr>
+        <p:spPr>
+          <a:xfrm>
+            <a:off x="4800600" y="1911352"/>
+            <a:ext cx="6492240" cy="4077967"/>
+          </a:xfrm>
+        </p:spPr>
+        <p:txBody>
+          <a:bodyPr/>
+          <a:lstStyle/>
+          <a:p>
+            <a:endParaRPr lang="pt-PT" dirty="0"/>
+          </a:p>
+        </p:txBody>
+      </p:sp>
+      <p:pic>
+        <p:nvPicPr>
+          <p:cNvPr id="22" name="Marcador de Posição de Conteúdo 9" descr="Uma imagem com captura de ecrã&#10;&#10;Descrição gerada automaticamente">
+            <a:extLst>
+              <a:ext uri="{FF2B5EF4-FFF2-40B4-BE49-F238E27FC236}">
+                <a16:creationId xmlns:a16="http://schemas.microsoft.com/office/drawing/2014/main" id="{50375737-C7DA-43B7-A2F5-C20ED74572B3}"/>
+              </a:ext>
+            </a:extLst>
+          </p:cNvPr>
+          <p:cNvPicPr>
+            <a:picLocks noChangeAspect="1"/>
+          </p:cNvPicPr>
+          <p:nvPr/>
+        </p:nvPicPr>
+        <p:blipFill>
+          <a:blip r:embed="rId3">
+            <a:extLst>
+              <a:ext uri="{28A0092B-C50C-407E-A947-70E740481C1C}">
+                <a14:useLocalDpi xmlns:a14="http://schemas.microsoft.com/office/drawing/2010/main" val="0"/>
+              </a:ext>
+            </a:extLst>
+          </a:blip>
+          <a:stretch>
+            <a:fillRect/>
+          </a:stretch>
+        </p:blipFill>
+        <p:spPr>
+          <a:xfrm>
+            <a:off x="4696327" y="252372"/>
+            <a:ext cx="6625388" cy="6353255"/>
+          </a:xfrm>
+          <a:prstGeom prst="rect">
+            <a:avLst/>
+          </a:prstGeom>
+        </p:spPr>
+      </p:pic>
     </p:spTree>
     <p:extLst>
       <p:ext uri="{BB962C8B-B14F-4D97-AF65-F5344CB8AC3E}">
-        <p14:creationId xmlns:p14="http://schemas.microsoft.com/office/powerpoint/2010/main" val="2191826000"/>
+        <p14:creationId xmlns:p14="http://schemas.microsoft.com/office/powerpoint/2010/main" val="4128250842"/>
       </p:ext>
     </p:extLst>
   </p:cSld>
   <p:clrMapOvr>
     <a:masterClrMapping/>
   </p:clrMapOvr>
-  <p:transition spd="slow">
-    <p:cover/>
-  </p:transition>
 </p:sld>
 </file>
 
@@ -6880,7 +5697,7 @@
             </a:pPr>
             <a:r>
               <a:rPr lang="pt-PT" dirty="0"/>
-              <a:t> Contextualização</a:t>
+              <a:t> Introdução</a:t>
             </a:r>
           </a:p>
           <a:p>
@@ -6890,7 +5707,7 @@
             </a:pPr>
             <a:r>
               <a:rPr lang="pt-PT" dirty="0"/>
-              <a:t> Motivação</a:t>
+              <a:t> Trabalho Relacionado</a:t>
             </a:r>
           </a:p>
           <a:p>
@@ -6900,7 +5717,7 @@
             </a:pPr>
             <a:r>
               <a:rPr lang="pt-PT" dirty="0"/>
-              <a:t> Objetivos</a:t>
+              <a:t> Conceção e Implementação do Sistema</a:t>
             </a:r>
           </a:p>
           <a:p>
@@ -6910,7 +5727,7 @@
             </a:pPr>
             <a:r>
               <a:rPr lang="pt-PT" dirty="0"/>
-              <a:t> Apresentação do Componente</a:t>
+              <a:t> Recursos Computacionais</a:t>
             </a:r>
           </a:p>
           <a:p>
@@ -6920,7 +5737,17 @@
             </a:pPr>
             <a:r>
               <a:rPr lang="pt-PT" dirty="0"/>
-              <a:t> Ferramentas utilizadas</a:t>
+              <a:t> Instalação e Configuração</a:t>
+            </a:r>
+          </a:p>
+          <a:p>
+            <a:pPr>
+              <a:buFont typeface="Wingdings" panose="05000000000000000000" pitchFamily="2" charset="2"/>
+              <a:buChar char="q"/>
+            </a:pPr>
+            <a:r>
+              <a:rPr lang="pt-PT" dirty="0"/>
+              <a:t> Funcionamento do Sistema</a:t>
             </a:r>
           </a:p>
           <a:p>
@@ -6973,7 +5800,7 @@
           <p:cNvPr id="2" name="Título 1">
             <a:extLst>
               <a:ext uri="{FF2B5EF4-FFF2-40B4-BE49-F238E27FC236}">
-                <a16:creationId xmlns:a16="http://schemas.microsoft.com/office/drawing/2014/main" id="{9DA54CA6-DF71-42B3-BA6C-A5070B9A6FCF}"/>
+                <a16:creationId xmlns:a16="http://schemas.microsoft.com/office/drawing/2014/main" id="{E7F3627F-344B-4BBB-AE8A-D976F33B76F1}"/>
               </a:ext>
             </a:extLst>
           </p:cNvPr>
@@ -6997,7 +5824,7 @@
                   </a:schemeClr>
                 </a:solidFill>
               </a:rPr>
-              <a:t>Contextualização</a:t>
+              <a:t>Instalação e Configuração</a:t>
             </a:r>
           </a:p>
         </p:txBody>
@@ -7007,7 +5834,7 @@
           <p:cNvPr id="3" name="Marcador de Posição de Conteúdo 2">
             <a:extLst>
               <a:ext uri="{FF2B5EF4-FFF2-40B4-BE49-F238E27FC236}">
-                <a16:creationId xmlns:a16="http://schemas.microsoft.com/office/drawing/2014/main" id="{9AC072B4-F76D-46EF-9BF9-52FD93046E58}"/>
+                <a16:creationId xmlns:a16="http://schemas.microsoft.com/office/drawing/2014/main" id="{8FF2DE50-49B0-47EC-8D7A-0F77D0C69A13}"/>
               </a:ext>
             </a:extLst>
           </p:cNvPr>
@@ -7020,12 +5847,14 @@
         </p:nvSpPr>
         <p:spPr>
           <a:xfrm>
-            <a:off x="1097280" y="1930401"/>
+            <a:off x="1208493" y="1964266"/>
             <a:ext cx="10058400" cy="4023360"/>
           </a:xfrm>
         </p:spPr>
         <p:txBody>
-          <a:bodyPr/>
+          <a:bodyPr>
+            <a:normAutofit/>
+          </a:bodyPr>
           <a:lstStyle/>
           <a:p>
             <a:pPr>
@@ -7034,65 +5863,7 @@
             </a:pPr>
             <a:r>
               <a:rPr lang="pt-PT" dirty="0"/>
-              <a:t> Projeto “Leonardo” surge como um sistema de avaliação de determinadas </a:t>
-            </a:r>
-            <a:r>
-              <a:rPr lang="pt-PT" dirty="0" err="1"/>
-              <a:t>UCs</a:t>
-            </a:r>
-            <a:r>
-              <a:rPr lang="pt-PT" dirty="0"/>
-              <a:t>:</a:t>
-            </a:r>
-          </a:p>
-          <a:p>
-            <a:pPr lvl="1">
-              <a:buFont typeface="Wingdings" panose="05000000000000000000" pitchFamily="2" charset="2"/>
-              <a:buChar char="q"/>
-            </a:pPr>
-            <a:r>
-              <a:rPr lang="pt-PT" dirty="0"/>
-              <a:t> Bases de Dados</a:t>
-            </a:r>
-          </a:p>
-          <a:p>
-            <a:pPr lvl="2">
-              <a:buFont typeface="Wingdings" panose="05000000000000000000" pitchFamily="2" charset="2"/>
-              <a:buChar char="q"/>
-            </a:pPr>
-            <a:r>
-              <a:rPr lang="pt-PT" dirty="0"/>
-              <a:t> Álgebra Relacional</a:t>
-            </a:r>
-          </a:p>
-          <a:p>
-            <a:pPr lvl="2">
-              <a:buFont typeface="Wingdings" panose="05000000000000000000" pitchFamily="2" charset="2"/>
-              <a:buChar char="q"/>
-            </a:pPr>
-            <a:r>
-              <a:rPr lang="pt-PT" dirty="0"/>
-              <a:t> Modelo Conceptual </a:t>
-            </a:r>
-          </a:p>
-          <a:p>
-            <a:pPr lvl="2">
-              <a:buFont typeface="Wingdings" panose="05000000000000000000" pitchFamily="2" charset="2"/>
-              <a:buChar char="q"/>
-            </a:pPr>
-            <a:r>
-              <a:rPr lang="pt-PT" dirty="0"/>
-              <a:t> Modelo Lógico</a:t>
-            </a:r>
-          </a:p>
-          <a:p>
-            <a:pPr lvl="2">
-              <a:buFont typeface="Wingdings" panose="05000000000000000000" pitchFamily="2" charset="2"/>
-              <a:buChar char="q"/>
-            </a:pPr>
-            <a:r>
-              <a:rPr lang="pt-PT" dirty="0"/>
-              <a:t>…</a:t>
+              <a:t> Esboço da árvore de decisão.</a:t>
             </a:r>
           </a:p>
           <a:p>
@@ -7102,35 +5873,7 @@
             </a:pPr>
             <a:r>
               <a:rPr lang="pt-PT" dirty="0"/>
-              <a:t> Cada aluno tem um perfil</a:t>
-            </a:r>
-            <a:r>
-              <a:rPr lang="pt-PT" i="1" dirty="0"/>
-              <a:t>: </a:t>
-            </a:r>
-          </a:p>
-          <a:p>
-            <a:pPr lvl="1">
-              <a:buFont typeface="Wingdings" panose="05000000000000000000" pitchFamily="2" charset="2"/>
-              <a:buChar char="q"/>
-            </a:pPr>
-            <a:r>
-              <a:rPr lang="pt-PT" i="1" dirty="0"/>
-              <a:t> </a:t>
-            </a:r>
-            <a:r>
-              <a:rPr lang="pt-PT" dirty="0"/>
-              <a:t>Diferentes desempenhos e destrezas em vários temas avaliados;</a:t>
-            </a:r>
-          </a:p>
-          <a:p>
-            <a:pPr lvl="1">
-              <a:buFont typeface="Wingdings" panose="05000000000000000000" pitchFamily="2" charset="2"/>
-              <a:buChar char="q"/>
-            </a:pPr>
-            <a:r>
-              <a:rPr lang="pt-PT" dirty="0"/>
-              <a:t> “Personalidade” e “Sensibilidade”;</a:t>
+              <a:t> Adição e aprimoramento de regras ao motor.</a:t>
             </a:r>
           </a:p>
           <a:p>
@@ -7140,21 +5883,15 @@
             </a:pPr>
             <a:r>
               <a:rPr lang="pt-PT" dirty="0"/>
-              <a:t> Desenvolvimento de um gestor de diálogos como personificação do Leonardo.</a:t>
-            </a:r>
-          </a:p>
-          <a:p>
-            <a:endParaRPr lang="pt-PT" dirty="0"/>
-          </a:p>
-          <a:p>
-            <a:endParaRPr lang="pt-PT" dirty="0"/>
+              <a:t> Continuação do desenvolvimento do sistema atual.</a:t>
+            </a:r>
           </a:p>
         </p:txBody>
       </p:sp>
     </p:spTree>
     <p:extLst>
       <p:ext uri="{BB962C8B-B14F-4D97-AF65-F5344CB8AC3E}">
-        <p14:creationId xmlns:p14="http://schemas.microsoft.com/office/powerpoint/2010/main" val="3413792368"/>
+        <p14:creationId xmlns:p14="http://schemas.microsoft.com/office/powerpoint/2010/main" val="2191826000"/>
       </p:ext>
     </p:extLst>
   </p:cSld>
@@ -7189,7 +5926,7 @@
           <p:cNvPr id="2" name="Título 1">
             <a:extLst>
               <a:ext uri="{FF2B5EF4-FFF2-40B4-BE49-F238E27FC236}">
-                <a16:creationId xmlns:a16="http://schemas.microsoft.com/office/drawing/2014/main" id="{6C9FBC37-A4DC-42B0-93BE-431C67A2D247}"/>
+                <a16:creationId xmlns:a16="http://schemas.microsoft.com/office/drawing/2014/main" id="{40D71B53-1F1F-4403-B5FE-3674B7071BDC}"/>
               </a:ext>
             </a:extLst>
           </p:cNvPr>
@@ -7206,79 +5943,127 @@
           <a:lstStyle/>
           <a:p>
             <a:r>
-              <a:rPr lang="pt-PT" dirty="0">
-                <a:solidFill>
-                  <a:schemeClr val="bg1">
-                    <a:lumMod val="50000"/>
-                  </a:schemeClr>
-                </a:solidFill>
-              </a:rPr>
-              <a:t>Motivação</a:t>
-            </a:r>
-          </a:p>
-        </p:txBody>
-      </p:sp>
-      <p:sp>
-        <p:nvSpPr>
-          <p:cNvPr id="3" name="Marcador de Posição de Conteúdo 2">
+              <a:rPr lang="pt-PT" dirty="0"/>
+              <a:t>Funcionamento do Sistema</a:t>
+            </a:r>
+          </a:p>
+        </p:txBody>
+      </p:sp>
+      <p:pic>
+        <p:nvPicPr>
+          <p:cNvPr id="6" name="Marcador de Posição de Conteúdo 5">
             <a:extLst>
               <a:ext uri="{FF2B5EF4-FFF2-40B4-BE49-F238E27FC236}">
-                <a16:creationId xmlns:a16="http://schemas.microsoft.com/office/drawing/2014/main" id="{5EE258BC-B64A-4F62-8241-57130EEF2895}"/>
+                <a16:creationId xmlns:a16="http://schemas.microsoft.com/office/drawing/2014/main" id="{3BBD17AD-75BF-44D0-AB26-1F4E27D0F5A9}"/>
               </a:ext>
             </a:extLst>
           </p:cNvPr>
-          <p:cNvSpPr>
-            <a:spLocks noGrp="1"/>
-          </p:cNvSpPr>
+          <p:cNvPicPr>
+            <a:picLocks noGrp="1" noChangeAspect="1"/>
+          </p:cNvPicPr>
           <p:nvPr>
             <p:ph idx="1"/>
           </p:nvPr>
-        </p:nvSpPr>
-        <p:spPr>
-          <a:xfrm>
-            <a:off x="1097280" y="1930401"/>
-            <a:ext cx="10058400" cy="4023360"/>
-          </a:xfrm>
-        </p:spPr>
+        </p:nvPicPr>
+        <p:blipFill>
+          <a:blip r:embed="rId2">
+            <a:extLst>
+              <a:ext uri="{28A0092B-C50C-407E-A947-70E740481C1C}">
+                <a14:useLocalDpi xmlns:a14="http://schemas.microsoft.com/office/drawing/2010/main" val="0"/>
+              </a:ext>
+            </a:extLst>
+          </a:blip>
+          <a:stretch>
+            <a:fillRect/>
+          </a:stretch>
+        </p:blipFill>
+        <p:spPr>
+          <a:xfrm>
+            <a:off x="5227320" y="243602"/>
+            <a:ext cx="5547360" cy="6370796"/>
+          </a:xfrm>
+        </p:spPr>
+      </p:pic>
+      <p:sp>
+        <p:nvSpPr>
+          <p:cNvPr id="4" name="Marcador de Posição do Texto 3">
+            <a:extLst>
+              <a:ext uri="{FF2B5EF4-FFF2-40B4-BE49-F238E27FC236}">
+                <a16:creationId xmlns:a16="http://schemas.microsoft.com/office/drawing/2014/main" id="{CA5A9C57-498A-4BB8-BCF7-784643315D2E}"/>
+              </a:ext>
+            </a:extLst>
+          </p:cNvPr>
+          <p:cNvSpPr>
+            <a:spLocks noGrp="1"/>
+          </p:cNvSpPr>
+          <p:nvPr>
+            <p:ph type="body" sz="half" idx="2"/>
+          </p:nvPr>
+        </p:nvSpPr>
+        <p:spPr/>
         <p:txBody>
           <a:bodyPr/>
           <a:lstStyle/>
           <a:p>
-            <a:pPr>
-              <a:buFont typeface="Wingdings" panose="05000000000000000000" pitchFamily="2" charset="2"/>
-              <a:buChar char="q"/>
-            </a:pPr>
-            <a:r>
-              <a:rPr lang="pt-PT" dirty="0"/>
-              <a:t> Tornar o sistema “Leonardo” mais interativo, amigável e cativante;</a:t>
-            </a:r>
-          </a:p>
-          <a:p>
-            <a:pPr>
-              <a:buFont typeface="Wingdings" panose="05000000000000000000" pitchFamily="2" charset="2"/>
-              <a:buChar char="q"/>
-            </a:pPr>
-            <a:r>
-              <a:rPr lang="pt-PT" dirty="0"/>
-              <a:t> Capacidade de desenvolver diálogos mais expeditos com os utilizadores;</a:t>
-            </a:r>
-          </a:p>
-          <a:p>
-            <a:pPr>
-              <a:buFont typeface="Wingdings" panose="05000000000000000000" pitchFamily="2" charset="2"/>
-              <a:buChar char="q"/>
-            </a:pPr>
-            <a:r>
-              <a:rPr lang="pt-PT" dirty="0"/>
-              <a:t> Incentivo à utilização do sistema durante um processo de avaliação;</a:t>
-            </a:r>
+            <a:endParaRPr lang="pt-PT" dirty="0"/>
+          </a:p>
+        </p:txBody>
+      </p:sp>
+      <p:sp>
+        <p:nvSpPr>
+          <p:cNvPr id="17" name="Seta: Para a Esquerda e Para Cima 16">
+            <a:extLst>
+              <a:ext uri="{FF2B5EF4-FFF2-40B4-BE49-F238E27FC236}">
+                <a16:creationId xmlns:a16="http://schemas.microsoft.com/office/drawing/2014/main" id="{AA329F90-95E6-435C-9118-15AB0CA62966}"/>
+              </a:ext>
+            </a:extLst>
+          </p:cNvPr>
+          <p:cNvSpPr/>
+          <p:nvPr/>
+        </p:nvSpPr>
+        <p:spPr>
+          <a:xfrm rot="10800000">
+            <a:off x="6712131" y="759821"/>
+            <a:ext cx="1288869" cy="1695996"/>
+          </a:xfrm>
+          <a:prstGeom prst="leftUpArrow">
+            <a:avLst>
+              <a:gd name="adj1" fmla="val 7296"/>
+              <a:gd name="adj2" fmla="val 9509"/>
+              <a:gd name="adj3" fmla="val 13935"/>
+            </a:avLst>
+          </a:prstGeom>
+          <a:solidFill>
+            <a:srgbClr val="FF3300"/>
+          </a:solidFill>
+        </p:spPr>
+        <p:style>
+          <a:lnRef idx="3">
+            <a:schemeClr val="lt1"/>
+          </a:lnRef>
+          <a:fillRef idx="1">
+            <a:schemeClr val="accent1"/>
+          </a:fillRef>
+          <a:effectRef idx="1">
+            <a:schemeClr val="accent1"/>
+          </a:effectRef>
+          <a:fontRef idx="minor">
+            <a:schemeClr val="lt1"/>
+          </a:fontRef>
+        </p:style>
+        <p:txBody>
+          <a:bodyPr rtlCol="0" anchor="ctr"/>
+          <a:lstStyle/>
+          <a:p>
+            <a:pPr algn="ctr"/>
+            <a:endParaRPr lang="pt-PT"/>
           </a:p>
         </p:txBody>
       </p:sp>
     </p:spTree>
     <p:extLst>
       <p:ext uri="{BB962C8B-B14F-4D97-AF65-F5344CB8AC3E}">
-        <p14:creationId xmlns:p14="http://schemas.microsoft.com/office/powerpoint/2010/main" val="1730745467"/>
+        <p14:creationId xmlns:p14="http://schemas.microsoft.com/office/powerpoint/2010/main" val="1276444743"/>
       </p:ext>
     </p:extLst>
   </p:cSld>
@@ -7288,6 +6073,92 @@
   <p:transition spd="slow">
     <p:cover/>
   </p:transition>
+  <p:timing>
+    <p:tnLst>
+      <p:par>
+        <p:cTn id="1" dur="indefinite" restart="never" nodeType="tmRoot">
+          <p:childTnLst>
+            <p:seq concurrent="1" nextAc="seek">
+              <p:cTn id="2" dur="indefinite" nodeType="mainSeq">
+                <p:childTnLst>
+                  <p:par>
+                    <p:cTn id="3" fill="hold">
+                      <p:stCondLst>
+                        <p:cond delay="indefinite"/>
+                      </p:stCondLst>
+                      <p:childTnLst>
+                        <p:par>
+                          <p:cTn id="4" fill="hold">
+                            <p:stCondLst>
+                              <p:cond delay="0"/>
+                            </p:stCondLst>
+                            <p:childTnLst>
+                              <p:par>
+                                <p:cTn id="5" presetID="10" presetClass="entr" presetSubtype="0" fill="hold" grpId="0" nodeType="clickEffect">
+                                  <p:stCondLst>
+                                    <p:cond delay="0"/>
+                                  </p:stCondLst>
+                                  <p:childTnLst>
+                                    <p:set>
+                                      <p:cBhvr>
+                                        <p:cTn id="6" dur="1" fill="hold">
+                                          <p:stCondLst>
+                                            <p:cond delay="0"/>
+                                          </p:stCondLst>
+                                        </p:cTn>
+                                        <p:tgtEl>
+                                          <p:spTgt spid="17"/>
+                                        </p:tgtEl>
+                                        <p:attrNameLst>
+                                          <p:attrName>style.visibility</p:attrName>
+                                        </p:attrNameLst>
+                                      </p:cBhvr>
+                                      <p:to>
+                                        <p:strVal val="visible"/>
+                                      </p:to>
+                                    </p:set>
+                                    <p:animEffect transition="in" filter="fade">
+                                      <p:cBhvr>
+                                        <p:cTn id="7" dur="500"/>
+                                        <p:tgtEl>
+                                          <p:spTgt spid="17"/>
+                                        </p:tgtEl>
+                                      </p:cBhvr>
+                                    </p:animEffect>
+                                  </p:childTnLst>
+                                </p:cTn>
+                              </p:par>
+                            </p:childTnLst>
+                          </p:cTn>
+                        </p:par>
+                      </p:childTnLst>
+                    </p:cTn>
+                  </p:par>
+                </p:childTnLst>
+              </p:cTn>
+              <p:prevCondLst>
+                <p:cond evt="onPrev" delay="0">
+                  <p:tgtEl>
+                    <p:sldTgt/>
+                  </p:tgtEl>
+                </p:cond>
+              </p:prevCondLst>
+              <p:nextCondLst>
+                <p:cond evt="onNext" delay="0">
+                  <p:tgtEl>
+                    <p:sldTgt/>
+                  </p:tgtEl>
+                </p:cond>
+              </p:nextCondLst>
+            </p:seq>
+          </p:childTnLst>
+        </p:cTn>
+      </p:par>
+    </p:tnLst>
+    <p:bldLst>
+      <p:bldP spid="17" grpId="0" animBg="1"/>
+    </p:bldLst>
+  </p:timing>
 </p:sld>
 </file>
 
@@ -7313,7 +6184,7 @@
           <p:cNvPr id="2" name="Título 1">
             <a:extLst>
               <a:ext uri="{FF2B5EF4-FFF2-40B4-BE49-F238E27FC236}">
-                <a16:creationId xmlns:a16="http://schemas.microsoft.com/office/drawing/2014/main" id="{DAD0529E-691C-49B6-AF9B-BBF8CBF4DF87}"/>
+                <a16:creationId xmlns:a16="http://schemas.microsoft.com/office/drawing/2014/main" id="{D7D5C487-DAE2-4B7D-BFE9-AF4871322A8E}"/>
               </a:ext>
             </a:extLst>
           </p:cNvPr>
@@ -7330,24 +6201,18 @@
           <a:lstStyle/>
           <a:p>
             <a:r>
-              <a:rPr lang="pt-PT" dirty="0">
-                <a:solidFill>
-                  <a:schemeClr val="bg1">
-                    <a:lumMod val="50000"/>
-                  </a:schemeClr>
-                </a:solidFill>
-              </a:rPr>
-              <a:t>Objetivos</a:t>
-            </a:r>
-          </a:p>
-        </p:txBody>
-      </p:sp>
-      <p:sp>
-        <p:nvSpPr>
-          <p:cNvPr id="3" name="Marcador de Posição de Conteúdo 2">
+              <a:rPr lang="pt-PT" dirty="0"/>
+              <a:t>Funcionamento do Sistema</a:t>
+            </a:r>
+          </a:p>
+        </p:txBody>
+      </p:sp>
+      <p:sp>
+        <p:nvSpPr>
+          <p:cNvPr id="4" name="Marcador de Posição do Texto 3">
             <a:extLst>
               <a:ext uri="{FF2B5EF4-FFF2-40B4-BE49-F238E27FC236}">
-                <a16:creationId xmlns:a16="http://schemas.microsoft.com/office/drawing/2014/main" id="{1A6D056D-46A0-4D10-B863-EB94981A8C46}"/>
+                <a16:creationId xmlns:a16="http://schemas.microsoft.com/office/drawing/2014/main" id="{417E3BDF-5D19-4BAF-AEB7-734DBFCE7AA0}"/>
               </a:ext>
             </a:extLst>
           </p:cNvPr>
@@ -7355,63 +6220,63 @@
             <a:spLocks noGrp="1"/>
           </p:cNvSpPr>
           <p:nvPr>
+            <p:ph type="body" sz="half" idx="2"/>
+          </p:nvPr>
+        </p:nvSpPr>
+        <p:spPr/>
+        <p:txBody>
+          <a:bodyPr/>
+          <a:lstStyle/>
+          <a:p>
+            <a:endParaRPr lang="pt-PT" dirty="0"/>
+          </a:p>
+        </p:txBody>
+      </p:sp>
+      <p:pic>
+        <p:nvPicPr>
+          <p:cNvPr id="10" name="Marcador de Posição de Conteúdo 9" descr="Uma imagem com captura de ecrã&#10;&#10;Descrição gerada automaticamente">
+            <a:extLst>
+              <a:ext uri="{FF2B5EF4-FFF2-40B4-BE49-F238E27FC236}">
+                <a16:creationId xmlns:a16="http://schemas.microsoft.com/office/drawing/2014/main" id="{CFAC81AA-3555-4DC0-B65D-D5BE9823FB5C}"/>
+              </a:ext>
+            </a:extLst>
+          </p:cNvPr>
+          <p:cNvPicPr>
+            <a:picLocks noGrp="1" noChangeAspect="1"/>
+          </p:cNvPicPr>
+          <p:nvPr>
             <p:ph idx="1"/>
           </p:nvPr>
-        </p:nvSpPr>
-        <p:spPr>
-          <a:xfrm>
-            <a:off x="1097280" y="1929433"/>
-            <a:ext cx="10058400" cy="4023360"/>
-          </a:xfrm>
-        </p:spPr>
-        <p:txBody>
-          <a:bodyPr/>
-          <a:lstStyle/>
-          <a:p>
-            <a:pPr>
-              <a:buFont typeface="Wingdings" panose="05000000000000000000" pitchFamily="2" charset="2"/>
-              <a:buChar char="q"/>
-            </a:pPr>
-            <a:r>
-              <a:rPr lang="pt-PT" dirty="0"/>
-              <a:t> Criar um componente autónomo, capaz de interatuar com os outros módulos do sistema e de fácil integração (e manutenção) no sistema geral;</a:t>
-            </a:r>
-          </a:p>
-          <a:p>
-            <a:pPr>
-              <a:buFont typeface="Wingdings" panose="05000000000000000000" pitchFamily="2" charset="2"/>
-              <a:buChar char="q"/>
-            </a:pPr>
-            <a:r>
-              <a:rPr lang="pt-PT" dirty="0"/>
-              <a:t> Providenciar um sistema de geração de frases capaz de suportar os vários processos do sistema, em termos gerais e em termos de cada domínio de estudo, em particular;</a:t>
-            </a:r>
-          </a:p>
-          <a:p>
-            <a:pPr>
-              <a:buFont typeface="Wingdings" panose="05000000000000000000" pitchFamily="2" charset="2"/>
-              <a:buChar char="q"/>
-            </a:pPr>
-            <a:r>
-              <a:rPr lang="pt-PT" dirty="0"/>
-              <a:t> Desenvolver um sistema de diálogos que dispõe frases à medida do contexto e com alguma capacidade de adaptação a cada estado de um processo de avaliação.</a:t>
-            </a:r>
-          </a:p>
-        </p:txBody>
-      </p:sp>
+        </p:nvPicPr>
+        <p:blipFill>
+          <a:blip r:embed="rId2">
+            <a:extLst>
+              <a:ext uri="{28A0092B-C50C-407E-A947-70E740481C1C}">
+                <a14:useLocalDpi xmlns:a14="http://schemas.microsoft.com/office/drawing/2010/main" val="0"/>
+              </a:ext>
+            </a:extLst>
+          </a:blip>
+          <a:stretch>
+            <a:fillRect/>
+          </a:stretch>
+        </p:blipFill>
+        <p:spPr>
+          <a:xfrm>
+            <a:off x="4696327" y="252372"/>
+            <a:ext cx="6625388" cy="6353255"/>
+          </a:xfrm>
+        </p:spPr>
+      </p:pic>
     </p:spTree>
     <p:extLst>
       <p:ext uri="{BB962C8B-B14F-4D97-AF65-F5344CB8AC3E}">
-        <p14:creationId xmlns:p14="http://schemas.microsoft.com/office/powerpoint/2010/main" val="1634778810"/>
+        <p14:creationId xmlns:p14="http://schemas.microsoft.com/office/powerpoint/2010/main" val="4085756810"/>
       </p:ext>
     </p:extLst>
   </p:cSld>
   <p:clrMapOvr>
     <a:masterClrMapping/>
   </p:clrMapOvr>
-  <p:transition spd="slow">
-    <p:cover/>
-  </p:transition>
 </p:sld>
 </file>
 
@@ -7437,7 +6302,7 @@
           <p:cNvPr id="2" name="Título 1">
             <a:extLst>
               <a:ext uri="{FF2B5EF4-FFF2-40B4-BE49-F238E27FC236}">
-                <a16:creationId xmlns:a16="http://schemas.microsoft.com/office/drawing/2014/main" id="{C9DA4474-206D-415E-90A2-22F6698BD392}"/>
+                <a16:creationId xmlns:a16="http://schemas.microsoft.com/office/drawing/2014/main" id="{D7D5C487-DAE2-4B7D-BFE9-AF4871322A8E}"/>
               </a:ext>
             </a:extLst>
           </p:cNvPr>
@@ -7454,24 +6319,215 @@
           <a:lstStyle/>
           <a:p>
             <a:r>
-              <a:rPr lang="pt-PT" dirty="0">
-                <a:solidFill>
-                  <a:schemeClr val="bg1">
-                    <a:lumMod val="50000"/>
-                  </a:schemeClr>
-                </a:solidFill>
-              </a:rPr>
-              <a:t>Apresentação do Componente</a:t>
-            </a:r>
+              <a:rPr lang="pt-PT" dirty="0"/>
+              <a:t>Funcionamento do Sistema</a:t>
+            </a:r>
+          </a:p>
+        </p:txBody>
+      </p:sp>
+      <p:sp>
+        <p:nvSpPr>
+          <p:cNvPr id="4" name="Marcador de Posição do Texto 3">
+            <a:extLst>
+              <a:ext uri="{FF2B5EF4-FFF2-40B4-BE49-F238E27FC236}">
+                <a16:creationId xmlns:a16="http://schemas.microsoft.com/office/drawing/2014/main" id="{417E3BDF-5D19-4BAF-AEB7-734DBFCE7AA0}"/>
+              </a:ext>
+            </a:extLst>
+          </p:cNvPr>
+          <p:cNvSpPr>
+            <a:spLocks noGrp="1"/>
+          </p:cNvSpPr>
+          <p:nvPr>
+            <p:ph type="body" sz="half" idx="2"/>
+          </p:nvPr>
+        </p:nvSpPr>
+        <p:spPr>
+          <a:xfrm>
+            <a:off x="457200" y="2858702"/>
+            <a:ext cx="3441032" cy="3659748"/>
+          </a:xfrm>
+        </p:spPr>
+        <p:txBody>
+          <a:bodyPr>
+            <a:normAutofit fontScale="25000" lnSpcReduction="20000"/>
+          </a:bodyPr>
+          <a:lstStyle/>
+          <a:p>
+            <a:pPr>
+              <a:lnSpc>
+                <a:spcPct val="120000"/>
+              </a:lnSpc>
+            </a:pPr>
+            <a:r>
+              <a:rPr lang="sv-SE" sz="4800" dirty="0"/>
+              <a:t>{</a:t>
+            </a:r>
+            <a:br>
+              <a:rPr lang="sv-SE" sz="4800" dirty="0"/>
+            </a:br>
+            <a:r>
+              <a:rPr lang="sv-SE" sz="4800" dirty="0"/>
+              <a:t> "username": 1,</a:t>
+            </a:r>
+            <a:br>
+              <a:rPr lang="sv-SE" sz="4800" dirty="0"/>
+            </a:br>
+            <a:r>
+              <a:rPr lang="sv-SE" sz="4800" dirty="0"/>
+              <a:t> "language": 1,</a:t>
+            </a:r>
+            <a:br>
+              <a:rPr lang="sv-SE" sz="4800" dirty="0"/>
+            </a:br>
+            <a:r>
+              <a:rPr lang="sv-SE" sz="4800" dirty="0"/>
+              <a:t>  "domain": 1,</a:t>
+            </a:r>
+            <a:br>
+              <a:rPr lang="sv-SE" sz="4800" dirty="0"/>
+            </a:br>
+            <a:r>
+              <a:rPr lang="sv-SE" sz="4800" dirty="0"/>
+              <a:t>  "subdomain": 1,</a:t>
+            </a:r>
+            <a:br>
+              <a:rPr lang="sv-SE" sz="4800" dirty="0"/>
+            </a:br>
+            <a:r>
+              <a:rPr lang="sv-SE" sz="4800" dirty="0"/>
+              <a:t>  "answer": 1,</a:t>
+            </a:r>
+            <a:br>
+              <a:rPr lang="sv-SE" sz="4800" dirty="0"/>
+            </a:br>
+            <a:r>
+              <a:rPr lang="sv-SE" sz="4800" dirty="0"/>
+              <a:t>  "question_lvl": 3,</a:t>
+            </a:r>
+            <a:br>
+              <a:rPr lang="sv-SE" sz="4800" dirty="0"/>
+            </a:br>
+            <a:r>
+              <a:rPr lang="sv-SE" sz="4800" dirty="0"/>
+              <a:t>  "student_lvl": 4,</a:t>
+            </a:r>
+            <a:br>
+              <a:rPr lang="sv-SE" sz="4800" dirty="0"/>
+            </a:br>
+            <a:r>
+              <a:rPr lang="sv-SE" sz="4800" dirty="0"/>
+              <a:t>  "state": 123456,</a:t>
+            </a:r>
+            <a:br>
+              <a:rPr lang="sv-SE" sz="4800" dirty="0"/>
+            </a:br>
+            <a:r>
+              <a:rPr lang="sv-SE" sz="4800" dirty="0"/>
+              <a:t>  "skill_domain": 4,</a:t>
+            </a:r>
+            <a:br>
+              <a:rPr lang="sv-SE" sz="4800" dirty="0"/>
+            </a:br>
+            <a:r>
+              <a:rPr lang="sv-SE" sz="4800" dirty="0"/>
+              <a:t>  "performance_domain": 4,</a:t>
+            </a:r>
+            <a:br>
+              <a:rPr lang="sv-SE" sz="4800" dirty="0"/>
+            </a:br>
+            <a:r>
+              <a:rPr lang="sv-SE" sz="4800" dirty="0"/>
+              <a:t>  "skill_subdomain": 3,</a:t>
+            </a:r>
+            <a:br>
+              <a:rPr lang="sv-SE" sz="4800" dirty="0"/>
+            </a:br>
+            <a:r>
+              <a:rPr lang="sv-SE" sz="4800" dirty="0"/>
+              <a:t>  "performance_subdomain": 4,</a:t>
+            </a:r>
+            <a:br>
+              <a:rPr lang="sv-SE" sz="4800" dirty="0"/>
+            </a:br>
+            <a:r>
+              <a:rPr lang="sv-SE" sz="4800" dirty="0"/>
+              <a:t>  "time": 3,</a:t>
+            </a:r>
+            <a:br>
+              <a:rPr lang="sv-SE" sz="4800" dirty="0"/>
+            </a:br>
+            <a:r>
+              <a:rPr lang="sv-SE" sz="4800" dirty="0"/>
+              <a:t>  "typeQ": " "</a:t>
+            </a:r>
+            <a:br>
+              <a:rPr lang="sv-SE" sz="4800" dirty="0"/>
+            </a:br>
+            <a:r>
+              <a:rPr lang="sv-SE" sz="4800" dirty="0"/>
+              <a:t>}</a:t>
+            </a:r>
+            <a:endParaRPr lang="sv-SE" dirty="0"/>
+          </a:p>
+          <a:p>
+            <a:endParaRPr lang="sv-SE" dirty="0"/>
+          </a:p>
+          <a:p>
+            <a:pPr>
+              <a:lnSpc>
+                <a:spcPct val="120000"/>
+              </a:lnSpc>
+            </a:pPr>
+            <a:r>
+              <a:rPr lang="sv-SE" sz="5200" dirty="0"/>
+              <a:t>patttern = ["1", "1", "1", "1", "1", "3", "4",</a:t>
+            </a:r>
+            <a:br>
+              <a:rPr lang="sv-SE" sz="5200" dirty="0"/>
+            </a:br>
+            <a:r>
+              <a:rPr lang="sv-SE" sz="5200" dirty="0"/>
+              <a:t>                    "123456", "4", "4", "3", "4", "3", ""]</a:t>
+            </a:r>
+          </a:p>
+        </p:txBody>
+      </p:sp>
+      <p:sp>
+        <p:nvSpPr>
+          <p:cNvPr id="20" name="Marcador de Posição de Conteúdo 19">
+            <a:extLst>
+              <a:ext uri="{FF2B5EF4-FFF2-40B4-BE49-F238E27FC236}">
+                <a16:creationId xmlns:a16="http://schemas.microsoft.com/office/drawing/2014/main" id="{E6D76E72-3E5E-4298-ADA6-0607B4B80320}"/>
+              </a:ext>
+            </a:extLst>
+          </p:cNvPr>
+          <p:cNvSpPr>
+            <a:spLocks noGrp="1"/>
+          </p:cNvSpPr>
+          <p:nvPr>
+            <p:ph idx="1"/>
+          </p:nvPr>
+        </p:nvSpPr>
+        <p:spPr>
+          <a:xfrm>
+            <a:off x="4800600" y="1911352"/>
+            <a:ext cx="6492240" cy="4077967"/>
+          </a:xfrm>
+        </p:spPr>
+        <p:txBody>
+          <a:bodyPr/>
+          <a:lstStyle/>
+          <a:p>
+            <a:endParaRPr lang="pt-PT" dirty="0"/>
           </a:p>
         </p:txBody>
       </p:sp>
       <p:pic>
         <p:nvPicPr>
-          <p:cNvPr id="5" name="Imagem 4">
+          <p:cNvPr id="22" name="Marcador de Posição de Conteúdo 9" descr="Uma imagem com captura de ecrã&#10;&#10;Descrição gerada automaticamente">
             <a:extLst>
               <a:ext uri="{FF2B5EF4-FFF2-40B4-BE49-F238E27FC236}">
-                <a16:creationId xmlns:a16="http://schemas.microsoft.com/office/drawing/2014/main" id="{A071BA8A-8BE0-477E-BBFF-00AE52C4F5FC}"/>
+                <a16:creationId xmlns:a16="http://schemas.microsoft.com/office/drawing/2014/main" id="{50375737-C7DA-43B7-A2F5-C20ED74572B3}"/>
               </a:ext>
             </a:extLst>
           </p:cNvPr>
@@ -7481,7 +6537,7 @@
           <p:nvPr/>
         </p:nvPicPr>
         <p:blipFill>
-          <a:blip r:embed="rId3">
+          <a:blip r:embed="rId2">
             <a:extLst>
               <a:ext uri="{28A0092B-C50C-407E-A947-70E740481C1C}">
                 <a14:useLocalDpi xmlns:a14="http://schemas.microsoft.com/office/drawing/2010/main" val="0"/>
@@ -7494,8 +6550,8 @@
         </p:blipFill>
         <p:spPr>
           <a:xfrm>
-            <a:off x="2061599" y="3130967"/>
-            <a:ext cx="8068801" cy="3105583"/>
+            <a:off x="4696327" y="252372"/>
+            <a:ext cx="6625388" cy="6353255"/>
           </a:xfrm>
           <a:prstGeom prst="rect">
             <a:avLst/>
@@ -7504,93 +6560,130 @@
       </p:pic>
       <p:sp>
         <p:nvSpPr>
-          <p:cNvPr id="7" name="Marcador de Posição de Conteúdo 2">
+          <p:cNvPr id="55" name="Retângulo: Cantos Arredondados 54">
             <a:extLst>
               <a:ext uri="{FF2B5EF4-FFF2-40B4-BE49-F238E27FC236}">
-                <a16:creationId xmlns:a16="http://schemas.microsoft.com/office/drawing/2014/main" id="{3EC6D872-E846-4670-BF08-540C59BD27FC}"/>
+                <a16:creationId xmlns:a16="http://schemas.microsoft.com/office/drawing/2014/main" id="{692B1793-D483-4C69-8CC5-87CBBA2CD237}"/>
               </a:ext>
             </a:extLst>
           </p:cNvPr>
-          <p:cNvSpPr>
-            <a:spLocks noGrp="1"/>
-          </p:cNvSpPr>
-          <p:nvPr>
-            <p:ph idx="1"/>
-          </p:nvPr>
-        </p:nvSpPr>
-        <p:spPr>
-          <a:xfrm>
-            <a:off x="1097280" y="1930401"/>
-            <a:ext cx="10058400" cy="1450757"/>
-          </a:xfrm>
-        </p:spPr>
-        <p:txBody>
-          <a:bodyPr>
-            <a:normAutofit fontScale="92500" lnSpcReduction="10000"/>
-          </a:bodyPr>
-          <a:lstStyle/>
-          <a:p>
-            <a:pPr>
-              <a:buFont typeface="Wingdings" panose="05000000000000000000" pitchFamily="2" charset="2"/>
-              <a:buChar char="q"/>
-            </a:pPr>
-            <a:r>
-              <a:rPr lang="pt-PT" dirty="0"/>
-              <a:t> Funcionalidade por subcomponente:</a:t>
-            </a:r>
-          </a:p>
-          <a:p>
-            <a:pPr lvl="1">
-              <a:buFont typeface="Wingdings" panose="05000000000000000000" pitchFamily="2" charset="2"/>
-              <a:buChar char="q"/>
-            </a:pPr>
-            <a:r>
-              <a:rPr lang="pt-PT" dirty="0"/>
-              <a:t> Análise do Padrão: Analisar padrão vindo de outra componente e extração/conversão de informação útil;</a:t>
-            </a:r>
-          </a:p>
-          <a:p>
-            <a:pPr lvl="1">
-              <a:buFont typeface="Wingdings" panose="05000000000000000000" pitchFamily="2" charset="2"/>
-              <a:buChar char="q"/>
-            </a:pPr>
-            <a:r>
-              <a:rPr lang="pt-PT" dirty="0"/>
-              <a:t> Motor de Regras: Análise de dados provenientes do padrão e realização de testes, comparando esses dados com as condições das regras, do motor de regras</a:t>
-            </a:r>
-          </a:p>
-          <a:p>
-            <a:pPr lvl="1">
-              <a:buFont typeface="Wingdings" panose="05000000000000000000" pitchFamily="2" charset="2"/>
-              <a:buChar char="q"/>
-            </a:pPr>
-            <a:r>
-              <a:rPr lang="pt-PT" dirty="0"/>
-              <a:t> Seleção de Diálogo: Através das estruturas de decisão, selecionar qual a frase a enviar ao utilizador.</a:t>
-            </a:r>
-          </a:p>
-          <a:p>
-            <a:pPr>
-              <a:buFont typeface="Wingdings" panose="05000000000000000000" pitchFamily="2" charset="2"/>
-              <a:buChar char="q"/>
-            </a:pPr>
-            <a:endParaRPr lang="pt-PT" dirty="0"/>
-          </a:p>
-        </p:txBody>
-      </p:sp>
+          <p:cNvSpPr/>
+          <p:nvPr/>
+        </p:nvSpPr>
+        <p:spPr>
+          <a:xfrm>
+            <a:off x="6694227" y="1617260"/>
+            <a:ext cx="232012" cy="294092"/>
+          </a:xfrm>
+          <a:prstGeom prst="roundRect">
+            <a:avLst/>
+          </a:prstGeom>
+          <a:solidFill>
+            <a:schemeClr val="bg1"/>
+          </a:solidFill>
+          <a:ln>
+            <a:solidFill>
+              <a:schemeClr val="bg1"/>
+            </a:solidFill>
+          </a:ln>
+        </p:spPr>
+        <p:style>
+          <a:lnRef idx="2">
+            <a:schemeClr val="accent1">
+              <a:shade val="50000"/>
+            </a:schemeClr>
+          </a:lnRef>
+          <a:fillRef idx="1">
+            <a:schemeClr val="accent1"/>
+          </a:fillRef>
+          <a:effectRef idx="0">
+            <a:schemeClr val="accent1"/>
+          </a:effectRef>
+          <a:fontRef idx="minor">
+            <a:schemeClr val="lt1"/>
+          </a:fontRef>
+        </p:style>
+        <p:txBody>
+          <a:bodyPr rtlCol="0" anchor="ctr"/>
+          <a:lstStyle/>
+          <a:p>
+            <a:pPr algn="ctr"/>
+            <a:endParaRPr lang="pt-PT"/>
+          </a:p>
+        </p:txBody>
+      </p:sp>
+      <p:cxnSp>
+        <p:nvCxnSpPr>
+          <p:cNvPr id="48" name="Conexão: Ângulo Reto 47">
+            <a:extLst>
+              <a:ext uri="{FF2B5EF4-FFF2-40B4-BE49-F238E27FC236}">
+                <a16:creationId xmlns:a16="http://schemas.microsoft.com/office/drawing/2014/main" id="{F286C0CB-979B-4840-8491-D11A1985459F}"/>
+              </a:ext>
+            </a:extLst>
+          </p:cNvPr>
+          <p:cNvCxnSpPr>
+            <a:cxnSpLocks/>
+          </p:cNvCxnSpPr>
+          <p:nvPr/>
+        </p:nvCxnSpPr>
+        <p:spPr>
+          <a:xfrm rot="16200000" flipH="1">
+            <a:off x="5985634" y="1147502"/>
+            <a:ext cx="1103420" cy="545778"/>
+          </a:xfrm>
+          <a:prstGeom prst="bentConnector3">
+            <a:avLst>
+              <a:gd name="adj1" fmla="val 63606"/>
+            </a:avLst>
+          </a:prstGeom>
+          <a:ln w="28575">
+            <a:solidFill>
+              <a:srgbClr val="FF3300"/>
+            </a:solidFill>
+            <a:tailEnd type="triangle"/>
+          </a:ln>
+          <a:effectLst>
+            <a:glow rad="63500">
+              <a:schemeClr val="accent2">
+                <a:satMod val="175000"/>
+                <a:alpha val="40000"/>
+              </a:schemeClr>
+            </a:glow>
+          </a:effectLst>
+        </p:spPr>
+        <p:style>
+          <a:lnRef idx="1">
+            <a:schemeClr val="accent1"/>
+          </a:lnRef>
+          <a:fillRef idx="0">
+            <a:schemeClr val="accent1"/>
+          </a:fillRef>
+          <a:effectRef idx="0">
+            <a:schemeClr val="accent1"/>
+          </a:effectRef>
+          <a:fontRef idx="minor">
+            <a:schemeClr val="tx1"/>
+          </a:fontRef>
+        </p:style>
+      </p:cxnSp>
     </p:spTree>
     <p:extLst>
       <p:ext uri="{BB962C8B-B14F-4D97-AF65-F5344CB8AC3E}">
-        <p14:creationId xmlns:p14="http://schemas.microsoft.com/office/powerpoint/2010/main" val="3735119211"/>
+        <p14:creationId xmlns:p14="http://schemas.microsoft.com/office/powerpoint/2010/main" val="938908307"/>
       </p:ext>
     </p:extLst>
   </p:cSld>
   <p:clrMapOvr>
     <a:masterClrMapping/>
   </p:clrMapOvr>
-  <p:transition spd="slow">
-    <p:cover/>
-  </p:transition>
+  <mc:AlternateContent xmlns:mc="http://schemas.openxmlformats.org/markup-compatibility/2006">
+    <mc:Choice xmlns:p14="http://schemas.microsoft.com/office/powerpoint/2010/main" Requires="p14">
+      <p:transition p14:dur="10"/>
+    </mc:Choice>
+    <mc:Fallback>
+      <p:transition/>
+    </mc:Fallback>
+  </mc:AlternateContent>
 </p:sld>
 </file>
 
@@ -7616,7 +6709,7 @@
           <p:cNvPr id="2" name="Título 1">
             <a:extLst>
               <a:ext uri="{FF2B5EF4-FFF2-40B4-BE49-F238E27FC236}">
-                <a16:creationId xmlns:a16="http://schemas.microsoft.com/office/drawing/2014/main" id="{C9DA4474-206D-415E-90A2-22F6698BD392}"/>
+                <a16:creationId xmlns:a16="http://schemas.microsoft.com/office/drawing/2014/main" id="{D7D5C487-DAE2-4B7D-BFE9-AF4871322A8E}"/>
               </a:ext>
             </a:extLst>
           </p:cNvPr>
@@ -7633,24 +6726,259 @@
           <a:lstStyle/>
           <a:p>
             <a:r>
-              <a:rPr lang="pt-PT" dirty="0">
+              <a:rPr lang="pt-PT" dirty="0"/>
+              <a:t>Funcionamento do Sistema</a:t>
+            </a:r>
+          </a:p>
+        </p:txBody>
+      </p:sp>
+      <p:sp>
+        <p:nvSpPr>
+          <p:cNvPr id="4" name="Marcador de Posição do Texto 3">
+            <a:extLst>
+              <a:ext uri="{FF2B5EF4-FFF2-40B4-BE49-F238E27FC236}">
+                <a16:creationId xmlns:a16="http://schemas.microsoft.com/office/drawing/2014/main" id="{417E3BDF-5D19-4BAF-AEB7-734DBFCE7AA0}"/>
+              </a:ext>
+            </a:extLst>
+          </p:cNvPr>
+          <p:cNvSpPr>
+            <a:spLocks noGrp="1"/>
+          </p:cNvSpPr>
+          <p:nvPr>
+            <p:ph type="body" sz="half" idx="2"/>
+          </p:nvPr>
+        </p:nvSpPr>
+        <p:spPr>
+          <a:xfrm>
+            <a:off x="457200" y="2858701"/>
+            <a:ext cx="3441032" cy="3746925"/>
+          </a:xfrm>
+        </p:spPr>
+        <p:txBody>
+          <a:bodyPr>
+            <a:normAutofit fontScale="25000" lnSpcReduction="20000"/>
+          </a:bodyPr>
+          <a:lstStyle/>
+          <a:p>
+            <a:pPr>
+              <a:lnSpc>
+                <a:spcPct val="120000"/>
+              </a:lnSpc>
+            </a:pPr>
+            <a:r>
+              <a:rPr lang="sv-SE" sz="4800" dirty="0"/>
+              <a:t>{</a:t>
+            </a:r>
+            <a:br>
+              <a:rPr lang="sv-SE" sz="4800" dirty="0"/>
+            </a:br>
+            <a:r>
+              <a:rPr lang="sv-SE" sz="4800" dirty="0"/>
+              <a:t> "username": </a:t>
+            </a:r>
+            <a:r>
+              <a:rPr lang="sv-SE" sz="4800" dirty="0">
                 <a:solidFill>
-                  <a:schemeClr val="bg1">
-                    <a:lumMod val="50000"/>
-                  </a:schemeClr>
+                  <a:srgbClr val="FF0000"/>
                 </a:solidFill>
               </a:rPr>
-              <a:t>Apresentação do Componente</a:t>
-            </a:r>
+              <a:t>1</a:t>
+            </a:r>
+            <a:r>
+              <a:rPr lang="sv-SE" sz="4800" dirty="0"/>
+              <a:t>,</a:t>
+            </a:r>
+            <a:br>
+              <a:rPr lang="sv-SE" sz="4800" dirty="0"/>
+            </a:br>
+            <a:r>
+              <a:rPr lang="sv-SE" sz="4800" dirty="0"/>
+              <a:t> "language": 1,</a:t>
+            </a:r>
+            <a:br>
+              <a:rPr lang="sv-SE" sz="4800" dirty="0"/>
+            </a:br>
+            <a:r>
+              <a:rPr lang="sv-SE" sz="4800" dirty="0"/>
+              <a:t>  "domain": 1,</a:t>
+            </a:r>
+            <a:br>
+              <a:rPr lang="sv-SE" sz="4800" dirty="0"/>
+            </a:br>
+            <a:r>
+              <a:rPr lang="sv-SE" sz="4800" dirty="0"/>
+              <a:t>  "subdomain": 1,</a:t>
+            </a:r>
+            <a:br>
+              <a:rPr lang="sv-SE" sz="4800" dirty="0"/>
+            </a:br>
+            <a:r>
+              <a:rPr lang="sv-SE" sz="4800" dirty="0"/>
+              <a:t>  "answer": 1,</a:t>
+            </a:r>
+            <a:br>
+              <a:rPr lang="sv-SE" sz="4800" dirty="0"/>
+            </a:br>
+            <a:r>
+              <a:rPr lang="sv-SE" sz="4800" dirty="0"/>
+              <a:t>  "question_lvl": 3,</a:t>
+            </a:r>
+            <a:br>
+              <a:rPr lang="sv-SE" sz="4800" dirty="0"/>
+            </a:br>
+            <a:r>
+              <a:rPr lang="sv-SE" sz="4800" dirty="0"/>
+              <a:t>  "student_lvl": 4,</a:t>
+            </a:r>
+            <a:br>
+              <a:rPr lang="sv-SE" sz="4800" dirty="0"/>
+            </a:br>
+            <a:r>
+              <a:rPr lang="sv-SE" sz="4800" dirty="0"/>
+              <a:t>  "state": 123456,</a:t>
+            </a:r>
+            <a:br>
+              <a:rPr lang="sv-SE" sz="4800" dirty="0"/>
+            </a:br>
+            <a:r>
+              <a:rPr lang="sv-SE" sz="4800" dirty="0"/>
+              <a:t>  "skill_domain": </a:t>
+            </a:r>
+            <a:r>
+              <a:rPr lang="sv-SE" sz="4800" dirty="0">
+                <a:solidFill>
+                  <a:srgbClr val="FF0000"/>
+                </a:solidFill>
+              </a:rPr>
+              <a:t>4</a:t>
+            </a:r>
+            <a:r>
+              <a:rPr lang="sv-SE" sz="4800" dirty="0"/>
+              <a:t>,</a:t>
+            </a:r>
+            <a:br>
+              <a:rPr lang="sv-SE" sz="4800" dirty="0"/>
+            </a:br>
+            <a:r>
+              <a:rPr lang="sv-SE" sz="4800" dirty="0"/>
+              <a:t>  "performance_domain": 4,</a:t>
+            </a:r>
+            <a:br>
+              <a:rPr lang="sv-SE" sz="4800" dirty="0"/>
+            </a:br>
+            <a:r>
+              <a:rPr lang="sv-SE" sz="4800" dirty="0"/>
+              <a:t>  "skill_subdomain": 3,</a:t>
+            </a:r>
+            <a:br>
+              <a:rPr lang="sv-SE" sz="4800" dirty="0"/>
+            </a:br>
+            <a:r>
+              <a:rPr lang="sv-SE" sz="4800" dirty="0"/>
+              <a:t>  "performance_subdomain": 4,</a:t>
+            </a:r>
+            <a:br>
+              <a:rPr lang="sv-SE" sz="4800" dirty="0"/>
+            </a:br>
+            <a:r>
+              <a:rPr lang="sv-SE" sz="4800" dirty="0"/>
+              <a:t>  "time": 3,</a:t>
+            </a:r>
+            <a:br>
+              <a:rPr lang="sv-SE" sz="4800" dirty="0"/>
+            </a:br>
+            <a:r>
+              <a:rPr lang="sv-SE" sz="4800" dirty="0"/>
+              <a:t>  "typeQ": </a:t>
+            </a:r>
+            <a:r>
+              <a:rPr lang="sv-SE" sz="4800" dirty="0">
+                <a:solidFill>
+                  <a:schemeClr val="bg1"/>
+                </a:solidFill>
+              </a:rPr>
+              <a:t>"</a:t>
+            </a:r>
+            <a:r>
+              <a:rPr lang="sv-SE" sz="4800" dirty="0">
+                <a:solidFill>
+                  <a:srgbClr val="FF0000"/>
+                </a:solidFill>
+              </a:rPr>
+              <a:t>greetingsTLate</a:t>
+            </a:r>
+            <a:r>
+              <a:rPr lang="sv-SE" sz="4800" dirty="0"/>
+              <a:t>"</a:t>
+            </a:r>
+            <a:br>
+              <a:rPr lang="sv-SE" sz="4800" dirty="0"/>
+            </a:br>
+            <a:r>
+              <a:rPr lang="sv-SE" sz="4800" dirty="0"/>
+              <a:t>}</a:t>
+            </a:r>
+            <a:endParaRPr lang="sv-SE" dirty="0"/>
+          </a:p>
+          <a:p>
+            <a:endParaRPr lang="sv-SE" dirty="0"/>
+          </a:p>
+          <a:p>
+            <a:pPr>
+              <a:lnSpc>
+                <a:spcPct val="120000"/>
+              </a:lnSpc>
+            </a:pPr>
+            <a:r>
+              <a:rPr lang="sv-SE" sz="5200" dirty="0"/>
+              <a:t>patttern = ["1", "1", "1", "1", "1", "3", "4",</a:t>
+            </a:r>
+            <a:br>
+              <a:rPr lang="sv-SE" sz="5200" dirty="0"/>
+            </a:br>
+            <a:r>
+              <a:rPr lang="sv-SE" sz="5200" dirty="0"/>
+              <a:t>                    "123456", "4", "4", "3", "4", "3", "1"]</a:t>
+            </a:r>
+          </a:p>
+        </p:txBody>
+      </p:sp>
+      <p:sp>
+        <p:nvSpPr>
+          <p:cNvPr id="20" name="Marcador de Posição de Conteúdo 19">
+            <a:extLst>
+              <a:ext uri="{FF2B5EF4-FFF2-40B4-BE49-F238E27FC236}">
+                <a16:creationId xmlns:a16="http://schemas.microsoft.com/office/drawing/2014/main" id="{E6D76E72-3E5E-4298-ADA6-0607B4B80320}"/>
+              </a:ext>
+            </a:extLst>
+          </p:cNvPr>
+          <p:cNvSpPr>
+            <a:spLocks noGrp="1"/>
+          </p:cNvSpPr>
+          <p:nvPr>
+            <p:ph idx="1"/>
+          </p:nvPr>
+        </p:nvSpPr>
+        <p:spPr>
+          <a:xfrm>
+            <a:off x="4800600" y="1911352"/>
+            <a:ext cx="6492240" cy="4077967"/>
+          </a:xfrm>
+        </p:spPr>
+        <p:txBody>
+          <a:bodyPr/>
+          <a:lstStyle/>
+          <a:p>
+            <a:endParaRPr lang="pt-PT" dirty="0"/>
           </a:p>
         </p:txBody>
       </p:sp>
       <p:pic>
         <p:nvPicPr>
-          <p:cNvPr id="5" name="Imagem 4">
+          <p:cNvPr id="22" name="Marcador de Posição de Conteúdo 9" descr="Uma imagem com captura de ecrã&#10;&#10;Descrição gerada automaticamente">
             <a:extLst>
               <a:ext uri="{FF2B5EF4-FFF2-40B4-BE49-F238E27FC236}">
-                <a16:creationId xmlns:a16="http://schemas.microsoft.com/office/drawing/2014/main" id="{A071BA8A-8BE0-477E-BBFF-00AE52C4F5FC}"/>
+                <a16:creationId xmlns:a16="http://schemas.microsoft.com/office/drawing/2014/main" id="{50375737-C7DA-43B7-A2F5-C20ED74572B3}"/>
               </a:ext>
             </a:extLst>
           </p:cNvPr>
@@ -7660,7 +6988,7 @@
           <p:nvPr/>
         </p:nvPicPr>
         <p:blipFill>
-          <a:blip r:embed="rId3">
+          <a:blip r:embed="rId2">
             <a:extLst>
               <a:ext uri="{28A0092B-C50C-407E-A947-70E740481C1C}">
                 <a14:useLocalDpi xmlns:a14="http://schemas.microsoft.com/office/drawing/2010/main" val="0"/>
@@ -7673,225 +7001,24 @@
         </p:blipFill>
         <p:spPr>
           <a:xfrm>
-            <a:off x="2061599" y="2649491"/>
-            <a:ext cx="8068801" cy="3105583"/>
+            <a:off x="4696327" y="252372"/>
+            <a:ext cx="6625388" cy="6353255"/>
           </a:xfrm>
           <a:prstGeom prst="rect">
             <a:avLst/>
           </a:prstGeom>
         </p:spPr>
       </p:pic>
-      <p:sp>
-        <p:nvSpPr>
-          <p:cNvPr id="3" name="Oval 2">
-            <a:extLst>
-              <a:ext uri="{FF2B5EF4-FFF2-40B4-BE49-F238E27FC236}">
-                <a16:creationId xmlns:a16="http://schemas.microsoft.com/office/drawing/2014/main" id="{29E9DD23-BBFC-4EBB-BAD0-425A92F9B41A}"/>
-              </a:ext>
-            </a:extLst>
-          </p:cNvPr>
-          <p:cNvSpPr/>
-          <p:nvPr/>
-        </p:nvSpPr>
-        <p:spPr>
-          <a:xfrm>
-            <a:off x="10243820" y="3466254"/>
-            <a:ext cx="1219200" cy="1209041"/>
-          </a:xfrm>
-          <a:prstGeom prst="ellipse">
-            <a:avLst/>
-          </a:prstGeom>
-        </p:spPr>
-        <p:style>
-          <a:lnRef idx="3">
-            <a:schemeClr val="lt1"/>
-          </a:lnRef>
-          <a:fillRef idx="1">
-            <a:schemeClr val="accent1"/>
-          </a:fillRef>
-          <a:effectRef idx="1">
-            <a:schemeClr val="accent1"/>
-          </a:effectRef>
-          <a:fontRef idx="minor">
-            <a:schemeClr val="lt1"/>
-          </a:fontRef>
-        </p:style>
-        <p:txBody>
-          <a:bodyPr rtlCol="0" anchor="ctr"/>
-          <a:lstStyle/>
-          <a:p>
-            <a:pPr algn="ctr"/>
-            <a:endParaRPr lang="pt-PT"/>
-          </a:p>
-        </p:txBody>
-      </p:sp>
-      <p:sp>
-        <p:nvSpPr>
-          <p:cNvPr id="6" name="Oval 5">
-            <a:extLst>
-              <a:ext uri="{FF2B5EF4-FFF2-40B4-BE49-F238E27FC236}">
-                <a16:creationId xmlns:a16="http://schemas.microsoft.com/office/drawing/2014/main" id="{73DA8051-3890-44E6-B9AC-2008EEE802ED}"/>
-              </a:ext>
-            </a:extLst>
-          </p:cNvPr>
-          <p:cNvSpPr/>
-          <p:nvPr/>
-        </p:nvSpPr>
-        <p:spPr>
-          <a:xfrm>
-            <a:off x="639199" y="3466254"/>
-            <a:ext cx="1219200" cy="1209041"/>
-          </a:xfrm>
-          <a:prstGeom prst="ellipse">
-            <a:avLst/>
-          </a:prstGeom>
-        </p:spPr>
-        <p:style>
-          <a:lnRef idx="3">
-            <a:schemeClr val="lt1"/>
-          </a:lnRef>
-          <a:fillRef idx="1">
-            <a:schemeClr val="accent1"/>
-          </a:fillRef>
-          <a:effectRef idx="1">
-            <a:schemeClr val="accent1"/>
-          </a:effectRef>
-          <a:fontRef idx="minor">
-            <a:schemeClr val="lt1"/>
-          </a:fontRef>
-        </p:style>
-        <p:txBody>
-          <a:bodyPr rtlCol="0" anchor="ctr"/>
-          <a:lstStyle/>
-          <a:p>
-            <a:pPr algn="ctr"/>
-            <a:endParaRPr lang="pt-PT"/>
-          </a:p>
-        </p:txBody>
-      </p:sp>
-      <p:sp>
-        <p:nvSpPr>
-          <p:cNvPr id="4" name="CaixaDeTexto 3">
-            <a:extLst>
-              <a:ext uri="{FF2B5EF4-FFF2-40B4-BE49-F238E27FC236}">
-                <a16:creationId xmlns:a16="http://schemas.microsoft.com/office/drawing/2014/main" id="{D3649FF5-04AA-4E5C-A44C-3CCD9ADE4C05}"/>
-              </a:ext>
-            </a:extLst>
-          </p:cNvPr>
-          <p:cNvSpPr txBox="1"/>
-          <p:nvPr/>
-        </p:nvSpPr>
-        <p:spPr>
-          <a:xfrm>
-            <a:off x="639199" y="2649492"/>
-            <a:ext cx="2201333" cy="584775"/>
-          </a:xfrm>
-          <a:prstGeom prst="rect">
-            <a:avLst/>
-          </a:prstGeom>
-          <a:noFill/>
-        </p:spPr>
-        <p:txBody>
-          <a:bodyPr wrap="square" rtlCol="0">
-            <a:spAutoFit/>
-          </a:bodyPr>
-          <a:lstStyle/>
-          <a:p>
-            <a:r>
-              <a:rPr lang="pt-PT" sz="3200" i="1" dirty="0" err="1">
-                <a:solidFill>
-                  <a:schemeClr val="bg1">
-                    <a:lumMod val="50000"/>
-                  </a:schemeClr>
-                </a:solidFill>
-                <a:effectLst>
-                  <a:outerShdw blurRad="38100" dist="38100" dir="2700000" algn="tl">
-                    <a:srgbClr val="000000">
-                      <a:alpha val="43137"/>
-                    </a:srgbClr>
-                  </a:outerShdw>
-                </a:effectLst>
-              </a:rPr>
-              <a:t>Profiler</a:t>
-            </a:r>
-            <a:endParaRPr lang="pt-PT" sz="3200" i="1" dirty="0">
-              <a:solidFill>
-                <a:schemeClr val="bg1">
-                  <a:lumMod val="50000"/>
-                </a:schemeClr>
-              </a:solidFill>
-              <a:effectLst>
-                <a:outerShdw blurRad="38100" dist="38100" dir="2700000" algn="tl">
-                  <a:srgbClr val="000000">
-                    <a:alpha val="43137"/>
-                  </a:srgbClr>
-                </a:outerShdw>
-              </a:effectLst>
-            </a:endParaRPr>
-          </a:p>
-        </p:txBody>
-      </p:sp>
-      <p:sp>
-        <p:nvSpPr>
-          <p:cNvPr id="7" name="CaixaDeTexto 6">
-            <a:extLst>
-              <a:ext uri="{FF2B5EF4-FFF2-40B4-BE49-F238E27FC236}">
-                <a16:creationId xmlns:a16="http://schemas.microsoft.com/office/drawing/2014/main" id="{CD680EE5-899C-49B9-8F64-6501BABE3879}"/>
-              </a:ext>
-            </a:extLst>
-          </p:cNvPr>
-          <p:cNvSpPr txBox="1"/>
-          <p:nvPr/>
-        </p:nvSpPr>
-        <p:spPr>
-          <a:xfrm>
-            <a:off x="9990667" y="2649491"/>
-            <a:ext cx="2201333" cy="584775"/>
-          </a:xfrm>
-          <a:prstGeom prst="rect">
-            <a:avLst/>
-          </a:prstGeom>
-          <a:noFill/>
-        </p:spPr>
-        <p:txBody>
-          <a:bodyPr wrap="square" rtlCol="0">
-            <a:spAutoFit/>
-          </a:bodyPr>
-          <a:lstStyle/>
-          <a:p>
-            <a:r>
-              <a:rPr lang="pt-PT" sz="3200" i="1" dirty="0">
-                <a:solidFill>
-                  <a:schemeClr val="bg1">
-                    <a:lumMod val="50000"/>
-                  </a:schemeClr>
-                </a:solidFill>
-                <a:effectLst>
-                  <a:outerShdw blurRad="38100" dist="38100" dir="2700000" algn="tl">
-                    <a:srgbClr val="000000">
-                      <a:alpha val="43137"/>
-                    </a:srgbClr>
-                  </a:outerShdw>
-                </a:effectLst>
-              </a:rPr>
-              <a:t>Interface</a:t>
-            </a:r>
-          </a:p>
-        </p:txBody>
-      </p:sp>
     </p:spTree>
     <p:extLst>
       <p:ext uri="{BB962C8B-B14F-4D97-AF65-F5344CB8AC3E}">
-        <p14:creationId xmlns:p14="http://schemas.microsoft.com/office/powerpoint/2010/main" val="2947764199"/>
+        <p14:creationId xmlns:p14="http://schemas.microsoft.com/office/powerpoint/2010/main" val="3203707965"/>
       </p:ext>
     </p:extLst>
   </p:cSld>
   <p:clrMapOvr>
     <a:masterClrMapping/>
   </p:clrMapOvr>
-  <p:transition spd="slow">
-    <p:cover/>
-  </p:transition>
 </p:sld>
 </file>
 
@@ -7914,10 +7041,10 @@
       </p:grpSpPr>
       <p:sp>
         <p:nvSpPr>
-          <p:cNvPr id="9" name="Título 8">
+          <p:cNvPr id="2" name="Título 1">
             <a:extLst>
               <a:ext uri="{FF2B5EF4-FFF2-40B4-BE49-F238E27FC236}">
-                <a16:creationId xmlns:a16="http://schemas.microsoft.com/office/drawing/2014/main" id="{2242052A-3CCC-4918-9A02-55A0F086A6AC}"/>
+                <a16:creationId xmlns:a16="http://schemas.microsoft.com/office/drawing/2014/main" id="{D7D5C487-DAE2-4B7D-BFE9-AF4871322A8E}"/>
               </a:ext>
             </a:extLst>
           </p:cNvPr>
@@ -7935,17 +7062,17 @@
           <a:p>
             <a:r>
               <a:rPr lang="pt-PT" dirty="0"/>
-              <a:t>Diálogo suportado pelo sistema (exemplo)</a:t>
-            </a:r>
-          </a:p>
-        </p:txBody>
-      </p:sp>
-      <p:sp>
-        <p:nvSpPr>
-          <p:cNvPr id="11" name="Marcador de Posição do Texto 10">
+              <a:t>Funcionamento do Sistema</a:t>
+            </a:r>
+          </a:p>
+        </p:txBody>
+      </p:sp>
+      <p:sp>
+        <p:nvSpPr>
+          <p:cNvPr id="4" name="Marcador de Posição do Texto 3">
             <a:extLst>
               <a:ext uri="{FF2B5EF4-FFF2-40B4-BE49-F238E27FC236}">
-                <a16:creationId xmlns:a16="http://schemas.microsoft.com/office/drawing/2014/main" id="{861DA2B8-2C4C-499C-9373-7AF65343E67A}"/>
+                <a16:creationId xmlns:a16="http://schemas.microsoft.com/office/drawing/2014/main" id="{417E3BDF-5D19-4BAF-AEB7-734DBFCE7AA0}"/>
               </a:ext>
             </a:extLst>
           </p:cNvPr>
@@ -7956,86 +7083,63 @@
             <p:ph type="body" sz="half" idx="2"/>
           </p:nvPr>
         </p:nvSpPr>
-        <p:spPr/>
+        <p:spPr>
+          <a:xfrm>
+            <a:off x="457200" y="2858701"/>
+            <a:ext cx="3441032" cy="3746925"/>
+          </a:xfrm>
+        </p:spPr>
+        <p:txBody>
+          <a:bodyPr>
+            <a:normAutofit/>
+          </a:bodyPr>
+          <a:lstStyle/>
+          <a:p>
+            <a:pPr>
+              <a:lnSpc>
+                <a:spcPct val="120000"/>
+              </a:lnSpc>
+            </a:pPr>
+            <a:endParaRPr lang="sv-SE" sz="5200" dirty="0"/>
+          </a:p>
+        </p:txBody>
+      </p:sp>
+      <p:sp>
+        <p:nvSpPr>
+          <p:cNvPr id="20" name="Marcador de Posição de Conteúdo 19">
+            <a:extLst>
+              <a:ext uri="{FF2B5EF4-FFF2-40B4-BE49-F238E27FC236}">
+                <a16:creationId xmlns:a16="http://schemas.microsoft.com/office/drawing/2014/main" id="{E6D76E72-3E5E-4298-ADA6-0607B4B80320}"/>
+              </a:ext>
+            </a:extLst>
+          </p:cNvPr>
+          <p:cNvSpPr>
+            <a:spLocks noGrp="1"/>
+          </p:cNvSpPr>
+          <p:nvPr>
+            <p:ph idx="1"/>
+          </p:nvPr>
+        </p:nvSpPr>
+        <p:spPr>
+          <a:xfrm>
+            <a:off x="4800600" y="1911352"/>
+            <a:ext cx="6492240" cy="4077967"/>
+          </a:xfrm>
+        </p:spPr>
         <p:txBody>
           <a:bodyPr/>
           <a:lstStyle/>
           <a:p>
-            <a:r>
-              <a:rPr lang="pt-PT" dirty="0"/>
-              <a:t>Leonardo: Então Einstein, vamos a</a:t>
-            </a:r>
-            <a:br>
-              <a:rPr lang="pt-PT" dirty="0"/>
-            </a:br>
-            <a:r>
-              <a:rPr lang="pt-PT" dirty="0"/>
-              <a:t>                   mais um teste?</a:t>
-            </a:r>
-            <a:br>
-              <a:rPr lang="pt-PT" dirty="0"/>
-            </a:br>
-            <a:r>
-              <a:rPr lang="pt-PT" dirty="0"/>
-              <a:t>Utilizador: Eu sei tudo!</a:t>
-            </a:r>
-            <a:br>
-              <a:rPr lang="pt-PT" dirty="0"/>
-            </a:br>
-            <a:r>
-              <a:rPr lang="pt-PT" dirty="0"/>
-              <a:t>Leonardo : Escolhe o tema para</a:t>
-            </a:r>
-            <a:br>
-              <a:rPr lang="pt-PT" dirty="0"/>
-            </a:br>
-            <a:r>
-              <a:rPr lang="pt-PT" dirty="0"/>
-              <a:t>                    avaliação.</a:t>
-            </a:r>
-            <a:br>
-              <a:rPr lang="pt-PT" dirty="0"/>
-            </a:br>
             <a:endParaRPr lang="pt-PT" dirty="0"/>
-          </a:p>
-          <a:p>
-            <a:r>
-              <a:rPr lang="pt-PT" dirty="0"/>
-              <a:t>(…)</a:t>
-            </a:r>
-            <a:br>
-              <a:rPr lang="pt-PT" dirty="0"/>
-            </a:br>
-            <a:r>
-              <a:rPr lang="pt-PT" dirty="0"/>
-              <a:t>* Aluno realiza um teste e termina com boa performance *</a:t>
-            </a:r>
-            <a:br>
-              <a:rPr lang="pt-PT" dirty="0"/>
-            </a:br>
-            <a:r>
-              <a:rPr lang="pt-PT" dirty="0"/>
-              <a:t>(…)</a:t>
-            </a:r>
-            <a:br>
-              <a:rPr lang="pt-PT" dirty="0"/>
-            </a:br>
-            <a:br>
-              <a:rPr lang="pt-PT" dirty="0"/>
-            </a:br>
-            <a:r>
-              <a:rPr lang="pt-PT" dirty="0"/>
-              <a:t>Leonardo: É para o 20.</a:t>
-            </a:r>
           </a:p>
         </p:txBody>
       </p:sp>
       <p:pic>
         <p:nvPicPr>
-          <p:cNvPr id="6" name="Imagem 5">
+          <p:cNvPr id="22" name="Marcador de Posição de Conteúdo 9" descr="Uma imagem com captura de ecrã&#10;&#10;Descrição gerada automaticamente">
             <a:extLst>
               <a:ext uri="{FF2B5EF4-FFF2-40B4-BE49-F238E27FC236}">
-                <a16:creationId xmlns:a16="http://schemas.microsoft.com/office/drawing/2014/main" id="{29C326E9-55EA-47E8-8815-2DF28E56CE08}"/>
+                <a16:creationId xmlns:a16="http://schemas.microsoft.com/office/drawing/2014/main" id="{50375737-C7DA-43B7-A2F5-C20ED74572B3}"/>
               </a:ext>
             </a:extLst>
           </p:cNvPr>
@@ -8045,7 +7149,7 @@
           <p:nvPr/>
         </p:nvPicPr>
         <p:blipFill>
-          <a:blip r:embed="rId3">
+          <a:blip r:embed="rId2">
             <a:extLst>
               <a:ext uri="{28A0092B-C50C-407E-A947-70E740481C1C}">
                 <a14:useLocalDpi xmlns:a14="http://schemas.microsoft.com/office/drawing/2010/main" val="0"/>
@@ -8058,63 +7162,130 @@
         </p:blipFill>
         <p:spPr>
           <a:xfrm>
-            <a:off x="4257858" y="0"/>
-            <a:ext cx="4852275" cy="3641535"/>
+            <a:off x="4696327" y="252372"/>
+            <a:ext cx="6625388" cy="6353255"/>
           </a:xfrm>
           <a:prstGeom prst="rect">
             <a:avLst/>
           </a:prstGeom>
         </p:spPr>
       </p:pic>
-      <p:pic>
-        <p:nvPicPr>
-          <p:cNvPr id="8" name="Imagem 7">
+      <p:sp>
+        <p:nvSpPr>
+          <p:cNvPr id="10" name="Retângulo 9">
             <a:extLst>
               <a:ext uri="{FF2B5EF4-FFF2-40B4-BE49-F238E27FC236}">
-                <a16:creationId xmlns:a16="http://schemas.microsoft.com/office/drawing/2014/main" id="{1E4737B7-0097-4870-AF81-03E8531FC890}"/>
+                <a16:creationId xmlns:a16="http://schemas.microsoft.com/office/drawing/2014/main" id="{A48B53B7-60D8-40F1-A968-DBEEB42C819B}"/>
               </a:ext>
             </a:extLst>
           </p:cNvPr>
-          <p:cNvPicPr>
-            <a:picLocks noChangeAspect="1"/>
-          </p:cNvPicPr>
+          <p:cNvSpPr/>
           <p:nvPr/>
-        </p:nvPicPr>
-        <p:blipFill>
-          <a:blip r:embed="rId4">
-            <a:extLst>
-              <a:ext uri="{28A0092B-C50C-407E-A947-70E740481C1C}">
-                <a14:useLocalDpi xmlns:a14="http://schemas.microsoft.com/office/drawing/2010/main" val="0"/>
-              </a:ext>
-            </a:extLst>
-          </a:blip>
-          <a:stretch>
-            <a:fillRect/>
-          </a:stretch>
-        </p:blipFill>
-        <p:spPr>
-          <a:xfrm>
-            <a:off x="4299315" y="3641535"/>
-            <a:ext cx="5072409" cy="3198816"/>
+        </p:nvSpPr>
+        <p:spPr>
+          <a:xfrm>
+            <a:off x="8866496" y="2067635"/>
+            <a:ext cx="218364" cy="141027"/>
           </a:xfrm>
           <a:prstGeom prst="rect">
             <a:avLst/>
           </a:prstGeom>
-        </p:spPr>
-      </p:pic>
+          <a:solidFill>
+            <a:schemeClr val="bg1"/>
+          </a:solidFill>
+          <a:ln>
+            <a:solidFill>
+              <a:schemeClr val="bg1"/>
+            </a:solidFill>
+          </a:ln>
+        </p:spPr>
+        <p:style>
+          <a:lnRef idx="2">
+            <a:schemeClr val="accent1">
+              <a:shade val="50000"/>
+            </a:schemeClr>
+          </a:lnRef>
+          <a:fillRef idx="1">
+            <a:schemeClr val="accent1"/>
+          </a:fillRef>
+          <a:effectRef idx="0">
+            <a:schemeClr val="accent1"/>
+          </a:effectRef>
+          <a:fontRef idx="minor">
+            <a:schemeClr val="lt1"/>
+          </a:fontRef>
+        </p:style>
+        <p:txBody>
+          <a:bodyPr rtlCol="0" anchor="ctr"/>
+          <a:lstStyle/>
+          <a:p>
+            <a:pPr algn="ctr"/>
+            <a:endParaRPr lang="pt-PT"/>
+          </a:p>
+        </p:txBody>
+      </p:sp>
+      <p:cxnSp>
+        <p:nvCxnSpPr>
+          <p:cNvPr id="7" name="Conexão reta unidirecional 6">
+            <a:extLst>
+              <a:ext uri="{FF2B5EF4-FFF2-40B4-BE49-F238E27FC236}">
+                <a16:creationId xmlns:a16="http://schemas.microsoft.com/office/drawing/2014/main" id="{23FAA8B1-6CD6-4A4F-98FE-42B55C13F874}"/>
+              </a:ext>
+            </a:extLst>
+          </p:cNvPr>
+          <p:cNvCxnSpPr>
+            <a:cxnSpLocks/>
+          </p:cNvCxnSpPr>
+          <p:nvPr/>
+        </p:nvCxnSpPr>
+        <p:spPr>
+          <a:xfrm>
+            <a:off x="7751928" y="2138149"/>
+            <a:ext cx="1378424" cy="0"/>
+          </a:xfrm>
+          <a:prstGeom prst="straightConnector1">
+            <a:avLst/>
+          </a:prstGeom>
+          <a:ln w="28575">
+            <a:solidFill>
+              <a:srgbClr val="FF3300"/>
+            </a:solidFill>
+            <a:tailEnd type="triangle"/>
+          </a:ln>
+          <a:effectLst>
+            <a:glow rad="63500">
+              <a:schemeClr val="accent2">
+                <a:satMod val="175000"/>
+                <a:alpha val="40000"/>
+              </a:schemeClr>
+            </a:glow>
+          </a:effectLst>
+        </p:spPr>
+        <p:style>
+          <a:lnRef idx="1">
+            <a:schemeClr val="accent1"/>
+          </a:lnRef>
+          <a:fillRef idx="0">
+            <a:schemeClr val="accent1"/>
+          </a:fillRef>
+          <a:effectRef idx="0">
+            <a:schemeClr val="accent1"/>
+          </a:effectRef>
+          <a:fontRef idx="minor">
+            <a:schemeClr val="tx1"/>
+          </a:fontRef>
+        </p:style>
+      </p:cxnSp>
     </p:spTree>
     <p:extLst>
       <p:ext uri="{BB962C8B-B14F-4D97-AF65-F5344CB8AC3E}">
-        <p14:creationId xmlns:p14="http://schemas.microsoft.com/office/powerpoint/2010/main" val="2018381725"/>
+        <p14:creationId xmlns:p14="http://schemas.microsoft.com/office/powerpoint/2010/main" val="1476461664"/>
       </p:ext>
     </p:extLst>
   </p:cSld>
   <p:clrMapOvr>
     <a:masterClrMapping/>
   </p:clrMapOvr>
-  <p:transition spd="slow">
-    <p:cover/>
-  </p:transition>
 </p:sld>
 </file>
 
@@ -8140,7 +7311,7 @@
           <p:cNvPr id="2" name="Título 1">
             <a:extLst>
               <a:ext uri="{FF2B5EF4-FFF2-40B4-BE49-F238E27FC236}">
-                <a16:creationId xmlns:a16="http://schemas.microsoft.com/office/drawing/2014/main" id="{D6A7957C-DC5E-4548-8077-D8829D44F171}"/>
+                <a16:creationId xmlns:a16="http://schemas.microsoft.com/office/drawing/2014/main" id="{D7D5C487-DAE2-4B7D-BFE9-AF4871322A8E}"/>
               </a:ext>
             </a:extLst>
           </p:cNvPr>
@@ -8157,24 +7328,85 @@
           <a:lstStyle/>
           <a:p>
             <a:r>
-              <a:rPr lang="pt-PT" dirty="0">
-                <a:solidFill>
-                  <a:schemeClr val="bg1">
-                    <a:lumMod val="50000"/>
-                  </a:schemeClr>
-                </a:solidFill>
-              </a:rPr>
-              <a:t>Ferramentas utilizadas</a:t>
-            </a:r>
+              <a:rPr lang="pt-PT" dirty="0"/>
+              <a:t>Funcionamento do Sistema</a:t>
+            </a:r>
+          </a:p>
+        </p:txBody>
+      </p:sp>
+      <p:sp>
+        <p:nvSpPr>
+          <p:cNvPr id="4" name="Marcador de Posição do Texto 3">
+            <a:extLst>
+              <a:ext uri="{FF2B5EF4-FFF2-40B4-BE49-F238E27FC236}">
+                <a16:creationId xmlns:a16="http://schemas.microsoft.com/office/drawing/2014/main" id="{417E3BDF-5D19-4BAF-AEB7-734DBFCE7AA0}"/>
+              </a:ext>
+            </a:extLst>
+          </p:cNvPr>
+          <p:cNvSpPr>
+            <a:spLocks noGrp="1"/>
+          </p:cNvSpPr>
+          <p:nvPr>
+            <p:ph type="body" sz="half" idx="2"/>
+          </p:nvPr>
+        </p:nvSpPr>
+        <p:spPr>
+          <a:xfrm>
+            <a:off x="457200" y="2858701"/>
+            <a:ext cx="3441032" cy="3746925"/>
+          </a:xfrm>
+        </p:spPr>
+        <p:txBody>
+          <a:bodyPr>
+            <a:normAutofit/>
+          </a:bodyPr>
+          <a:lstStyle/>
+          <a:p>
+            <a:pPr>
+              <a:lnSpc>
+                <a:spcPct val="120000"/>
+              </a:lnSpc>
+            </a:pPr>
+            <a:endParaRPr lang="sv-SE" sz="5200" dirty="0"/>
+          </a:p>
+        </p:txBody>
+      </p:sp>
+      <p:sp>
+        <p:nvSpPr>
+          <p:cNvPr id="20" name="Marcador de Posição de Conteúdo 19">
+            <a:extLst>
+              <a:ext uri="{FF2B5EF4-FFF2-40B4-BE49-F238E27FC236}">
+                <a16:creationId xmlns:a16="http://schemas.microsoft.com/office/drawing/2014/main" id="{E6D76E72-3E5E-4298-ADA6-0607B4B80320}"/>
+              </a:ext>
+            </a:extLst>
+          </p:cNvPr>
+          <p:cNvSpPr>
+            <a:spLocks noGrp="1"/>
+          </p:cNvSpPr>
+          <p:nvPr>
+            <p:ph idx="1"/>
+          </p:nvPr>
+        </p:nvSpPr>
+        <p:spPr>
+          <a:xfrm>
+            <a:off x="4800600" y="1911352"/>
+            <a:ext cx="6492240" cy="4077967"/>
+          </a:xfrm>
+        </p:spPr>
+        <p:txBody>
+          <a:bodyPr/>
+          <a:lstStyle/>
+          <a:p>
+            <a:endParaRPr lang="pt-PT" dirty="0"/>
           </a:p>
         </p:txBody>
       </p:sp>
       <p:pic>
         <p:nvPicPr>
-          <p:cNvPr id="5" name="Imagem 4">
+          <p:cNvPr id="22" name="Marcador de Posição de Conteúdo 9" descr="Uma imagem com captura de ecrã&#10;&#10;Descrição gerada automaticamente">
             <a:extLst>
               <a:ext uri="{FF2B5EF4-FFF2-40B4-BE49-F238E27FC236}">
-                <a16:creationId xmlns:a16="http://schemas.microsoft.com/office/drawing/2014/main" id="{314C4566-E3D5-4C54-8686-5B9ECE2D9E35}"/>
+                <a16:creationId xmlns:a16="http://schemas.microsoft.com/office/drawing/2014/main" id="{50375737-C7DA-43B7-A2F5-C20ED74572B3}"/>
               </a:ext>
             </a:extLst>
           </p:cNvPr>
@@ -8184,7 +7416,7 @@
           <p:nvPr/>
         </p:nvPicPr>
         <p:blipFill>
-          <a:blip r:embed="rId3">
+          <a:blip r:embed="rId2">
             <a:extLst>
               <a:ext uri="{28A0092B-C50C-407E-A947-70E740481C1C}">
                 <a14:useLocalDpi xmlns:a14="http://schemas.microsoft.com/office/drawing/2010/main" val="0"/>
@@ -8197,135 +7429,130 @@
         </p:blipFill>
         <p:spPr>
           <a:xfrm>
-            <a:off x="6781586" y="4431467"/>
-            <a:ext cx="4162425" cy="1095375"/>
+            <a:off x="4696327" y="252372"/>
+            <a:ext cx="6625388" cy="6353255"/>
           </a:xfrm>
           <a:prstGeom prst="rect">
             <a:avLst/>
           </a:prstGeom>
         </p:spPr>
       </p:pic>
-      <p:pic>
-        <p:nvPicPr>
-          <p:cNvPr id="7" name="Imagem 6">
+      <p:sp>
+        <p:nvSpPr>
+          <p:cNvPr id="17" name="Retângulo 16">
             <a:extLst>
               <a:ext uri="{FF2B5EF4-FFF2-40B4-BE49-F238E27FC236}">
-                <a16:creationId xmlns:a16="http://schemas.microsoft.com/office/drawing/2014/main" id="{896B0D0B-613F-40CF-9E5B-ED2D0E0E299E}"/>
+                <a16:creationId xmlns:a16="http://schemas.microsoft.com/office/drawing/2014/main" id="{33E9C5B0-2D92-4B6A-9A94-54E23E51FA04}"/>
               </a:ext>
             </a:extLst>
           </p:cNvPr>
-          <p:cNvPicPr>
-            <a:picLocks noChangeAspect="1"/>
-          </p:cNvPicPr>
+          <p:cNvSpPr/>
           <p:nvPr/>
-        </p:nvPicPr>
-        <p:blipFill>
-          <a:blip r:embed="rId4">
-            <a:extLst>
-              <a:ext uri="{28A0092B-C50C-407E-A947-70E740481C1C}">
-                <a14:useLocalDpi xmlns:a14="http://schemas.microsoft.com/office/drawing/2010/main" val="0"/>
-              </a:ext>
-            </a:extLst>
-          </a:blip>
-          <a:stretch>
-            <a:fillRect/>
-          </a:stretch>
-        </p:blipFill>
-        <p:spPr>
-          <a:xfrm>
-            <a:off x="6857359" y="1827256"/>
-            <a:ext cx="3664800" cy="1752730"/>
+        </p:nvSpPr>
+        <p:spPr>
+          <a:xfrm>
+            <a:off x="7772400" y="2233613"/>
+            <a:ext cx="166688" cy="138112"/>
           </a:xfrm>
           <a:prstGeom prst="rect">
             <a:avLst/>
           </a:prstGeom>
-        </p:spPr>
-      </p:pic>
-      <p:pic>
-        <p:nvPicPr>
-          <p:cNvPr id="9" name="Imagem 8">
+          <a:solidFill>
+            <a:schemeClr val="bg1"/>
+          </a:solidFill>
+          <a:ln>
+            <a:solidFill>
+              <a:schemeClr val="bg1"/>
+            </a:solidFill>
+          </a:ln>
+        </p:spPr>
+        <p:style>
+          <a:lnRef idx="2">
+            <a:schemeClr val="accent1">
+              <a:shade val="50000"/>
+            </a:schemeClr>
+          </a:lnRef>
+          <a:fillRef idx="1">
+            <a:schemeClr val="accent1"/>
+          </a:fillRef>
+          <a:effectRef idx="0">
+            <a:schemeClr val="accent1"/>
+          </a:effectRef>
+          <a:fontRef idx="minor">
+            <a:schemeClr val="lt1"/>
+          </a:fontRef>
+        </p:style>
+        <p:txBody>
+          <a:bodyPr rtlCol="0" anchor="ctr"/>
+          <a:lstStyle/>
+          <a:p>
+            <a:pPr algn="ctr"/>
+            <a:endParaRPr lang="pt-PT"/>
+          </a:p>
+        </p:txBody>
+      </p:sp>
+      <p:cxnSp>
+        <p:nvCxnSpPr>
+          <p:cNvPr id="19" name="Conexão reta unidirecional 18">
             <a:extLst>
               <a:ext uri="{FF2B5EF4-FFF2-40B4-BE49-F238E27FC236}">
-                <a16:creationId xmlns:a16="http://schemas.microsoft.com/office/drawing/2014/main" id="{36CC0437-23EE-4BD1-ADC3-A33696204AFF}"/>
+                <a16:creationId xmlns:a16="http://schemas.microsoft.com/office/drawing/2014/main" id="{B1A1F4BA-9D68-4455-93BE-D4DBE505ACE6}"/>
               </a:ext>
             </a:extLst>
           </p:cNvPr>
-          <p:cNvPicPr>
-            <a:picLocks noChangeAspect="1"/>
-          </p:cNvPicPr>
+          <p:cNvCxnSpPr>
+            <a:cxnSpLocks/>
+          </p:cNvCxnSpPr>
           <p:nvPr/>
-        </p:nvPicPr>
-        <p:blipFill>
-          <a:blip r:embed="rId5" cstate="hqprint">
-            <a:extLst>
-              <a:ext uri="{28A0092B-C50C-407E-A947-70E740481C1C}">
-                <a14:useLocalDpi xmlns:a14="http://schemas.microsoft.com/office/drawing/2010/main" val="0"/>
-              </a:ext>
-            </a:extLst>
-          </a:blip>
-          <a:stretch>
-            <a:fillRect/>
-          </a:stretch>
-        </p:blipFill>
-        <p:spPr>
-          <a:xfrm>
-            <a:off x="1038300" y="2022537"/>
-            <a:ext cx="4296342" cy="1450757"/>
-          </a:xfrm>
-          <a:prstGeom prst="rect">
+        </p:nvCxnSpPr>
+        <p:spPr>
+          <a:xfrm flipH="1">
+            <a:off x="7735195" y="2301431"/>
+            <a:ext cx="1376362" cy="0"/>
+          </a:xfrm>
+          <a:prstGeom prst="straightConnector1">
             <a:avLst/>
           </a:prstGeom>
-        </p:spPr>
-      </p:pic>
-      <p:pic>
-        <p:nvPicPr>
-          <p:cNvPr id="11" name="Imagem 10">
-            <a:extLst>
-              <a:ext uri="{FF2B5EF4-FFF2-40B4-BE49-F238E27FC236}">
-                <a16:creationId xmlns:a16="http://schemas.microsoft.com/office/drawing/2014/main" id="{56C23E1A-3E18-429C-9802-D27661FD0B1C}"/>
-              </a:ext>
-            </a:extLst>
-          </p:cNvPr>
-          <p:cNvPicPr>
-            <a:picLocks noChangeAspect="1"/>
-          </p:cNvPicPr>
-          <p:nvPr/>
-        </p:nvPicPr>
-        <p:blipFill>
-          <a:blip r:embed="rId6">
-            <a:extLst>
-              <a:ext uri="{28A0092B-C50C-407E-A947-70E740481C1C}">
-                <a14:useLocalDpi xmlns:a14="http://schemas.microsoft.com/office/drawing/2010/main" val="0"/>
-              </a:ext>
-            </a:extLst>
-          </a:blip>
-          <a:stretch>
-            <a:fillRect/>
-          </a:stretch>
-        </p:blipFill>
-        <p:spPr>
-          <a:xfrm>
-            <a:off x="1301122" y="3579986"/>
-            <a:ext cx="4033520" cy="2016760"/>
-          </a:xfrm>
-          <a:prstGeom prst="rect">
-            <a:avLst/>
-          </a:prstGeom>
-        </p:spPr>
-      </p:pic>
+          <a:ln w="28575">
+            <a:solidFill>
+              <a:srgbClr val="FF3300"/>
+            </a:solidFill>
+            <a:tailEnd type="triangle"/>
+          </a:ln>
+          <a:effectLst>
+            <a:glow rad="63500">
+              <a:schemeClr val="accent2">
+                <a:satMod val="175000"/>
+                <a:alpha val="40000"/>
+              </a:schemeClr>
+            </a:glow>
+          </a:effectLst>
+        </p:spPr>
+        <p:style>
+          <a:lnRef idx="1">
+            <a:schemeClr val="accent1"/>
+          </a:lnRef>
+          <a:fillRef idx="0">
+            <a:schemeClr val="accent1"/>
+          </a:fillRef>
+          <a:effectRef idx="0">
+            <a:schemeClr val="accent1"/>
+          </a:effectRef>
+          <a:fontRef idx="minor">
+            <a:schemeClr val="tx1"/>
+          </a:fontRef>
+        </p:style>
+      </p:cxnSp>
     </p:spTree>
     <p:extLst>
       <p:ext uri="{BB962C8B-B14F-4D97-AF65-F5344CB8AC3E}">
-        <p14:creationId xmlns:p14="http://schemas.microsoft.com/office/powerpoint/2010/main" val="1279032532"/>
+        <p14:creationId xmlns:p14="http://schemas.microsoft.com/office/powerpoint/2010/main" val="3176708937"/>
       </p:ext>
     </p:extLst>
   </p:cSld>
   <p:clrMapOvr>
     <a:masterClrMapping/>
   </p:clrMapOvr>
-  <p:transition spd="slow">
-    <p:cover/>
-  </p:transition>
 </p:sld>
 </file>
 

--- a/Report/presentation_2_Diana.pptx
+++ b/Report/presentation_2_Diana.pptx
@@ -5,21 +5,20 @@
     <p:sldMasterId id="2147483672" r:id="rId1"/>
   </p:sldMasterIdLst>
   <p:notesMasterIdLst>
-    <p:notesMasterId r:id="rId14"/>
+    <p:notesMasterId r:id="rId13"/>
   </p:notesMasterIdLst>
   <p:sldIdLst>
     <p:sldId id="256" r:id="rId2"/>
     <p:sldId id="257" r:id="rId3"/>
     <p:sldId id="269" r:id="rId4"/>
-    <p:sldId id="272" r:id="rId5"/>
-    <p:sldId id="271" r:id="rId6"/>
-    <p:sldId id="273" r:id="rId7"/>
-    <p:sldId id="274" r:id="rId8"/>
-    <p:sldId id="276" r:id="rId9"/>
-    <p:sldId id="277" r:id="rId10"/>
-    <p:sldId id="278" r:id="rId11"/>
-    <p:sldId id="275" r:id="rId12"/>
-    <p:sldId id="268" r:id="rId13"/>
+    <p:sldId id="271" r:id="rId5"/>
+    <p:sldId id="273" r:id="rId6"/>
+    <p:sldId id="274" r:id="rId7"/>
+    <p:sldId id="276" r:id="rId8"/>
+    <p:sldId id="277" r:id="rId9"/>
+    <p:sldId id="278" r:id="rId10"/>
+    <p:sldId id="275" r:id="rId11"/>
+    <p:sldId id="268" r:id="rId12"/>
   </p:sldIdLst>
   <p:sldSz cx="12192000" cy="6858000"/>
   <p:notesSz cx="6858000" cy="9144000"/>
@@ -208,7 +207,7 @@
           <a:p>
             <a:fld id="{FDDF5FE0-F804-4E91-803A-7CECEE48BB95}" type="datetimeFigureOut">
               <a:rPr lang="pt-PT" smtClean="0"/>
-              <a:t>24/05/2019</a:t>
+              <a:t>25/05/2019</a:t>
             </a:fld>
             <a:endParaRPr lang="pt-PT"/>
           </a:p>
@@ -809,7 +808,7 @@
           <a:p>
             <a:fld id="{F9C76EEC-3DB8-4814-A8C5-185DA6C5A9E9}" type="slidenum">
               <a:rPr lang="pt-PT" smtClean="0"/>
-              <a:t>11</a:t>
+              <a:t>10</a:t>
             </a:fld>
             <a:endParaRPr lang="pt-PT"/>
           </a:p>
@@ -893,7 +892,7 @@
           <a:p>
             <a:fld id="{F9C76EEC-3DB8-4814-A8C5-185DA6C5A9E9}" type="slidenum">
               <a:rPr lang="pt-PT" smtClean="0"/>
-              <a:t>12</a:t>
+              <a:t>11</a:t>
             </a:fld>
             <a:endParaRPr lang="pt-PT"/>
           </a:p>
@@ -1138,7 +1137,7 @@
           <a:p>
             <a:fld id="{D3D2C362-FAA5-4C55-BE02-652F59C753E4}" type="datetimeFigureOut">
               <a:rPr lang="pt-PT" smtClean="0"/>
-              <a:t>24/05/2019</a:t>
+              <a:t>25/05/2019</a:t>
             </a:fld>
             <a:endParaRPr lang="pt-PT"/>
           </a:p>
@@ -1346,7 +1345,7 @@
           <a:p>
             <a:fld id="{D3D2C362-FAA5-4C55-BE02-652F59C753E4}" type="datetimeFigureOut">
               <a:rPr lang="pt-PT" smtClean="0"/>
-              <a:t>24/05/2019</a:t>
+              <a:t>25/05/2019</a:t>
             </a:fld>
             <a:endParaRPr lang="pt-PT"/>
           </a:p>
@@ -1602,7 +1601,7 @@
           <a:p>
             <a:fld id="{D3D2C362-FAA5-4C55-BE02-652F59C753E4}" type="datetimeFigureOut">
               <a:rPr lang="pt-PT" smtClean="0"/>
-              <a:t>24/05/2019</a:t>
+              <a:t>25/05/2019</a:t>
             </a:fld>
             <a:endParaRPr lang="pt-PT"/>
           </a:p>
@@ -1776,7 +1775,7 @@
           <a:p>
             <a:fld id="{D3D2C362-FAA5-4C55-BE02-652F59C753E4}" type="datetimeFigureOut">
               <a:rPr lang="pt-PT" smtClean="0"/>
-              <a:t>24/05/2019</a:t>
+              <a:t>25/05/2019</a:t>
             </a:fld>
             <a:endParaRPr lang="pt-PT"/>
           </a:p>
@@ -2119,7 +2118,7 @@
           <a:p>
             <a:fld id="{D3D2C362-FAA5-4C55-BE02-652F59C753E4}" type="datetimeFigureOut">
               <a:rPr lang="pt-PT" smtClean="0"/>
-              <a:t>24/05/2019</a:t>
+              <a:t>25/05/2019</a:t>
             </a:fld>
             <a:endParaRPr lang="pt-PT"/>
           </a:p>
@@ -2394,7 +2393,7 @@
           <a:p>
             <a:fld id="{D3D2C362-FAA5-4C55-BE02-652F59C753E4}" type="datetimeFigureOut">
               <a:rPr lang="pt-PT" smtClean="0"/>
-              <a:t>24/05/2019</a:t>
+              <a:t>25/05/2019</a:t>
             </a:fld>
             <a:endParaRPr lang="pt-PT"/>
           </a:p>
@@ -2773,7 +2772,7 @@
           <a:p>
             <a:fld id="{D3D2C362-FAA5-4C55-BE02-652F59C753E4}" type="datetimeFigureOut">
               <a:rPr lang="pt-PT" smtClean="0"/>
-              <a:t>24/05/2019</a:t>
+              <a:t>25/05/2019</a:t>
             </a:fld>
             <a:endParaRPr lang="pt-PT"/>
           </a:p>
@@ -2891,7 +2890,7 @@
           <a:p>
             <a:fld id="{D3D2C362-FAA5-4C55-BE02-652F59C753E4}" type="datetimeFigureOut">
               <a:rPr lang="pt-PT" smtClean="0"/>
-              <a:t>24/05/2019</a:t>
+              <a:t>25/05/2019</a:t>
             </a:fld>
             <a:endParaRPr lang="pt-PT"/>
           </a:p>
@@ -3062,7 +3061,7 @@
           <a:p>
             <a:fld id="{D3D2C362-FAA5-4C55-BE02-652F59C753E4}" type="datetimeFigureOut">
               <a:rPr lang="pt-PT" smtClean="0"/>
-              <a:t>24/05/2019</a:t>
+              <a:t>25/05/2019</a:t>
             </a:fld>
             <a:endParaRPr lang="pt-PT"/>
           </a:p>
@@ -3416,7 +3415,7 @@
           <a:p>
             <a:fld id="{D3D2C362-FAA5-4C55-BE02-652F59C753E4}" type="datetimeFigureOut">
               <a:rPr lang="pt-PT" smtClean="0"/>
-              <a:t>24/05/2019</a:t>
+              <a:t>25/05/2019</a:t>
             </a:fld>
             <a:endParaRPr lang="pt-PT"/>
           </a:p>
@@ -3798,7 +3797,7 @@
           <a:p>
             <a:fld id="{D3D2C362-FAA5-4C55-BE02-652F59C753E4}" type="datetimeFigureOut">
               <a:rPr lang="pt-PT" smtClean="0"/>
-              <a:t>24/05/2019</a:t>
+              <a:t>25/05/2019</a:t>
             </a:fld>
             <a:endParaRPr lang="pt-PT"/>
           </a:p>
@@ -4085,7 +4084,7 @@
           <a:p>
             <a:fld id="{D3D2C362-FAA5-4C55-BE02-652F59C753E4}" type="datetimeFigureOut">
               <a:rPr lang="pt-PT" smtClean="0"/>
-              <a:t>24/05/2019</a:t>
+              <a:t>25/05/2019</a:t>
             </a:fld>
             <a:endParaRPr lang="pt-PT"/>
           </a:p>
@@ -4962,275 +4961,6 @@
           </a:bodyPr>
           <a:lstStyle/>
           <a:p>
-            <a:pPr>
-              <a:lnSpc>
-                <a:spcPct val="120000"/>
-              </a:lnSpc>
-            </a:pPr>
-            <a:endParaRPr lang="sv-SE" sz="5200" dirty="0"/>
-          </a:p>
-        </p:txBody>
-      </p:sp>
-      <p:sp>
-        <p:nvSpPr>
-          <p:cNvPr id="20" name="Marcador de Posição de Conteúdo 19">
-            <a:extLst>
-              <a:ext uri="{FF2B5EF4-FFF2-40B4-BE49-F238E27FC236}">
-                <a16:creationId xmlns:a16="http://schemas.microsoft.com/office/drawing/2014/main" id="{E6D76E72-3E5E-4298-ADA6-0607B4B80320}"/>
-              </a:ext>
-            </a:extLst>
-          </p:cNvPr>
-          <p:cNvSpPr>
-            <a:spLocks noGrp="1"/>
-          </p:cNvSpPr>
-          <p:nvPr>
-            <p:ph idx="1"/>
-          </p:nvPr>
-        </p:nvSpPr>
-        <p:spPr>
-          <a:xfrm>
-            <a:off x="4800600" y="1911352"/>
-            <a:ext cx="6492240" cy="4077967"/>
-          </a:xfrm>
-        </p:spPr>
-        <p:txBody>
-          <a:bodyPr/>
-          <a:lstStyle/>
-          <a:p>
-            <a:endParaRPr lang="pt-PT" dirty="0"/>
-          </a:p>
-        </p:txBody>
-      </p:sp>
-      <p:pic>
-        <p:nvPicPr>
-          <p:cNvPr id="22" name="Marcador de Posição de Conteúdo 9" descr="Uma imagem com captura de ecrã&#10;&#10;Descrição gerada automaticamente">
-            <a:extLst>
-              <a:ext uri="{FF2B5EF4-FFF2-40B4-BE49-F238E27FC236}">
-                <a16:creationId xmlns:a16="http://schemas.microsoft.com/office/drawing/2014/main" id="{50375737-C7DA-43B7-A2F5-C20ED74572B3}"/>
-              </a:ext>
-            </a:extLst>
-          </p:cNvPr>
-          <p:cNvPicPr>
-            <a:picLocks noChangeAspect="1"/>
-          </p:cNvPicPr>
-          <p:nvPr/>
-        </p:nvPicPr>
-        <p:blipFill>
-          <a:blip r:embed="rId2">
-            <a:extLst>
-              <a:ext uri="{28A0092B-C50C-407E-A947-70E740481C1C}">
-                <a14:useLocalDpi xmlns:a14="http://schemas.microsoft.com/office/drawing/2010/main" val="0"/>
-              </a:ext>
-            </a:extLst>
-          </a:blip>
-          <a:stretch>
-            <a:fillRect/>
-          </a:stretch>
-        </p:blipFill>
-        <p:spPr>
-          <a:xfrm>
-            <a:off x="4696327" y="252372"/>
-            <a:ext cx="6625388" cy="6353255"/>
-          </a:xfrm>
-          <a:prstGeom prst="rect">
-            <a:avLst/>
-          </a:prstGeom>
-        </p:spPr>
-      </p:pic>
-      <p:sp>
-        <p:nvSpPr>
-          <p:cNvPr id="9" name="Retângulo 8">
-            <a:extLst>
-              <a:ext uri="{FF2B5EF4-FFF2-40B4-BE49-F238E27FC236}">
-                <a16:creationId xmlns:a16="http://schemas.microsoft.com/office/drawing/2014/main" id="{0328868E-BE98-426E-ACAC-2E1D7B160452}"/>
-              </a:ext>
-            </a:extLst>
-          </p:cNvPr>
-          <p:cNvSpPr/>
-          <p:nvPr/>
-        </p:nvSpPr>
-        <p:spPr>
-          <a:xfrm>
-            <a:off x="7915450" y="914400"/>
-            <a:ext cx="218783" cy="157075"/>
-          </a:xfrm>
-          <a:prstGeom prst="rect">
-            <a:avLst/>
-          </a:prstGeom>
-          <a:solidFill>
-            <a:schemeClr val="bg1"/>
-          </a:solidFill>
-          <a:ln>
-            <a:solidFill>
-              <a:schemeClr val="bg1"/>
-            </a:solidFill>
-          </a:ln>
-        </p:spPr>
-        <p:style>
-          <a:lnRef idx="2">
-            <a:schemeClr val="accent1">
-              <a:shade val="50000"/>
-            </a:schemeClr>
-          </a:lnRef>
-          <a:fillRef idx="1">
-            <a:schemeClr val="accent1"/>
-          </a:fillRef>
-          <a:effectRef idx="0">
-            <a:schemeClr val="accent1"/>
-          </a:effectRef>
-          <a:fontRef idx="minor">
-            <a:schemeClr val="lt1"/>
-          </a:fontRef>
-        </p:style>
-        <p:txBody>
-          <a:bodyPr rtlCol="0" anchor="ctr"/>
-          <a:lstStyle/>
-          <a:p>
-            <a:pPr algn="ctr"/>
-            <a:endParaRPr lang="pt-PT"/>
-          </a:p>
-        </p:txBody>
-      </p:sp>
-      <p:cxnSp>
-        <p:nvCxnSpPr>
-          <p:cNvPr id="8" name="Conexão: Ângulo Reto 7">
-            <a:extLst>
-              <a:ext uri="{FF2B5EF4-FFF2-40B4-BE49-F238E27FC236}">
-                <a16:creationId xmlns:a16="http://schemas.microsoft.com/office/drawing/2014/main" id="{C02C7A4A-4398-43CF-9D60-0174ED2493C3}"/>
-              </a:ext>
-            </a:extLst>
-          </p:cNvPr>
-          <p:cNvCxnSpPr>
-            <a:cxnSpLocks/>
-          </p:cNvCxnSpPr>
-          <p:nvPr/>
-        </p:nvCxnSpPr>
-        <p:spPr>
-          <a:xfrm rot="5400000" flipH="1" flipV="1">
-            <a:off x="7207496" y="1105415"/>
-            <a:ext cx="1042670" cy="569205"/>
-          </a:xfrm>
-          <a:prstGeom prst="bentConnector3">
-            <a:avLst>
-              <a:gd name="adj1" fmla="val 33321"/>
-            </a:avLst>
-          </a:prstGeom>
-          <a:ln w="28575">
-            <a:solidFill>
-              <a:srgbClr val="FF3300"/>
-            </a:solidFill>
-            <a:tailEnd type="triangle"/>
-          </a:ln>
-          <a:effectLst>
-            <a:glow rad="63500">
-              <a:schemeClr val="accent2">
-                <a:satMod val="175000"/>
-                <a:alpha val="40000"/>
-              </a:schemeClr>
-            </a:glow>
-          </a:effectLst>
-        </p:spPr>
-        <p:style>
-          <a:lnRef idx="1">
-            <a:schemeClr val="accent1"/>
-          </a:lnRef>
-          <a:fillRef idx="0">
-            <a:schemeClr val="accent1"/>
-          </a:fillRef>
-          <a:effectRef idx="0">
-            <a:schemeClr val="accent1"/>
-          </a:effectRef>
-          <a:fontRef idx="minor">
-            <a:schemeClr val="tx1"/>
-          </a:fontRef>
-        </p:style>
-      </p:cxnSp>
-    </p:spTree>
-    <p:extLst>
-      <p:ext uri="{BB962C8B-B14F-4D97-AF65-F5344CB8AC3E}">
-        <p14:creationId xmlns:p14="http://schemas.microsoft.com/office/powerpoint/2010/main" val="907343855"/>
-      </p:ext>
-    </p:extLst>
-  </p:cSld>
-  <p:clrMapOvr>
-    <a:masterClrMapping/>
-  </p:clrMapOvr>
-</p:sld>
-</file>
-
-<file path=ppt/slides/slide11.xml><?xml version="1.0" encoding="utf-8"?>
-<p:sld xmlns:a="http://schemas.openxmlformats.org/drawingml/2006/main" xmlns:r="http://schemas.openxmlformats.org/officeDocument/2006/relationships" xmlns:p="http://schemas.openxmlformats.org/presentationml/2006/main">
-  <p:cSld>
-    <p:spTree>
-      <p:nvGrpSpPr>
-        <p:cNvPr id="1" name=""/>
-        <p:cNvGrpSpPr/>
-        <p:nvPr/>
-      </p:nvGrpSpPr>
-      <p:grpSpPr>
-        <a:xfrm>
-          <a:off x="0" y="0"/>
-          <a:ext cx="0" cy="0"/>
-          <a:chOff x="0" y="0"/>
-          <a:chExt cx="0" cy="0"/>
-        </a:xfrm>
-      </p:grpSpPr>
-      <p:sp>
-        <p:nvSpPr>
-          <p:cNvPr id="2" name="Título 1">
-            <a:extLst>
-              <a:ext uri="{FF2B5EF4-FFF2-40B4-BE49-F238E27FC236}">
-                <a16:creationId xmlns:a16="http://schemas.microsoft.com/office/drawing/2014/main" id="{D7D5C487-DAE2-4B7D-BFE9-AF4871322A8E}"/>
-              </a:ext>
-            </a:extLst>
-          </p:cNvPr>
-          <p:cNvSpPr>
-            <a:spLocks noGrp="1"/>
-          </p:cNvSpPr>
-          <p:nvPr>
-            <p:ph type="title"/>
-          </p:nvPr>
-        </p:nvSpPr>
-        <p:spPr/>
-        <p:txBody>
-          <a:bodyPr/>
-          <a:lstStyle/>
-          <a:p>
-            <a:r>
-              <a:rPr lang="pt-PT" dirty="0"/>
-              <a:t>Funcionamento do Sistema</a:t>
-            </a:r>
-          </a:p>
-        </p:txBody>
-      </p:sp>
-      <p:sp>
-        <p:nvSpPr>
-          <p:cNvPr id="4" name="Marcador de Posição do Texto 3">
-            <a:extLst>
-              <a:ext uri="{FF2B5EF4-FFF2-40B4-BE49-F238E27FC236}">
-                <a16:creationId xmlns:a16="http://schemas.microsoft.com/office/drawing/2014/main" id="{417E3BDF-5D19-4BAF-AEB7-734DBFCE7AA0}"/>
-              </a:ext>
-            </a:extLst>
-          </p:cNvPr>
-          <p:cNvSpPr>
-            <a:spLocks noGrp="1"/>
-          </p:cNvSpPr>
-          <p:nvPr>
-            <p:ph type="body" sz="half" idx="2"/>
-          </p:nvPr>
-        </p:nvSpPr>
-        <p:spPr>
-          <a:xfrm>
-            <a:off x="457200" y="2858701"/>
-            <a:ext cx="3441032" cy="3746925"/>
-          </a:xfrm>
-        </p:spPr>
-        <p:txBody>
-          <a:bodyPr>
-            <a:normAutofit/>
-          </a:bodyPr>
-          <a:lstStyle/>
-          <a:p>
             <a:r>
               <a:rPr lang="pt-PT" sz="1600" dirty="0"/>
               <a:t>Leonardo: Então, foste de férias? Vamos lá praticar!😀</a:t>
@@ -5317,7 +5047,7 @@
 </p:sld>
 </file>
 
-<file path=ppt/slides/slide12.xml><?xml version="1.0" encoding="utf-8"?>
+<file path=ppt/slides/slide11.xml><?xml version="1.0" encoding="utf-8"?>
 <p:sld xmlns:a="http://schemas.openxmlformats.org/drawingml/2006/main" xmlns:r="http://schemas.openxmlformats.org/officeDocument/2006/relationships" xmlns:p="http://schemas.openxmlformats.org/presentationml/2006/main">
   <p:cSld>
     <p:spTree>
@@ -5926,264 +5656,6 @@
           <p:cNvPr id="2" name="Título 1">
             <a:extLst>
               <a:ext uri="{FF2B5EF4-FFF2-40B4-BE49-F238E27FC236}">
-                <a16:creationId xmlns:a16="http://schemas.microsoft.com/office/drawing/2014/main" id="{40D71B53-1F1F-4403-B5FE-3674B7071BDC}"/>
-              </a:ext>
-            </a:extLst>
-          </p:cNvPr>
-          <p:cNvSpPr>
-            <a:spLocks noGrp="1"/>
-          </p:cNvSpPr>
-          <p:nvPr>
-            <p:ph type="title"/>
-          </p:nvPr>
-        </p:nvSpPr>
-        <p:spPr/>
-        <p:txBody>
-          <a:bodyPr/>
-          <a:lstStyle/>
-          <a:p>
-            <a:r>
-              <a:rPr lang="pt-PT" dirty="0"/>
-              <a:t>Funcionamento do Sistema</a:t>
-            </a:r>
-          </a:p>
-        </p:txBody>
-      </p:sp>
-      <p:pic>
-        <p:nvPicPr>
-          <p:cNvPr id="6" name="Marcador de Posição de Conteúdo 5">
-            <a:extLst>
-              <a:ext uri="{FF2B5EF4-FFF2-40B4-BE49-F238E27FC236}">
-                <a16:creationId xmlns:a16="http://schemas.microsoft.com/office/drawing/2014/main" id="{3BBD17AD-75BF-44D0-AB26-1F4E27D0F5A9}"/>
-              </a:ext>
-            </a:extLst>
-          </p:cNvPr>
-          <p:cNvPicPr>
-            <a:picLocks noGrp="1" noChangeAspect="1"/>
-          </p:cNvPicPr>
-          <p:nvPr>
-            <p:ph idx="1"/>
-          </p:nvPr>
-        </p:nvPicPr>
-        <p:blipFill>
-          <a:blip r:embed="rId2">
-            <a:extLst>
-              <a:ext uri="{28A0092B-C50C-407E-A947-70E740481C1C}">
-                <a14:useLocalDpi xmlns:a14="http://schemas.microsoft.com/office/drawing/2010/main" val="0"/>
-              </a:ext>
-            </a:extLst>
-          </a:blip>
-          <a:stretch>
-            <a:fillRect/>
-          </a:stretch>
-        </p:blipFill>
-        <p:spPr>
-          <a:xfrm>
-            <a:off x="5227320" y="243602"/>
-            <a:ext cx="5547360" cy="6370796"/>
-          </a:xfrm>
-        </p:spPr>
-      </p:pic>
-      <p:sp>
-        <p:nvSpPr>
-          <p:cNvPr id="4" name="Marcador de Posição do Texto 3">
-            <a:extLst>
-              <a:ext uri="{FF2B5EF4-FFF2-40B4-BE49-F238E27FC236}">
-                <a16:creationId xmlns:a16="http://schemas.microsoft.com/office/drawing/2014/main" id="{CA5A9C57-498A-4BB8-BCF7-784643315D2E}"/>
-              </a:ext>
-            </a:extLst>
-          </p:cNvPr>
-          <p:cNvSpPr>
-            <a:spLocks noGrp="1"/>
-          </p:cNvSpPr>
-          <p:nvPr>
-            <p:ph type="body" sz="half" idx="2"/>
-          </p:nvPr>
-        </p:nvSpPr>
-        <p:spPr/>
-        <p:txBody>
-          <a:bodyPr/>
-          <a:lstStyle/>
-          <a:p>
-            <a:endParaRPr lang="pt-PT" dirty="0"/>
-          </a:p>
-        </p:txBody>
-      </p:sp>
-      <p:sp>
-        <p:nvSpPr>
-          <p:cNvPr id="17" name="Seta: Para a Esquerda e Para Cima 16">
-            <a:extLst>
-              <a:ext uri="{FF2B5EF4-FFF2-40B4-BE49-F238E27FC236}">
-                <a16:creationId xmlns:a16="http://schemas.microsoft.com/office/drawing/2014/main" id="{AA329F90-95E6-435C-9118-15AB0CA62966}"/>
-              </a:ext>
-            </a:extLst>
-          </p:cNvPr>
-          <p:cNvSpPr/>
-          <p:nvPr/>
-        </p:nvSpPr>
-        <p:spPr>
-          <a:xfrm rot="10800000">
-            <a:off x="6712131" y="759821"/>
-            <a:ext cx="1288869" cy="1695996"/>
-          </a:xfrm>
-          <a:prstGeom prst="leftUpArrow">
-            <a:avLst>
-              <a:gd name="adj1" fmla="val 7296"/>
-              <a:gd name="adj2" fmla="val 9509"/>
-              <a:gd name="adj3" fmla="val 13935"/>
-            </a:avLst>
-          </a:prstGeom>
-          <a:solidFill>
-            <a:srgbClr val="FF3300"/>
-          </a:solidFill>
-        </p:spPr>
-        <p:style>
-          <a:lnRef idx="3">
-            <a:schemeClr val="lt1"/>
-          </a:lnRef>
-          <a:fillRef idx="1">
-            <a:schemeClr val="accent1"/>
-          </a:fillRef>
-          <a:effectRef idx="1">
-            <a:schemeClr val="accent1"/>
-          </a:effectRef>
-          <a:fontRef idx="minor">
-            <a:schemeClr val="lt1"/>
-          </a:fontRef>
-        </p:style>
-        <p:txBody>
-          <a:bodyPr rtlCol="0" anchor="ctr"/>
-          <a:lstStyle/>
-          <a:p>
-            <a:pPr algn="ctr"/>
-            <a:endParaRPr lang="pt-PT"/>
-          </a:p>
-        </p:txBody>
-      </p:sp>
-    </p:spTree>
-    <p:extLst>
-      <p:ext uri="{BB962C8B-B14F-4D97-AF65-F5344CB8AC3E}">
-        <p14:creationId xmlns:p14="http://schemas.microsoft.com/office/powerpoint/2010/main" val="1276444743"/>
-      </p:ext>
-    </p:extLst>
-  </p:cSld>
-  <p:clrMapOvr>
-    <a:masterClrMapping/>
-  </p:clrMapOvr>
-  <p:transition spd="slow">
-    <p:cover/>
-  </p:transition>
-  <p:timing>
-    <p:tnLst>
-      <p:par>
-        <p:cTn id="1" dur="indefinite" restart="never" nodeType="tmRoot">
-          <p:childTnLst>
-            <p:seq concurrent="1" nextAc="seek">
-              <p:cTn id="2" dur="indefinite" nodeType="mainSeq">
-                <p:childTnLst>
-                  <p:par>
-                    <p:cTn id="3" fill="hold">
-                      <p:stCondLst>
-                        <p:cond delay="indefinite"/>
-                      </p:stCondLst>
-                      <p:childTnLst>
-                        <p:par>
-                          <p:cTn id="4" fill="hold">
-                            <p:stCondLst>
-                              <p:cond delay="0"/>
-                            </p:stCondLst>
-                            <p:childTnLst>
-                              <p:par>
-                                <p:cTn id="5" presetID="10" presetClass="entr" presetSubtype="0" fill="hold" grpId="0" nodeType="clickEffect">
-                                  <p:stCondLst>
-                                    <p:cond delay="0"/>
-                                  </p:stCondLst>
-                                  <p:childTnLst>
-                                    <p:set>
-                                      <p:cBhvr>
-                                        <p:cTn id="6" dur="1" fill="hold">
-                                          <p:stCondLst>
-                                            <p:cond delay="0"/>
-                                          </p:stCondLst>
-                                        </p:cTn>
-                                        <p:tgtEl>
-                                          <p:spTgt spid="17"/>
-                                        </p:tgtEl>
-                                        <p:attrNameLst>
-                                          <p:attrName>style.visibility</p:attrName>
-                                        </p:attrNameLst>
-                                      </p:cBhvr>
-                                      <p:to>
-                                        <p:strVal val="visible"/>
-                                      </p:to>
-                                    </p:set>
-                                    <p:animEffect transition="in" filter="fade">
-                                      <p:cBhvr>
-                                        <p:cTn id="7" dur="500"/>
-                                        <p:tgtEl>
-                                          <p:spTgt spid="17"/>
-                                        </p:tgtEl>
-                                      </p:cBhvr>
-                                    </p:animEffect>
-                                  </p:childTnLst>
-                                </p:cTn>
-                              </p:par>
-                            </p:childTnLst>
-                          </p:cTn>
-                        </p:par>
-                      </p:childTnLst>
-                    </p:cTn>
-                  </p:par>
-                </p:childTnLst>
-              </p:cTn>
-              <p:prevCondLst>
-                <p:cond evt="onPrev" delay="0">
-                  <p:tgtEl>
-                    <p:sldTgt/>
-                  </p:tgtEl>
-                </p:cond>
-              </p:prevCondLst>
-              <p:nextCondLst>
-                <p:cond evt="onNext" delay="0">
-                  <p:tgtEl>
-                    <p:sldTgt/>
-                  </p:tgtEl>
-                </p:cond>
-              </p:nextCondLst>
-            </p:seq>
-          </p:childTnLst>
-        </p:cTn>
-      </p:par>
-    </p:tnLst>
-    <p:bldLst>
-      <p:bldP spid="17" grpId="0" animBg="1"/>
-    </p:bldLst>
-  </p:timing>
-</p:sld>
-</file>
-
-<file path=ppt/slides/slide5.xml><?xml version="1.0" encoding="utf-8"?>
-<p:sld xmlns:a="http://schemas.openxmlformats.org/drawingml/2006/main" xmlns:r="http://schemas.openxmlformats.org/officeDocument/2006/relationships" xmlns:p="http://schemas.openxmlformats.org/presentationml/2006/main">
-  <p:cSld>
-    <p:spTree>
-      <p:nvGrpSpPr>
-        <p:cNvPr id="1" name=""/>
-        <p:cNvGrpSpPr/>
-        <p:nvPr/>
-      </p:nvGrpSpPr>
-      <p:grpSpPr>
-        <a:xfrm>
-          <a:off x="0" y="0"/>
-          <a:ext cx="0" cy="0"/>
-          <a:chOff x="0" y="0"/>
-          <a:chExt cx="0" cy="0"/>
-        </a:xfrm>
-      </p:grpSpPr>
-      <p:sp>
-        <p:nvSpPr>
-          <p:cNvPr id="2" name="Título 1">
-            <a:extLst>
-              <a:ext uri="{FF2B5EF4-FFF2-40B4-BE49-F238E27FC236}">
                 <a16:creationId xmlns:a16="http://schemas.microsoft.com/office/drawing/2014/main" id="{D7D5C487-DAE2-4B7D-BFE9-AF4871322A8E}"/>
               </a:ext>
             </a:extLst>
@@ -6280,7 +5752,7 @@
 </p:sld>
 </file>
 
-<file path=ppt/slides/slide6.xml><?xml version="1.0" encoding="utf-8"?>
+<file path=ppt/slides/slide5.xml><?xml version="1.0" encoding="utf-8"?>
 <p:sld xmlns:a="http://schemas.openxmlformats.org/drawingml/2006/main" xmlns:r="http://schemas.openxmlformats.org/officeDocument/2006/relationships" xmlns:p="http://schemas.openxmlformats.org/presentationml/2006/main">
   <p:cSld>
     <p:spTree>
@@ -6676,18 +6148,18 @@
   <p:clrMapOvr>
     <a:masterClrMapping/>
   </p:clrMapOvr>
-  <mc:AlternateContent xmlns:mc="http://schemas.openxmlformats.org/markup-compatibility/2006">
-    <mc:Choice xmlns:p14="http://schemas.microsoft.com/office/powerpoint/2010/main" Requires="p14">
+  <mc:AlternateContent xmlns:mc="http://schemas.openxmlformats.org/markup-compatibility/2006" xmlns:p14="http://schemas.microsoft.com/office/powerpoint/2010/main">
+    <mc:Choice Requires="p14">
       <p:transition p14:dur="10"/>
     </mc:Choice>
-    <mc:Fallback>
+    <mc:Fallback xmlns="">
       <p:transition/>
     </mc:Fallback>
   </mc:AlternateContent>
 </p:sld>
 </file>
 
-<file path=ppt/slides/slide7.xml><?xml version="1.0" encoding="utf-8"?>
+<file path=ppt/slides/slide6.xml><?xml version="1.0" encoding="utf-8"?>
 <p:sld xmlns:a="http://schemas.openxmlformats.org/drawingml/2006/main" xmlns:r="http://schemas.openxmlformats.org/officeDocument/2006/relationships" xmlns:p="http://schemas.openxmlformats.org/presentationml/2006/main">
   <p:cSld>
     <p:spTree>
@@ -7022,7 +6494,7 @@
 </p:sld>
 </file>
 
-<file path=ppt/slides/slide8.xml><?xml version="1.0" encoding="utf-8"?>
+<file path=ppt/slides/slide7.xml><?xml version="1.0" encoding="utf-8"?>
 <p:sld xmlns:a="http://schemas.openxmlformats.org/drawingml/2006/main" xmlns:r="http://schemas.openxmlformats.org/officeDocument/2006/relationships" xmlns:p="http://schemas.openxmlformats.org/presentationml/2006/main">
   <p:cSld>
     <p:spTree>
@@ -7289,7 +6761,7 @@
 </p:sld>
 </file>
 
-<file path=ppt/slides/slide9.xml><?xml version="1.0" encoding="utf-8"?>
+<file path=ppt/slides/slide8.xml><?xml version="1.0" encoding="utf-8"?>
 <p:sld xmlns:a="http://schemas.openxmlformats.org/drawingml/2006/main" xmlns:r="http://schemas.openxmlformats.org/officeDocument/2006/relationships" xmlns:p="http://schemas.openxmlformats.org/presentationml/2006/main">
   <p:cSld>
     <p:spTree>
@@ -7547,6 +7019,275 @@
     <p:extLst>
       <p:ext uri="{BB962C8B-B14F-4D97-AF65-F5344CB8AC3E}">
         <p14:creationId xmlns:p14="http://schemas.microsoft.com/office/powerpoint/2010/main" val="3176708937"/>
+      </p:ext>
+    </p:extLst>
+  </p:cSld>
+  <p:clrMapOvr>
+    <a:masterClrMapping/>
+  </p:clrMapOvr>
+</p:sld>
+</file>
+
+<file path=ppt/slides/slide9.xml><?xml version="1.0" encoding="utf-8"?>
+<p:sld xmlns:a="http://schemas.openxmlformats.org/drawingml/2006/main" xmlns:r="http://schemas.openxmlformats.org/officeDocument/2006/relationships" xmlns:p="http://schemas.openxmlformats.org/presentationml/2006/main">
+  <p:cSld>
+    <p:spTree>
+      <p:nvGrpSpPr>
+        <p:cNvPr id="1" name=""/>
+        <p:cNvGrpSpPr/>
+        <p:nvPr/>
+      </p:nvGrpSpPr>
+      <p:grpSpPr>
+        <a:xfrm>
+          <a:off x="0" y="0"/>
+          <a:ext cx="0" cy="0"/>
+          <a:chOff x="0" y="0"/>
+          <a:chExt cx="0" cy="0"/>
+        </a:xfrm>
+      </p:grpSpPr>
+      <p:sp>
+        <p:nvSpPr>
+          <p:cNvPr id="2" name="Título 1">
+            <a:extLst>
+              <a:ext uri="{FF2B5EF4-FFF2-40B4-BE49-F238E27FC236}">
+                <a16:creationId xmlns:a16="http://schemas.microsoft.com/office/drawing/2014/main" id="{D7D5C487-DAE2-4B7D-BFE9-AF4871322A8E}"/>
+              </a:ext>
+            </a:extLst>
+          </p:cNvPr>
+          <p:cNvSpPr>
+            <a:spLocks noGrp="1"/>
+          </p:cNvSpPr>
+          <p:nvPr>
+            <p:ph type="title"/>
+          </p:nvPr>
+        </p:nvSpPr>
+        <p:spPr/>
+        <p:txBody>
+          <a:bodyPr/>
+          <a:lstStyle/>
+          <a:p>
+            <a:r>
+              <a:rPr lang="pt-PT" dirty="0"/>
+              <a:t>Funcionamento do Sistema</a:t>
+            </a:r>
+          </a:p>
+        </p:txBody>
+      </p:sp>
+      <p:sp>
+        <p:nvSpPr>
+          <p:cNvPr id="4" name="Marcador de Posição do Texto 3">
+            <a:extLst>
+              <a:ext uri="{FF2B5EF4-FFF2-40B4-BE49-F238E27FC236}">
+                <a16:creationId xmlns:a16="http://schemas.microsoft.com/office/drawing/2014/main" id="{417E3BDF-5D19-4BAF-AEB7-734DBFCE7AA0}"/>
+              </a:ext>
+            </a:extLst>
+          </p:cNvPr>
+          <p:cNvSpPr>
+            <a:spLocks noGrp="1"/>
+          </p:cNvSpPr>
+          <p:nvPr>
+            <p:ph type="body" sz="half" idx="2"/>
+          </p:nvPr>
+        </p:nvSpPr>
+        <p:spPr>
+          <a:xfrm>
+            <a:off x="457200" y="2858701"/>
+            <a:ext cx="3441032" cy="3746925"/>
+          </a:xfrm>
+        </p:spPr>
+        <p:txBody>
+          <a:bodyPr>
+            <a:normAutofit/>
+          </a:bodyPr>
+          <a:lstStyle/>
+          <a:p>
+            <a:pPr>
+              <a:lnSpc>
+                <a:spcPct val="120000"/>
+              </a:lnSpc>
+            </a:pPr>
+            <a:endParaRPr lang="sv-SE" sz="5200" dirty="0"/>
+          </a:p>
+        </p:txBody>
+      </p:sp>
+      <p:sp>
+        <p:nvSpPr>
+          <p:cNvPr id="20" name="Marcador de Posição de Conteúdo 19">
+            <a:extLst>
+              <a:ext uri="{FF2B5EF4-FFF2-40B4-BE49-F238E27FC236}">
+                <a16:creationId xmlns:a16="http://schemas.microsoft.com/office/drawing/2014/main" id="{E6D76E72-3E5E-4298-ADA6-0607B4B80320}"/>
+              </a:ext>
+            </a:extLst>
+          </p:cNvPr>
+          <p:cNvSpPr>
+            <a:spLocks noGrp="1"/>
+          </p:cNvSpPr>
+          <p:nvPr>
+            <p:ph idx="1"/>
+          </p:nvPr>
+        </p:nvSpPr>
+        <p:spPr>
+          <a:xfrm>
+            <a:off x="4800600" y="1911352"/>
+            <a:ext cx="6492240" cy="4077967"/>
+          </a:xfrm>
+        </p:spPr>
+        <p:txBody>
+          <a:bodyPr/>
+          <a:lstStyle/>
+          <a:p>
+            <a:endParaRPr lang="pt-PT" dirty="0"/>
+          </a:p>
+        </p:txBody>
+      </p:sp>
+      <p:pic>
+        <p:nvPicPr>
+          <p:cNvPr id="22" name="Marcador de Posição de Conteúdo 9" descr="Uma imagem com captura de ecrã&#10;&#10;Descrição gerada automaticamente">
+            <a:extLst>
+              <a:ext uri="{FF2B5EF4-FFF2-40B4-BE49-F238E27FC236}">
+                <a16:creationId xmlns:a16="http://schemas.microsoft.com/office/drawing/2014/main" id="{50375737-C7DA-43B7-A2F5-C20ED74572B3}"/>
+              </a:ext>
+            </a:extLst>
+          </p:cNvPr>
+          <p:cNvPicPr>
+            <a:picLocks noChangeAspect="1"/>
+          </p:cNvPicPr>
+          <p:nvPr/>
+        </p:nvPicPr>
+        <p:blipFill>
+          <a:blip r:embed="rId2">
+            <a:extLst>
+              <a:ext uri="{28A0092B-C50C-407E-A947-70E740481C1C}">
+                <a14:useLocalDpi xmlns:a14="http://schemas.microsoft.com/office/drawing/2010/main" val="0"/>
+              </a:ext>
+            </a:extLst>
+          </a:blip>
+          <a:stretch>
+            <a:fillRect/>
+          </a:stretch>
+        </p:blipFill>
+        <p:spPr>
+          <a:xfrm>
+            <a:off x="4696327" y="252372"/>
+            <a:ext cx="6625388" cy="6353255"/>
+          </a:xfrm>
+          <a:prstGeom prst="rect">
+            <a:avLst/>
+          </a:prstGeom>
+        </p:spPr>
+      </p:pic>
+      <p:sp>
+        <p:nvSpPr>
+          <p:cNvPr id="9" name="Retângulo 8">
+            <a:extLst>
+              <a:ext uri="{FF2B5EF4-FFF2-40B4-BE49-F238E27FC236}">
+                <a16:creationId xmlns:a16="http://schemas.microsoft.com/office/drawing/2014/main" id="{0328868E-BE98-426E-ACAC-2E1D7B160452}"/>
+              </a:ext>
+            </a:extLst>
+          </p:cNvPr>
+          <p:cNvSpPr/>
+          <p:nvPr/>
+        </p:nvSpPr>
+        <p:spPr>
+          <a:xfrm>
+            <a:off x="7915450" y="914400"/>
+            <a:ext cx="218783" cy="157075"/>
+          </a:xfrm>
+          <a:prstGeom prst="rect">
+            <a:avLst/>
+          </a:prstGeom>
+          <a:solidFill>
+            <a:schemeClr val="bg1"/>
+          </a:solidFill>
+          <a:ln>
+            <a:solidFill>
+              <a:schemeClr val="bg1"/>
+            </a:solidFill>
+          </a:ln>
+        </p:spPr>
+        <p:style>
+          <a:lnRef idx="2">
+            <a:schemeClr val="accent1">
+              <a:shade val="50000"/>
+            </a:schemeClr>
+          </a:lnRef>
+          <a:fillRef idx="1">
+            <a:schemeClr val="accent1"/>
+          </a:fillRef>
+          <a:effectRef idx="0">
+            <a:schemeClr val="accent1"/>
+          </a:effectRef>
+          <a:fontRef idx="minor">
+            <a:schemeClr val="lt1"/>
+          </a:fontRef>
+        </p:style>
+        <p:txBody>
+          <a:bodyPr rtlCol="0" anchor="ctr"/>
+          <a:lstStyle/>
+          <a:p>
+            <a:pPr algn="ctr"/>
+            <a:endParaRPr lang="pt-PT"/>
+          </a:p>
+        </p:txBody>
+      </p:sp>
+      <p:cxnSp>
+        <p:nvCxnSpPr>
+          <p:cNvPr id="8" name="Conexão: Ângulo Reto 7">
+            <a:extLst>
+              <a:ext uri="{FF2B5EF4-FFF2-40B4-BE49-F238E27FC236}">
+                <a16:creationId xmlns:a16="http://schemas.microsoft.com/office/drawing/2014/main" id="{C02C7A4A-4398-43CF-9D60-0174ED2493C3}"/>
+              </a:ext>
+            </a:extLst>
+          </p:cNvPr>
+          <p:cNvCxnSpPr>
+            <a:cxnSpLocks/>
+          </p:cNvCxnSpPr>
+          <p:nvPr/>
+        </p:nvCxnSpPr>
+        <p:spPr>
+          <a:xfrm rot="5400000" flipH="1" flipV="1">
+            <a:off x="7207496" y="1105415"/>
+            <a:ext cx="1042670" cy="569205"/>
+          </a:xfrm>
+          <a:prstGeom prst="bentConnector3">
+            <a:avLst>
+              <a:gd name="adj1" fmla="val 33321"/>
+            </a:avLst>
+          </a:prstGeom>
+          <a:ln w="28575">
+            <a:solidFill>
+              <a:srgbClr val="FF3300"/>
+            </a:solidFill>
+            <a:tailEnd type="triangle"/>
+          </a:ln>
+          <a:effectLst>
+            <a:glow rad="63500">
+              <a:schemeClr val="accent2">
+                <a:satMod val="175000"/>
+                <a:alpha val="40000"/>
+              </a:schemeClr>
+            </a:glow>
+          </a:effectLst>
+        </p:spPr>
+        <p:style>
+          <a:lnRef idx="1">
+            <a:schemeClr val="accent1"/>
+          </a:lnRef>
+          <a:fillRef idx="0">
+            <a:schemeClr val="accent1"/>
+          </a:fillRef>
+          <a:effectRef idx="0">
+            <a:schemeClr val="accent1"/>
+          </a:effectRef>
+          <a:fontRef idx="minor">
+            <a:schemeClr val="tx1"/>
+          </a:fontRef>
+        </p:style>
+      </p:cxnSp>
+    </p:spTree>
+    <p:extLst>
+      <p:ext uri="{BB962C8B-B14F-4D97-AF65-F5344CB8AC3E}">
+        <p14:creationId xmlns:p14="http://schemas.microsoft.com/office/powerpoint/2010/main" val="907343855"/>
       </p:ext>
     </p:extLst>
   </p:cSld>

--- a/Report/presentation_2_Diana.pptx
+++ b/Report/presentation_2_Diana.pptx
@@ -5,20 +5,22 @@
     <p:sldMasterId id="2147483672" r:id="rId1"/>
   </p:sldMasterIdLst>
   <p:notesMasterIdLst>
-    <p:notesMasterId r:id="rId13"/>
+    <p:notesMasterId r:id="rId15"/>
   </p:notesMasterIdLst>
   <p:sldIdLst>
     <p:sldId id="256" r:id="rId2"/>
     <p:sldId id="257" r:id="rId3"/>
     <p:sldId id="269" r:id="rId4"/>
-    <p:sldId id="271" r:id="rId5"/>
-    <p:sldId id="273" r:id="rId6"/>
-    <p:sldId id="274" r:id="rId7"/>
-    <p:sldId id="276" r:id="rId8"/>
-    <p:sldId id="277" r:id="rId9"/>
-    <p:sldId id="278" r:id="rId10"/>
-    <p:sldId id="275" r:id="rId11"/>
-    <p:sldId id="268" r:id="rId12"/>
+    <p:sldId id="263" r:id="rId5"/>
+    <p:sldId id="271" r:id="rId6"/>
+    <p:sldId id="273" r:id="rId7"/>
+    <p:sldId id="274" r:id="rId8"/>
+    <p:sldId id="276" r:id="rId9"/>
+    <p:sldId id="279" r:id="rId10"/>
+    <p:sldId id="277" r:id="rId11"/>
+    <p:sldId id="278" r:id="rId12"/>
+    <p:sldId id="275" r:id="rId13"/>
+    <p:sldId id="268" r:id="rId14"/>
   </p:sldIdLst>
   <p:sldSz cx="12192000" cy="6858000"/>
   <p:notesSz cx="6858000" cy="9144000"/>
@@ -207,7 +209,7 @@
           <a:p>
             <a:fld id="{FDDF5FE0-F804-4E91-803A-7CECEE48BB95}" type="datetimeFigureOut">
               <a:rPr lang="pt-PT" smtClean="0"/>
-              <a:t>25/05/2019</a:t>
+              <a:t>27/05/2019</a:t>
             </a:fld>
             <a:endParaRPr lang="pt-PT"/>
           </a:p>
@@ -787,7 +789,310 @@
           <a:bodyPr/>
           <a:lstStyle/>
           <a:p>
+            <a:pPr marL="0" indent="0">
+              <a:buFontTx/>
+              <a:buNone/>
+            </a:pPr>
+            <a:r>
+              <a:rPr lang="pt-PT" dirty="0"/>
+              <a:t>- Temos agora a gerar dinamicamente segundo um </a:t>
+            </a:r>
+            <a:r>
+              <a:rPr lang="pt-PT" dirty="0" err="1"/>
+              <a:t>dataset</a:t>
+            </a:r>
+            <a:r>
+              <a:rPr lang="pt-PT" dirty="0"/>
+              <a:t> inicial guardado em </a:t>
+            </a:r>
+            <a:r>
+              <a:rPr lang="pt-PT" dirty="0" err="1"/>
+              <a:t>mongoDB</a:t>
+            </a:r>
+            <a:r>
+              <a:rPr lang="pt-PT" dirty="0"/>
+              <a:t>, se bem que  temos é de popular mais</a:t>
+            </a:r>
+          </a:p>
+          <a:p>
             <a:endParaRPr lang="pt-PT" dirty="0"/>
+          </a:p>
+          <a:p>
+            <a:pPr marL="171450" indent="-171450">
+              <a:buFontTx/>
+              <a:buChar char="-"/>
+            </a:pPr>
+            <a:r>
+              <a:rPr lang="pt-PT" dirty="0"/>
+              <a:t>No </a:t>
+            </a:r>
+            <a:r>
+              <a:rPr lang="pt-PT" dirty="0" err="1"/>
+              <a:t>python</a:t>
+            </a:r>
+            <a:r>
+              <a:rPr lang="pt-PT" dirty="0"/>
+              <a:t> falar do script para geração de frases, com cadeias de </a:t>
+            </a:r>
+            <a:r>
+              <a:rPr lang="pt-PT" dirty="0" err="1"/>
+              <a:t>Markov</a:t>
+            </a:r>
+            <a:r>
+              <a:rPr lang="pt-PT" dirty="0"/>
+              <a:t> e utilização de NLTK para processamento de frases (separar por palavras)</a:t>
+            </a:r>
+          </a:p>
+          <a:p>
+            <a:pPr marL="171450" indent="-171450">
+              <a:buFontTx/>
+              <a:buChar char="-"/>
+            </a:pPr>
+            <a:endParaRPr lang="pt-PT" dirty="0"/>
+          </a:p>
+          <a:p>
+            <a:pPr marL="171450" indent="-171450">
+              <a:buFontTx/>
+              <a:buChar char="-"/>
+            </a:pPr>
+            <a:r>
+              <a:rPr lang="pt-PT" dirty="0" err="1"/>
+              <a:t>Sentence</a:t>
+            </a:r>
+            <a:r>
+              <a:rPr lang="pt-PT" dirty="0"/>
+              <a:t> </a:t>
+            </a:r>
+            <a:r>
+              <a:rPr lang="pt-PT" dirty="0" err="1"/>
+              <a:t>generator</a:t>
+            </a:r>
+            <a:r>
+              <a:rPr lang="pt-PT" dirty="0"/>
+              <a:t> </a:t>
+            </a:r>
+            <a:r>
+              <a:rPr lang="pt-PT" dirty="0" err="1"/>
+              <a:t>with</a:t>
+            </a:r>
+            <a:r>
+              <a:rPr lang="pt-PT" dirty="0"/>
+              <a:t> </a:t>
+            </a:r>
+            <a:r>
+              <a:rPr lang="pt-PT" dirty="0" err="1"/>
+              <a:t>Markov</a:t>
+            </a:r>
+            <a:r>
+              <a:rPr lang="pt-PT" dirty="0"/>
+              <a:t> </a:t>
+            </a:r>
+            <a:r>
+              <a:rPr lang="pt-PT" dirty="0" err="1"/>
+              <a:t>chains</a:t>
+            </a:r>
+            <a:r>
+              <a:rPr lang="pt-PT" dirty="0"/>
+              <a:t>: o programa </a:t>
+            </a:r>
+            <a:r>
+              <a:rPr lang="pt-PT" sz="1200" b="0" i="0" kern="1200" dirty="0">
+                <a:solidFill>
+                  <a:schemeClr val="tx1"/>
+                </a:solidFill>
+                <a:effectLst/>
+                <a:latin typeface="+mn-lt"/>
+                <a:ea typeface="+mn-ea"/>
+                <a:cs typeface="+mn-cs"/>
+              </a:rPr>
+              <a:t>cria um dicionário com as palavras, recebidas de um </a:t>
+            </a:r>
+            <a:r>
+              <a:rPr lang="pt-PT" sz="1200" b="0" i="0" kern="1200" dirty="0" err="1">
+                <a:solidFill>
+                  <a:schemeClr val="tx1"/>
+                </a:solidFill>
+                <a:effectLst/>
+                <a:latin typeface="+mn-lt"/>
+                <a:ea typeface="+mn-ea"/>
+                <a:cs typeface="+mn-cs"/>
+              </a:rPr>
+              <a:t>dataset</a:t>
+            </a:r>
+            <a:r>
+              <a:rPr lang="pt-PT" sz="1200" b="0" i="0" kern="1200" dirty="0">
+                <a:solidFill>
+                  <a:schemeClr val="tx1"/>
+                </a:solidFill>
+                <a:effectLst/>
+                <a:latin typeface="+mn-lt"/>
+                <a:ea typeface="+mn-ea"/>
+                <a:cs typeface="+mn-cs"/>
+              </a:rPr>
+              <a:t> com frases, e a palavra que vem a seguir, e depois aplica cadeias de </a:t>
+            </a:r>
+            <a:r>
+              <a:rPr lang="pt-PT" sz="1200" b="0" i="0" kern="1200" dirty="0" err="1">
+                <a:solidFill>
+                  <a:schemeClr val="tx1"/>
+                </a:solidFill>
+                <a:effectLst/>
+                <a:latin typeface="+mn-lt"/>
+                <a:ea typeface="+mn-ea"/>
+                <a:cs typeface="+mn-cs"/>
+              </a:rPr>
+              <a:t>Markov</a:t>
+            </a:r>
+            <a:r>
+              <a:rPr lang="pt-PT" sz="1200" b="0" i="0" kern="1200" dirty="0">
+                <a:solidFill>
+                  <a:schemeClr val="tx1"/>
+                </a:solidFill>
+                <a:effectLst/>
+                <a:latin typeface="+mn-lt"/>
+                <a:ea typeface="+mn-ea"/>
+                <a:cs typeface="+mn-cs"/>
+              </a:rPr>
+              <a:t> sobre essa informação tentando fazer frases que fazem sentido. As cadeias de </a:t>
+            </a:r>
+            <a:r>
+              <a:rPr lang="pt-PT" sz="1200" b="0" i="0" kern="1200" dirty="0" err="1">
+                <a:solidFill>
+                  <a:schemeClr val="tx1"/>
+                </a:solidFill>
+                <a:effectLst/>
+                <a:latin typeface="+mn-lt"/>
+                <a:ea typeface="+mn-ea"/>
+                <a:cs typeface="+mn-cs"/>
+              </a:rPr>
+              <a:t>Markov</a:t>
+            </a:r>
+            <a:r>
+              <a:rPr lang="pt-PT" sz="1200" b="0" i="0" kern="1200" dirty="0">
+                <a:solidFill>
+                  <a:schemeClr val="tx1"/>
+                </a:solidFill>
+                <a:effectLst/>
+                <a:latin typeface="+mn-lt"/>
+                <a:ea typeface="+mn-ea"/>
+                <a:cs typeface="+mn-cs"/>
+              </a:rPr>
+              <a:t> são uteis para prever o estado futuro com base nas características do estado presente. Assim , o programa utiliza e analisa as frases de um </a:t>
+            </a:r>
+            <a:r>
+              <a:rPr lang="pt-PT" sz="1200" b="0" i="0" kern="1200" dirty="0" err="1">
+                <a:solidFill>
+                  <a:schemeClr val="tx1"/>
+                </a:solidFill>
+                <a:effectLst/>
+                <a:latin typeface="+mn-lt"/>
+                <a:ea typeface="+mn-ea"/>
+                <a:cs typeface="+mn-cs"/>
+              </a:rPr>
+              <a:t>dataset</a:t>
+            </a:r>
+            <a:r>
+              <a:rPr lang="pt-PT" sz="1200" b="0" i="0" kern="1200" dirty="0">
+                <a:solidFill>
+                  <a:schemeClr val="tx1"/>
+                </a:solidFill>
+                <a:effectLst/>
+                <a:latin typeface="+mn-lt"/>
+                <a:ea typeface="+mn-ea"/>
+                <a:cs typeface="+mn-cs"/>
+              </a:rPr>
+              <a:t> inicial e, a partir dai, tenta prever e gerar novas frases. Utiliza as cadeiras de </a:t>
+            </a:r>
+            <a:r>
+              <a:rPr lang="pt-PT" sz="1200" b="0" i="0" kern="1200" dirty="0" err="1">
+                <a:solidFill>
+                  <a:schemeClr val="tx1"/>
+                </a:solidFill>
+                <a:effectLst/>
+                <a:latin typeface="+mn-lt"/>
+                <a:ea typeface="+mn-ea"/>
+                <a:cs typeface="+mn-cs"/>
+              </a:rPr>
+              <a:t>markov</a:t>
+            </a:r>
+            <a:r>
+              <a:rPr lang="pt-PT" sz="1200" b="0" i="0" kern="1200" dirty="0">
+                <a:solidFill>
+                  <a:schemeClr val="tx1"/>
+                </a:solidFill>
+                <a:effectLst/>
+                <a:latin typeface="+mn-lt"/>
+                <a:ea typeface="+mn-ea"/>
+                <a:cs typeface="+mn-cs"/>
+              </a:rPr>
+              <a:t> para prever quais as sequências de palavras mais adequadas que precedem a um outro conjunto de palavras.</a:t>
+            </a:r>
+          </a:p>
+          <a:p>
+            <a:pPr marL="171450" indent="-171450">
+              <a:buFontTx/>
+              <a:buChar char="-"/>
+            </a:pPr>
+            <a:r>
+              <a:rPr lang="pt-PT" sz="1200" b="0" i="0" kern="1200" dirty="0">
+                <a:solidFill>
+                  <a:schemeClr val="tx1"/>
+                </a:solidFill>
+                <a:effectLst/>
+                <a:latin typeface="+mn-lt"/>
+                <a:ea typeface="+mn-ea"/>
+                <a:cs typeface="+mn-cs"/>
+              </a:rPr>
+              <a:t>Cadeias de </a:t>
+            </a:r>
+            <a:r>
+              <a:rPr lang="pt-PT" sz="1200" b="0" i="0" kern="1200" dirty="0" err="1">
+                <a:solidFill>
+                  <a:schemeClr val="tx1"/>
+                </a:solidFill>
+                <a:effectLst/>
+                <a:latin typeface="+mn-lt"/>
+                <a:ea typeface="+mn-ea"/>
+                <a:cs typeface="+mn-cs"/>
+              </a:rPr>
+              <a:t>Markov</a:t>
+            </a:r>
+            <a:r>
+              <a:rPr lang="pt-PT" sz="1200" b="0" i="0" kern="1200" dirty="0">
+                <a:solidFill>
+                  <a:schemeClr val="tx1"/>
+                </a:solidFill>
+                <a:effectLst/>
+                <a:latin typeface="+mn-lt"/>
+                <a:ea typeface="+mn-ea"/>
+                <a:cs typeface="+mn-cs"/>
+              </a:rPr>
+              <a:t> são, por isso, bastante utilizadas neste tipo de situações (</a:t>
+            </a:r>
+            <a:r>
+              <a:rPr lang="pt-PT" sz="1200" b="0" i="0" kern="1200" dirty="0" err="1">
+                <a:solidFill>
+                  <a:schemeClr val="tx1"/>
+                </a:solidFill>
+                <a:effectLst/>
+                <a:latin typeface="+mn-lt"/>
+                <a:ea typeface="+mn-ea"/>
+                <a:cs typeface="+mn-cs"/>
+              </a:rPr>
+              <a:t>chatbots</a:t>
+            </a:r>
+            <a:r>
+              <a:rPr lang="pt-PT" sz="1200" b="0" i="0" kern="1200" dirty="0">
+                <a:solidFill>
+                  <a:schemeClr val="tx1"/>
+                </a:solidFill>
+                <a:effectLst/>
+                <a:latin typeface="+mn-lt"/>
+                <a:ea typeface="+mn-ea"/>
+                <a:cs typeface="+mn-cs"/>
+              </a:rPr>
+              <a:t>)!</a:t>
+            </a:r>
           </a:p>
         </p:txBody>
       </p:sp>
@@ -808,7 +1113,7 @@
           <a:p>
             <a:fld id="{F9C76EEC-3DB8-4814-A8C5-185DA6C5A9E9}" type="slidenum">
               <a:rPr lang="pt-PT" smtClean="0"/>
-              <a:t>10</a:t>
+              <a:t>4</a:t>
             </a:fld>
             <a:endParaRPr lang="pt-PT"/>
           </a:p>
@@ -817,7 +1122,7 @@
     </p:spTree>
     <p:extLst>
       <p:ext uri="{BB962C8B-B14F-4D97-AF65-F5344CB8AC3E}">
-        <p14:creationId xmlns:p14="http://schemas.microsoft.com/office/powerpoint/2010/main" val="2303373365"/>
+        <p14:creationId xmlns:p14="http://schemas.microsoft.com/office/powerpoint/2010/main" val="3154484066"/>
       </p:ext>
     </p:extLst>
   </p:cSld>
@@ -846,7 +1151,7 @@
       </p:grpSpPr>
       <p:sp>
         <p:nvSpPr>
-          <p:cNvPr id="2" name="Slide Image Placeholder 1"/>
+          <p:cNvPr id="2" name="Marcador de Posição da Imagem do Diapositivo 1"/>
           <p:cNvSpPr>
             <a:spLocks noGrp="1" noRot="1" noChangeAspect="1"/>
           </p:cNvSpPr>
@@ -858,7 +1163,7 @@
       </p:sp>
       <p:sp>
         <p:nvSpPr>
-          <p:cNvPr id="3" name="Notes Placeholder 2"/>
+          <p:cNvPr id="3" name="Marcador de Posição de Notas 2"/>
           <p:cNvSpPr>
             <a:spLocks noGrp="1"/>
           </p:cNvSpPr>
@@ -871,18 +1176,21 @@
           <a:bodyPr/>
           <a:lstStyle/>
           <a:p>
-            <a:endParaRPr lang="pt-PT" dirty="0"/>
-          </a:p>
-        </p:txBody>
-      </p:sp>
-      <p:sp>
-        <p:nvSpPr>
-          <p:cNvPr id="4" name="Slide Number Placeholder 3"/>
-          <p:cNvSpPr>
-            <a:spLocks noGrp="1"/>
-          </p:cNvSpPr>
-          <p:nvPr>
-            <p:ph type="sldNum" sz="quarter" idx="10"/>
+            <a:r>
+              <a:rPr lang="pt-PT" dirty="0"/>
+              <a:t>Aluno que já não visita o sistema há mais de uma semana</a:t>
+            </a:r>
+          </a:p>
+        </p:txBody>
+      </p:sp>
+      <p:sp>
+        <p:nvSpPr>
+          <p:cNvPr id="4" name="Marcador de Posição do Número do Diapositivo 3"/>
+          <p:cNvSpPr>
+            <a:spLocks noGrp="1"/>
+          </p:cNvSpPr>
+          <p:nvPr>
+            <p:ph type="sldNum" sz="quarter" idx="5"/>
           </p:nvPr>
         </p:nvSpPr>
         <p:spPr/>
@@ -892,7 +1200,175 @@
           <a:p>
             <a:fld id="{F9C76EEC-3DB8-4814-A8C5-185DA6C5A9E9}" type="slidenum">
               <a:rPr lang="pt-PT" smtClean="0"/>
-              <a:t>11</a:t>
+              <a:t>7</a:t>
+            </a:fld>
+            <a:endParaRPr lang="pt-PT"/>
+          </a:p>
+        </p:txBody>
+      </p:sp>
+    </p:spTree>
+    <p:extLst>
+      <p:ext uri="{BB962C8B-B14F-4D97-AF65-F5344CB8AC3E}">
+        <p14:creationId xmlns:p14="http://schemas.microsoft.com/office/powerpoint/2010/main" val="3135787992"/>
+      </p:ext>
+    </p:extLst>
+  </p:cSld>
+  <p:clrMapOvr>
+    <a:masterClrMapping/>
+  </p:clrMapOvr>
+</p:notes>
+</file>
+
+<file path=ppt/notesSlides/notesSlide6.xml><?xml version="1.0" encoding="utf-8"?>
+<p:notes xmlns:a="http://schemas.openxmlformats.org/drawingml/2006/main" xmlns:r="http://schemas.openxmlformats.org/officeDocument/2006/relationships" xmlns:p="http://schemas.openxmlformats.org/presentationml/2006/main">
+  <p:cSld>
+    <p:spTree>
+      <p:nvGrpSpPr>
+        <p:cNvPr id="1" name=""/>
+        <p:cNvGrpSpPr/>
+        <p:nvPr/>
+      </p:nvGrpSpPr>
+      <p:grpSpPr>
+        <a:xfrm>
+          <a:off x="0" y="0"/>
+          <a:ext cx="0" cy="0"/>
+          <a:chOff x="0" y="0"/>
+          <a:chExt cx="0" cy="0"/>
+        </a:xfrm>
+      </p:grpSpPr>
+      <p:sp>
+        <p:nvSpPr>
+          <p:cNvPr id="2" name="Marcador de Posição da Imagem do Diapositivo 1"/>
+          <p:cNvSpPr>
+            <a:spLocks noGrp="1" noRot="1" noChangeAspect="1"/>
+          </p:cNvSpPr>
+          <p:nvPr>
+            <p:ph type="sldImg"/>
+          </p:nvPr>
+        </p:nvSpPr>
+        <p:spPr/>
+      </p:sp>
+      <p:sp>
+        <p:nvSpPr>
+          <p:cNvPr id="3" name="Marcador de Posição de Notas 2"/>
+          <p:cNvSpPr>
+            <a:spLocks noGrp="1"/>
+          </p:cNvSpPr>
+          <p:nvPr>
+            <p:ph type="body" idx="1"/>
+          </p:nvPr>
+        </p:nvSpPr>
+        <p:spPr/>
+        <p:txBody>
+          <a:bodyPr/>
+          <a:lstStyle/>
+          <a:p>
+            <a:endParaRPr lang="pt-PT" dirty="0"/>
+          </a:p>
+        </p:txBody>
+      </p:sp>
+      <p:sp>
+        <p:nvSpPr>
+          <p:cNvPr id="4" name="Marcador de Posição do Número do Diapositivo 3"/>
+          <p:cNvSpPr>
+            <a:spLocks noGrp="1"/>
+          </p:cNvSpPr>
+          <p:nvPr>
+            <p:ph type="sldNum" sz="quarter" idx="5"/>
+          </p:nvPr>
+        </p:nvSpPr>
+        <p:spPr/>
+        <p:txBody>
+          <a:bodyPr/>
+          <a:lstStyle/>
+          <a:p>
+            <a:fld id="{F9C76EEC-3DB8-4814-A8C5-185DA6C5A9E9}" type="slidenum">
+              <a:rPr lang="pt-PT" smtClean="0"/>
+              <a:t>12</a:t>
+            </a:fld>
+            <a:endParaRPr lang="pt-PT"/>
+          </a:p>
+        </p:txBody>
+      </p:sp>
+    </p:spTree>
+    <p:extLst>
+      <p:ext uri="{BB962C8B-B14F-4D97-AF65-F5344CB8AC3E}">
+        <p14:creationId xmlns:p14="http://schemas.microsoft.com/office/powerpoint/2010/main" val="2303373365"/>
+      </p:ext>
+    </p:extLst>
+  </p:cSld>
+  <p:clrMapOvr>
+    <a:masterClrMapping/>
+  </p:clrMapOvr>
+</p:notes>
+</file>
+
+<file path=ppt/notesSlides/notesSlide7.xml><?xml version="1.0" encoding="utf-8"?>
+<p:notes xmlns:a="http://schemas.openxmlformats.org/drawingml/2006/main" xmlns:r="http://schemas.openxmlformats.org/officeDocument/2006/relationships" xmlns:p="http://schemas.openxmlformats.org/presentationml/2006/main">
+  <p:cSld>
+    <p:spTree>
+      <p:nvGrpSpPr>
+        <p:cNvPr id="1" name=""/>
+        <p:cNvGrpSpPr/>
+        <p:nvPr/>
+      </p:nvGrpSpPr>
+      <p:grpSpPr>
+        <a:xfrm>
+          <a:off x="0" y="0"/>
+          <a:ext cx="0" cy="0"/>
+          <a:chOff x="0" y="0"/>
+          <a:chExt cx="0" cy="0"/>
+        </a:xfrm>
+      </p:grpSpPr>
+      <p:sp>
+        <p:nvSpPr>
+          <p:cNvPr id="2" name="Slide Image Placeholder 1"/>
+          <p:cNvSpPr>
+            <a:spLocks noGrp="1" noRot="1" noChangeAspect="1"/>
+          </p:cNvSpPr>
+          <p:nvPr>
+            <p:ph type="sldImg"/>
+          </p:nvPr>
+        </p:nvSpPr>
+        <p:spPr/>
+      </p:sp>
+      <p:sp>
+        <p:nvSpPr>
+          <p:cNvPr id="3" name="Notes Placeholder 2"/>
+          <p:cNvSpPr>
+            <a:spLocks noGrp="1"/>
+          </p:cNvSpPr>
+          <p:nvPr>
+            <p:ph type="body" idx="1"/>
+          </p:nvPr>
+        </p:nvSpPr>
+        <p:spPr/>
+        <p:txBody>
+          <a:bodyPr/>
+          <a:lstStyle/>
+          <a:p>
+            <a:endParaRPr lang="pt-PT" dirty="0"/>
+          </a:p>
+        </p:txBody>
+      </p:sp>
+      <p:sp>
+        <p:nvSpPr>
+          <p:cNvPr id="4" name="Slide Number Placeholder 3"/>
+          <p:cNvSpPr>
+            <a:spLocks noGrp="1"/>
+          </p:cNvSpPr>
+          <p:nvPr>
+            <p:ph type="sldNum" sz="quarter" idx="10"/>
+          </p:nvPr>
+        </p:nvSpPr>
+        <p:spPr/>
+        <p:txBody>
+          <a:bodyPr/>
+          <a:lstStyle/>
+          <a:p>
+            <a:fld id="{F9C76EEC-3DB8-4814-A8C5-185DA6C5A9E9}" type="slidenum">
+              <a:rPr lang="pt-PT" smtClean="0"/>
+              <a:t>13</a:t>
             </a:fld>
             <a:endParaRPr lang="pt-PT"/>
           </a:p>
@@ -1137,7 +1613,7 @@
           <a:p>
             <a:fld id="{D3D2C362-FAA5-4C55-BE02-652F59C753E4}" type="datetimeFigureOut">
               <a:rPr lang="pt-PT" smtClean="0"/>
-              <a:t>25/05/2019</a:t>
+              <a:t>27/05/2019</a:t>
             </a:fld>
             <a:endParaRPr lang="pt-PT"/>
           </a:p>
@@ -1345,7 +1821,7 @@
           <a:p>
             <a:fld id="{D3D2C362-FAA5-4C55-BE02-652F59C753E4}" type="datetimeFigureOut">
               <a:rPr lang="pt-PT" smtClean="0"/>
-              <a:t>25/05/2019</a:t>
+              <a:t>27/05/2019</a:t>
             </a:fld>
             <a:endParaRPr lang="pt-PT"/>
           </a:p>
@@ -1601,7 +2077,7 @@
           <a:p>
             <a:fld id="{D3D2C362-FAA5-4C55-BE02-652F59C753E4}" type="datetimeFigureOut">
               <a:rPr lang="pt-PT" smtClean="0"/>
-              <a:t>25/05/2019</a:t>
+              <a:t>27/05/2019</a:t>
             </a:fld>
             <a:endParaRPr lang="pt-PT"/>
           </a:p>
@@ -1775,7 +2251,7 @@
           <a:p>
             <a:fld id="{D3D2C362-FAA5-4C55-BE02-652F59C753E4}" type="datetimeFigureOut">
               <a:rPr lang="pt-PT" smtClean="0"/>
-              <a:t>25/05/2019</a:t>
+              <a:t>27/05/2019</a:t>
             </a:fld>
             <a:endParaRPr lang="pt-PT"/>
           </a:p>
@@ -2118,7 +2594,7 @@
           <a:p>
             <a:fld id="{D3D2C362-FAA5-4C55-BE02-652F59C753E4}" type="datetimeFigureOut">
               <a:rPr lang="pt-PT" smtClean="0"/>
-              <a:t>25/05/2019</a:t>
+              <a:t>27/05/2019</a:t>
             </a:fld>
             <a:endParaRPr lang="pt-PT"/>
           </a:p>
@@ -2393,7 +2869,7 @@
           <a:p>
             <a:fld id="{D3D2C362-FAA5-4C55-BE02-652F59C753E4}" type="datetimeFigureOut">
               <a:rPr lang="pt-PT" smtClean="0"/>
-              <a:t>25/05/2019</a:t>
+              <a:t>27/05/2019</a:t>
             </a:fld>
             <a:endParaRPr lang="pt-PT"/>
           </a:p>
@@ -2772,7 +3248,7 @@
           <a:p>
             <a:fld id="{D3D2C362-FAA5-4C55-BE02-652F59C753E4}" type="datetimeFigureOut">
               <a:rPr lang="pt-PT" smtClean="0"/>
-              <a:t>25/05/2019</a:t>
+              <a:t>27/05/2019</a:t>
             </a:fld>
             <a:endParaRPr lang="pt-PT"/>
           </a:p>
@@ -2890,7 +3366,7 @@
           <a:p>
             <a:fld id="{D3D2C362-FAA5-4C55-BE02-652F59C753E4}" type="datetimeFigureOut">
               <a:rPr lang="pt-PT" smtClean="0"/>
-              <a:t>25/05/2019</a:t>
+              <a:t>27/05/2019</a:t>
             </a:fld>
             <a:endParaRPr lang="pt-PT"/>
           </a:p>
@@ -3061,7 +3537,7 @@
           <a:p>
             <a:fld id="{D3D2C362-FAA5-4C55-BE02-652F59C753E4}" type="datetimeFigureOut">
               <a:rPr lang="pt-PT" smtClean="0"/>
-              <a:t>25/05/2019</a:t>
+              <a:t>27/05/2019</a:t>
             </a:fld>
             <a:endParaRPr lang="pt-PT"/>
           </a:p>
@@ -3415,7 +3891,7 @@
           <a:p>
             <a:fld id="{D3D2C362-FAA5-4C55-BE02-652F59C753E4}" type="datetimeFigureOut">
               <a:rPr lang="pt-PT" smtClean="0"/>
-              <a:t>25/05/2019</a:t>
+              <a:t>27/05/2019</a:t>
             </a:fld>
             <a:endParaRPr lang="pt-PT"/>
           </a:p>
@@ -3797,7 +4273,7 @@
           <a:p>
             <a:fld id="{D3D2C362-FAA5-4C55-BE02-652F59C753E4}" type="datetimeFigureOut">
               <a:rPr lang="pt-PT" smtClean="0"/>
-              <a:t>25/05/2019</a:t>
+              <a:t>27/05/2019</a:t>
             </a:fld>
             <a:endParaRPr lang="pt-PT"/>
           </a:p>
@@ -4084,7 +4560,7 @@
           <a:p>
             <a:fld id="{D3D2C362-FAA5-4C55-BE02-652F59C753E4}" type="datetimeFigureOut">
               <a:rPr lang="pt-PT" smtClean="0"/>
-              <a:t>25/05/2019</a:t>
+              <a:t>27/05/2019</a:t>
             </a:fld>
             <a:endParaRPr lang="pt-PT"/>
           </a:p>
@@ -4935,6 +5411,468 @@
       </p:sp>
       <p:sp>
         <p:nvSpPr>
+          <p:cNvPr id="20" name="Marcador de Posição de Conteúdo 19">
+            <a:extLst>
+              <a:ext uri="{FF2B5EF4-FFF2-40B4-BE49-F238E27FC236}">
+                <a16:creationId xmlns:a16="http://schemas.microsoft.com/office/drawing/2014/main" id="{E6D76E72-3E5E-4298-ADA6-0607B4B80320}"/>
+              </a:ext>
+            </a:extLst>
+          </p:cNvPr>
+          <p:cNvSpPr>
+            <a:spLocks noGrp="1"/>
+          </p:cNvSpPr>
+          <p:nvPr>
+            <p:ph idx="1"/>
+          </p:nvPr>
+        </p:nvSpPr>
+        <p:spPr>
+          <a:xfrm>
+            <a:off x="4800600" y="1911352"/>
+            <a:ext cx="6492240" cy="4077967"/>
+          </a:xfrm>
+        </p:spPr>
+        <p:txBody>
+          <a:bodyPr/>
+          <a:lstStyle/>
+          <a:p>
+            <a:endParaRPr lang="pt-PT" dirty="0"/>
+          </a:p>
+        </p:txBody>
+      </p:sp>
+      <p:pic>
+        <p:nvPicPr>
+          <p:cNvPr id="22" name="Marcador de Posição de Conteúdo 9" descr="Uma imagem com captura de ecrã&#10;&#10;Descrição gerada automaticamente">
+            <a:extLst>
+              <a:ext uri="{FF2B5EF4-FFF2-40B4-BE49-F238E27FC236}">
+                <a16:creationId xmlns:a16="http://schemas.microsoft.com/office/drawing/2014/main" id="{50375737-C7DA-43B7-A2F5-C20ED74572B3}"/>
+              </a:ext>
+            </a:extLst>
+          </p:cNvPr>
+          <p:cNvPicPr>
+            <a:picLocks noChangeAspect="1"/>
+          </p:cNvPicPr>
+          <p:nvPr/>
+        </p:nvPicPr>
+        <p:blipFill>
+          <a:blip r:embed="rId2">
+            <a:extLst>
+              <a:ext uri="{28A0092B-C50C-407E-A947-70E740481C1C}">
+                <a14:useLocalDpi xmlns:a14="http://schemas.microsoft.com/office/drawing/2010/main" val="0"/>
+              </a:ext>
+            </a:extLst>
+          </a:blip>
+          <a:stretch>
+            <a:fillRect/>
+          </a:stretch>
+        </p:blipFill>
+        <p:spPr>
+          <a:xfrm>
+            <a:off x="4696327" y="252372"/>
+            <a:ext cx="6625388" cy="6353255"/>
+          </a:xfrm>
+          <a:prstGeom prst="rect">
+            <a:avLst/>
+          </a:prstGeom>
+        </p:spPr>
+      </p:pic>
+      <p:sp>
+        <p:nvSpPr>
+          <p:cNvPr id="17" name="Retângulo 16">
+            <a:extLst>
+              <a:ext uri="{FF2B5EF4-FFF2-40B4-BE49-F238E27FC236}">
+                <a16:creationId xmlns:a16="http://schemas.microsoft.com/office/drawing/2014/main" id="{33E9C5B0-2D92-4B6A-9A94-54E23E51FA04}"/>
+              </a:ext>
+            </a:extLst>
+          </p:cNvPr>
+          <p:cNvSpPr/>
+          <p:nvPr/>
+        </p:nvSpPr>
+        <p:spPr>
+          <a:xfrm>
+            <a:off x="7772400" y="2233613"/>
+            <a:ext cx="166688" cy="138112"/>
+          </a:xfrm>
+          <a:prstGeom prst="rect">
+            <a:avLst/>
+          </a:prstGeom>
+          <a:solidFill>
+            <a:schemeClr val="bg1"/>
+          </a:solidFill>
+          <a:ln>
+            <a:solidFill>
+              <a:schemeClr val="bg1"/>
+            </a:solidFill>
+          </a:ln>
+        </p:spPr>
+        <p:style>
+          <a:lnRef idx="2">
+            <a:schemeClr val="accent1">
+              <a:shade val="50000"/>
+            </a:schemeClr>
+          </a:lnRef>
+          <a:fillRef idx="1">
+            <a:schemeClr val="accent1"/>
+          </a:fillRef>
+          <a:effectRef idx="0">
+            <a:schemeClr val="accent1"/>
+          </a:effectRef>
+          <a:fontRef idx="minor">
+            <a:schemeClr val="lt1"/>
+          </a:fontRef>
+        </p:style>
+        <p:txBody>
+          <a:bodyPr rtlCol="0" anchor="ctr"/>
+          <a:lstStyle/>
+          <a:p>
+            <a:pPr algn="ctr"/>
+            <a:endParaRPr lang="pt-PT"/>
+          </a:p>
+        </p:txBody>
+      </p:sp>
+      <p:cxnSp>
+        <p:nvCxnSpPr>
+          <p:cNvPr id="19" name="Conexão reta unidirecional 18">
+            <a:extLst>
+              <a:ext uri="{FF2B5EF4-FFF2-40B4-BE49-F238E27FC236}">
+                <a16:creationId xmlns:a16="http://schemas.microsoft.com/office/drawing/2014/main" id="{B1A1F4BA-9D68-4455-93BE-D4DBE505ACE6}"/>
+              </a:ext>
+            </a:extLst>
+          </p:cNvPr>
+          <p:cNvCxnSpPr>
+            <a:cxnSpLocks/>
+          </p:cNvCxnSpPr>
+          <p:nvPr/>
+        </p:nvCxnSpPr>
+        <p:spPr>
+          <a:xfrm flipH="1">
+            <a:off x="7735195" y="2301431"/>
+            <a:ext cx="1376362" cy="0"/>
+          </a:xfrm>
+          <a:prstGeom prst="straightConnector1">
+            <a:avLst/>
+          </a:prstGeom>
+          <a:ln w="28575">
+            <a:solidFill>
+              <a:srgbClr val="FF3300"/>
+            </a:solidFill>
+            <a:tailEnd type="triangle"/>
+          </a:ln>
+          <a:effectLst>
+            <a:glow rad="63500">
+              <a:schemeClr val="accent2">
+                <a:satMod val="175000"/>
+                <a:alpha val="40000"/>
+              </a:schemeClr>
+            </a:glow>
+          </a:effectLst>
+        </p:spPr>
+        <p:style>
+          <a:lnRef idx="1">
+            <a:schemeClr val="accent1"/>
+          </a:lnRef>
+          <a:fillRef idx="0">
+            <a:schemeClr val="accent1"/>
+          </a:fillRef>
+          <a:effectRef idx="0">
+            <a:schemeClr val="accent1"/>
+          </a:effectRef>
+          <a:fontRef idx="minor">
+            <a:schemeClr val="tx1"/>
+          </a:fontRef>
+        </p:style>
+      </p:cxnSp>
+    </p:spTree>
+    <p:extLst>
+      <p:ext uri="{BB962C8B-B14F-4D97-AF65-F5344CB8AC3E}">
+        <p14:creationId xmlns:p14="http://schemas.microsoft.com/office/powerpoint/2010/main" val="3176708937"/>
+      </p:ext>
+    </p:extLst>
+  </p:cSld>
+  <p:clrMapOvr>
+    <a:masterClrMapping/>
+  </p:clrMapOvr>
+</p:sld>
+</file>
+
+<file path=ppt/slides/slide11.xml><?xml version="1.0" encoding="utf-8"?>
+<p:sld xmlns:a="http://schemas.openxmlformats.org/drawingml/2006/main" xmlns:r="http://schemas.openxmlformats.org/officeDocument/2006/relationships" xmlns:p="http://schemas.openxmlformats.org/presentationml/2006/main">
+  <p:cSld>
+    <p:spTree>
+      <p:nvGrpSpPr>
+        <p:cNvPr id="1" name=""/>
+        <p:cNvGrpSpPr/>
+        <p:nvPr/>
+      </p:nvGrpSpPr>
+      <p:grpSpPr>
+        <a:xfrm>
+          <a:off x="0" y="0"/>
+          <a:ext cx="0" cy="0"/>
+          <a:chOff x="0" y="0"/>
+          <a:chExt cx="0" cy="0"/>
+        </a:xfrm>
+      </p:grpSpPr>
+      <p:sp>
+        <p:nvSpPr>
+          <p:cNvPr id="2" name="Título 1">
+            <a:extLst>
+              <a:ext uri="{FF2B5EF4-FFF2-40B4-BE49-F238E27FC236}">
+                <a16:creationId xmlns:a16="http://schemas.microsoft.com/office/drawing/2014/main" id="{D7D5C487-DAE2-4B7D-BFE9-AF4871322A8E}"/>
+              </a:ext>
+            </a:extLst>
+          </p:cNvPr>
+          <p:cNvSpPr>
+            <a:spLocks noGrp="1"/>
+          </p:cNvSpPr>
+          <p:nvPr>
+            <p:ph type="title"/>
+          </p:nvPr>
+        </p:nvSpPr>
+        <p:spPr/>
+        <p:txBody>
+          <a:bodyPr/>
+          <a:lstStyle/>
+          <a:p>
+            <a:r>
+              <a:rPr lang="pt-PT" dirty="0"/>
+              <a:t>Funcionamento do Sistema</a:t>
+            </a:r>
+          </a:p>
+        </p:txBody>
+      </p:sp>
+      <p:sp>
+        <p:nvSpPr>
+          <p:cNvPr id="20" name="Marcador de Posição de Conteúdo 19">
+            <a:extLst>
+              <a:ext uri="{FF2B5EF4-FFF2-40B4-BE49-F238E27FC236}">
+                <a16:creationId xmlns:a16="http://schemas.microsoft.com/office/drawing/2014/main" id="{E6D76E72-3E5E-4298-ADA6-0607B4B80320}"/>
+              </a:ext>
+            </a:extLst>
+          </p:cNvPr>
+          <p:cNvSpPr>
+            <a:spLocks noGrp="1"/>
+          </p:cNvSpPr>
+          <p:nvPr>
+            <p:ph idx="1"/>
+          </p:nvPr>
+        </p:nvSpPr>
+        <p:spPr>
+          <a:xfrm>
+            <a:off x="4800600" y="1911352"/>
+            <a:ext cx="6492240" cy="4077967"/>
+          </a:xfrm>
+        </p:spPr>
+        <p:txBody>
+          <a:bodyPr/>
+          <a:lstStyle/>
+          <a:p>
+            <a:endParaRPr lang="pt-PT" dirty="0"/>
+          </a:p>
+        </p:txBody>
+      </p:sp>
+      <p:pic>
+        <p:nvPicPr>
+          <p:cNvPr id="22" name="Marcador de Posição de Conteúdo 9" descr="Uma imagem com captura de ecrã&#10;&#10;Descrição gerada automaticamente">
+            <a:extLst>
+              <a:ext uri="{FF2B5EF4-FFF2-40B4-BE49-F238E27FC236}">
+                <a16:creationId xmlns:a16="http://schemas.microsoft.com/office/drawing/2014/main" id="{50375737-C7DA-43B7-A2F5-C20ED74572B3}"/>
+              </a:ext>
+            </a:extLst>
+          </p:cNvPr>
+          <p:cNvPicPr>
+            <a:picLocks noChangeAspect="1"/>
+          </p:cNvPicPr>
+          <p:nvPr/>
+        </p:nvPicPr>
+        <p:blipFill>
+          <a:blip r:embed="rId2">
+            <a:extLst>
+              <a:ext uri="{28A0092B-C50C-407E-A947-70E740481C1C}">
+                <a14:useLocalDpi xmlns:a14="http://schemas.microsoft.com/office/drawing/2010/main" val="0"/>
+              </a:ext>
+            </a:extLst>
+          </a:blip>
+          <a:stretch>
+            <a:fillRect/>
+          </a:stretch>
+        </p:blipFill>
+        <p:spPr>
+          <a:xfrm>
+            <a:off x="4696327" y="252372"/>
+            <a:ext cx="6625388" cy="6353255"/>
+          </a:xfrm>
+          <a:prstGeom prst="rect">
+            <a:avLst/>
+          </a:prstGeom>
+        </p:spPr>
+      </p:pic>
+      <p:sp>
+        <p:nvSpPr>
+          <p:cNvPr id="9" name="Retângulo 8">
+            <a:extLst>
+              <a:ext uri="{FF2B5EF4-FFF2-40B4-BE49-F238E27FC236}">
+                <a16:creationId xmlns:a16="http://schemas.microsoft.com/office/drawing/2014/main" id="{0328868E-BE98-426E-ACAC-2E1D7B160452}"/>
+              </a:ext>
+            </a:extLst>
+          </p:cNvPr>
+          <p:cNvSpPr/>
+          <p:nvPr/>
+        </p:nvSpPr>
+        <p:spPr>
+          <a:xfrm>
+            <a:off x="7915450" y="914400"/>
+            <a:ext cx="218783" cy="157075"/>
+          </a:xfrm>
+          <a:prstGeom prst="rect">
+            <a:avLst/>
+          </a:prstGeom>
+          <a:solidFill>
+            <a:schemeClr val="bg1"/>
+          </a:solidFill>
+          <a:ln>
+            <a:solidFill>
+              <a:schemeClr val="bg1"/>
+            </a:solidFill>
+          </a:ln>
+        </p:spPr>
+        <p:style>
+          <a:lnRef idx="2">
+            <a:schemeClr val="accent1">
+              <a:shade val="50000"/>
+            </a:schemeClr>
+          </a:lnRef>
+          <a:fillRef idx="1">
+            <a:schemeClr val="accent1"/>
+          </a:fillRef>
+          <a:effectRef idx="0">
+            <a:schemeClr val="accent1"/>
+          </a:effectRef>
+          <a:fontRef idx="minor">
+            <a:schemeClr val="lt1"/>
+          </a:fontRef>
+        </p:style>
+        <p:txBody>
+          <a:bodyPr rtlCol="0" anchor="ctr"/>
+          <a:lstStyle/>
+          <a:p>
+            <a:pPr algn="ctr"/>
+            <a:endParaRPr lang="pt-PT"/>
+          </a:p>
+        </p:txBody>
+      </p:sp>
+      <p:cxnSp>
+        <p:nvCxnSpPr>
+          <p:cNvPr id="8" name="Conexão: Ângulo Reto 7">
+            <a:extLst>
+              <a:ext uri="{FF2B5EF4-FFF2-40B4-BE49-F238E27FC236}">
+                <a16:creationId xmlns:a16="http://schemas.microsoft.com/office/drawing/2014/main" id="{C02C7A4A-4398-43CF-9D60-0174ED2493C3}"/>
+              </a:ext>
+            </a:extLst>
+          </p:cNvPr>
+          <p:cNvCxnSpPr>
+            <a:cxnSpLocks/>
+          </p:cNvCxnSpPr>
+          <p:nvPr/>
+        </p:nvCxnSpPr>
+        <p:spPr>
+          <a:xfrm rot="5400000" flipH="1" flipV="1">
+            <a:off x="7207496" y="1105415"/>
+            <a:ext cx="1042670" cy="569205"/>
+          </a:xfrm>
+          <a:prstGeom prst="bentConnector3">
+            <a:avLst>
+              <a:gd name="adj1" fmla="val 33321"/>
+            </a:avLst>
+          </a:prstGeom>
+          <a:ln w="28575">
+            <a:solidFill>
+              <a:srgbClr val="FF3300"/>
+            </a:solidFill>
+            <a:tailEnd type="triangle"/>
+          </a:ln>
+          <a:effectLst>
+            <a:glow rad="63500">
+              <a:schemeClr val="accent2">
+                <a:satMod val="175000"/>
+                <a:alpha val="40000"/>
+              </a:schemeClr>
+            </a:glow>
+          </a:effectLst>
+        </p:spPr>
+        <p:style>
+          <a:lnRef idx="1">
+            <a:schemeClr val="accent1"/>
+          </a:lnRef>
+          <a:fillRef idx="0">
+            <a:schemeClr val="accent1"/>
+          </a:fillRef>
+          <a:effectRef idx="0">
+            <a:schemeClr val="accent1"/>
+          </a:effectRef>
+          <a:fontRef idx="minor">
+            <a:schemeClr val="tx1"/>
+          </a:fontRef>
+        </p:style>
+      </p:cxnSp>
+    </p:spTree>
+    <p:extLst>
+      <p:ext uri="{BB962C8B-B14F-4D97-AF65-F5344CB8AC3E}">
+        <p14:creationId xmlns:p14="http://schemas.microsoft.com/office/powerpoint/2010/main" val="907343855"/>
+      </p:ext>
+    </p:extLst>
+  </p:cSld>
+  <p:clrMapOvr>
+    <a:masterClrMapping/>
+  </p:clrMapOvr>
+</p:sld>
+</file>
+
+<file path=ppt/slides/slide12.xml><?xml version="1.0" encoding="utf-8"?>
+<p:sld xmlns:a="http://schemas.openxmlformats.org/drawingml/2006/main" xmlns:r="http://schemas.openxmlformats.org/officeDocument/2006/relationships" xmlns:p="http://schemas.openxmlformats.org/presentationml/2006/main">
+  <p:cSld>
+    <p:spTree>
+      <p:nvGrpSpPr>
+        <p:cNvPr id="1" name=""/>
+        <p:cNvGrpSpPr/>
+        <p:nvPr/>
+      </p:nvGrpSpPr>
+      <p:grpSpPr>
+        <a:xfrm>
+          <a:off x="0" y="0"/>
+          <a:ext cx="0" cy="0"/>
+          <a:chOff x="0" y="0"/>
+          <a:chExt cx="0" cy="0"/>
+        </a:xfrm>
+      </p:grpSpPr>
+      <p:sp>
+        <p:nvSpPr>
+          <p:cNvPr id="2" name="Título 1">
+            <a:extLst>
+              <a:ext uri="{FF2B5EF4-FFF2-40B4-BE49-F238E27FC236}">
+                <a16:creationId xmlns:a16="http://schemas.microsoft.com/office/drawing/2014/main" id="{D7D5C487-DAE2-4B7D-BFE9-AF4871322A8E}"/>
+              </a:ext>
+            </a:extLst>
+          </p:cNvPr>
+          <p:cNvSpPr>
+            <a:spLocks noGrp="1"/>
+          </p:cNvSpPr>
+          <p:nvPr>
+            <p:ph type="title"/>
+          </p:nvPr>
+        </p:nvSpPr>
+        <p:spPr/>
+        <p:txBody>
+          <a:bodyPr/>
+          <a:lstStyle/>
+          <a:p>
+            <a:r>
+              <a:rPr lang="pt-PT" dirty="0"/>
+              <a:t>Funcionamento do Sistema</a:t>
+            </a:r>
+          </a:p>
+        </p:txBody>
+      </p:sp>
+      <p:sp>
+        <p:nvSpPr>
           <p:cNvPr id="4" name="Marcador de Posição do Texto 3">
             <a:extLst>
               <a:ext uri="{FF2B5EF4-FFF2-40B4-BE49-F238E27FC236}">
@@ -4964,6 +5902,33 @@
             <a:r>
               <a:rPr lang="pt-PT" sz="1600" dirty="0"/>
               <a:t>Leonardo: Então, foste de férias? Vamos lá praticar!😀</a:t>
+            </a:r>
+          </a:p>
+          <a:p>
+            <a:r>
+              <a:rPr lang="pt-PT" sz="1600" dirty="0"/>
+              <a:t>Utilizador: - 'Bora lá!</a:t>
+            </a:r>
+            <a:br>
+              <a:rPr lang="pt-PT" sz="1600" dirty="0"/>
+            </a:br>
+            <a:r>
+              <a:rPr lang="pt-PT" sz="1600" dirty="0"/>
+              <a:t>	- Preciso de estudar. Adeus.</a:t>
+            </a:r>
+            <a:br>
+              <a:rPr lang="pt-PT" sz="1600" dirty="0"/>
+            </a:br>
+            <a:r>
+              <a:rPr lang="pt-PT" sz="1600" dirty="0"/>
+              <a:t>	- Tem mesmo que ser? </a:t>
+            </a:r>
+            <a:br>
+              <a:rPr lang="pt-PT" sz="1600" dirty="0"/>
+            </a:br>
+            <a:r>
+              <a:rPr lang="pt-PT" sz="1600" dirty="0"/>
+              <a:t>	</a:t>
             </a:r>
           </a:p>
         </p:txBody>
@@ -5047,7 +6012,7 @@
 </p:sld>
 </file>
 
-<file path=ppt/slides/slide11.xml><?xml version="1.0" encoding="utf-8"?>
+<file path=ppt/slides/slide13.xml><?xml version="1.0" encoding="utf-8"?>
 <p:sld xmlns:a="http://schemas.openxmlformats.org/drawingml/2006/main" xmlns:r="http://schemas.openxmlformats.org/officeDocument/2006/relationships" xmlns:p="http://schemas.openxmlformats.org/presentationml/2006/main">
   <p:cSld>
     <p:spTree>
@@ -5656,6 +6621,235 @@
           <p:cNvPr id="2" name="Título 1">
             <a:extLst>
               <a:ext uri="{FF2B5EF4-FFF2-40B4-BE49-F238E27FC236}">
+                <a16:creationId xmlns:a16="http://schemas.microsoft.com/office/drawing/2014/main" id="{D6A7957C-DC5E-4548-8077-D8829D44F171}"/>
+              </a:ext>
+            </a:extLst>
+          </p:cNvPr>
+          <p:cNvSpPr>
+            <a:spLocks noGrp="1"/>
+          </p:cNvSpPr>
+          <p:nvPr>
+            <p:ph type="title"/>
+          </p:nvPr>
+        </p:nvSpPr>
+        <p:spPr>
+          <a:xfrm>
+            <a:off x="633999" y="4550229"/>
+            <a:ext cx="10909073" cy="1057655"/>
+          </a:xfrm>
+        </p:spPr>
+        <p:txBody>
+          <a:bodyPr vert="horz" lIns="91440" tIns="45720" rIns="91440" bIns="45720" rtlCol="0" anchor="b">
+            <a:normAutofit/>
+          </a:bodyPr>
+          <a:lstStyle/>
+          <a:p>
+            <a:r>
+              <a:rPr lang="en-US" sz="6000">
+                <a:solidFill>
+                  <a:schemeClr val="tx1">
+                    <a:lumMod val="85000"/>
+                    <a:lumOff val="15000"/>
+                  </a:schemeClr>
+                </a:solidFill>
+              </a:rPr>
+              <a:t>Recursos Computacionais</a:t>
+            </a:r>
+          </a:p>
+        </p:txBody>
+      </p:sp>
+      <p:pic>
+        <p:nvPicPr>
+          <p:cNvPr id="11" name="Imagem 10" descr="Uma imagem com objeto&#10;&#10;Descrição gerada automaticamente">
+            <a:extLst>
+              <a:ext uri="{FF2B5EF4-FFF2-40B4-BE49-F238E27FC236}">
+                <a16:creationId xmlns:a16="http://schemas.microsoft.com/office/drawing/2014/main" id="{56C23E1A-3E18-429C-9802-D27661FD0B1C}"/>
+              </a:ext>
+            </a:extLst>
+          </p:cNvPr>
+          <p:cNvPicPr>
+            <a:picLocks noChangeAspect="1"/>
+          </p:cNvPicPr>
+          <p:nvPr/>
+        </p:nvPicPr>
+        <p:blipFill>
+          <a:blip r:embed="rId3">
+            <a:extLst>
+              <a:ext uri="{28A0092B-C50C-407E-A947-70E740481C1C}">
+                <a14:useLocalDpi xmlns:a14="http://schemas.microsoft.com/office/drawing/2010/main" val="0"/>
+              </a:ext>
+            </a:extLst>
+          </a:blip>
+          <a:stretch>
+            <a:fillRect/>
+          </a:stretch>
+        </p:blipFill>
+        <p:spPr>
+          <a:xfrm>
+            <a:off x="635458" y="1820226"/>
+            <a:ext cx="2484888" cy="1242444"/>
+          </a:xfrm>
+          <a:prstGeom prst="rect">
+            <a:avLst/>
+          </a:prstGeom>
+        </p:spPr>
+      </p:pic>
+      <p:pic>
+        <p:nvPicPr>
+          <p:cNvPr id="1026" name="Picture 2" descr="Resultado de imagem para nltk">
+            <a:extLst>
+              <a:ext uri="{FF2B5EF4-FFF2-40B4-BE49-F238E27FC236}">
+                <a16:creationId xmlns:a16="http://schemas.microsoft.com/office/drawing/2014/main" id="{9738948D-D64D-4C6B-8A63-54529E749186}"/>
+              </a:ext>
+            </a:extLst>
+          </p:cNvPr>
+          <p:cNvPicPr>
+            <a:picLocks noChangeAspect="1" noChangeArrowheads="1"/>
+          </p:cNvPicPr>
+          <p:nvPr/>
+        </p:nvPicPr>
+        <p:blipFill>
+          <a:blip r:embed="rId4">
+            <a:extLst>
+              <a:ext uri="{28A0092B-C50C-407E-A947-70E740481C1C}">
+                <a14:useLocalDpi xmlns:a14="http://schemas.microsoft.com/office/drawing/2010/main" val="0"/>
+              </a:ext>
+            </a:extLst>
+          </a:blip>
+          <a:stretch>
+            <a:fillRect/>
+          </a:stretch>
+        </p:blipFill>
+        <p:spPr bwMode="auto">
+          <a:xfrm>
+            <a:off x="3436064" y="1794381"/>
+            <a:ext cx="2476811" cy="1294133"/>
+          </a:xfrm>
+          <a:prstGeom prst="rect">
+            <a:avLst/>
+          </a:prstGeom>
+          <a:noFill/>
+          <a:extLst>
+            <a:ext uri="{909E8E84-426E-40DD-AFC4-6F175D3DCCD1}">
+              <a14:hiddenFill xmlns:a14="http://schemas.microsoft.com/office/drawing/2010/main">
+                <a:solidFill>
+                  <a:srgbClr val="FFFFFF"/>
+                </a:solidFill>
+              </a14:hiddenFill>
+            </a:ext>
+          </a:extLst>
+        </p:spPr>
+      </p:pic>
+      <p:pic>
+        <p:nvPicPr>
+          <p:cNvPr id="5" name="Imagem 4" descr="Uma imagem com ClipArt&#10;&#10;Descrição gerada automaticamente">
+            <a:extLst>
+              <a:ext uri="{FF2B5EF4-FFF2-40B4-BE49-F238E27FC236}">
+                <a16:creationId xmlns:a16="http://schemas.microsoft.com/office/drawing/2014/main" id="{314C4566-E3D5-4C54-8686-5B9ECE2D9E35}"/>
+              </a:ext>
+            </a:extLst>
+          </p:cNvPr>
+          <p:cNvPicPr>
+            <a:picLocks noChangeAspect="1"/>
+          </p:cNvPicPr>
+          <p:nvPr/>
+        </p:nvPicPr>
+        <p:blipFill>
+          <a:blip r:embed="rId5">
+            <a:extLst>
+              <a:ext uri="{28A0092B-C50C-407E-A947-70E740481C1C}">
+                <a14:useLocalDpi xmlns:a14="http://schemas.microsoft.com/office/drawing/2010/main" val="0"/>
+              </a:ext>
+            </a:extLst>
+          </a:blip>
+          <a:stretch>
+            <a:fillRect/>
+          </a:stretch>
+        </p:blipFill>
+        <p:spPr>
+          <a:xfrm>
+            <a:off x="6228593" y="2111051"/>
+            <a:ext cx="2511016" cy="660793"/>
+          </a:xfrm>
+          <a:prstGeom prst="rect">
+            <a:avLst/>
+          </a:prstGeom>
+        </p:spPr>
+      </p:pic>
+      <p:pic>
+        <p:nvPicPr>
+          <p:cNvPr id="7" name="Imagem 6">
+            <a:extLst>
+              <a:ext uri="{FF2B5EF4-FFF2-40B4-BE49-F238E27FC236}">
+                <a16:creationId xmlns:a16="http://schemas.microsoft.com/office/drawing/2014/main" id="{896B0D0B-613F-40CF-9E5B-ED2D0E0E299E}"/>
+              </a:ext>
+            </a:extLst>
+          </p:cNvPr>
+          <p:cNvPicPr>
+            <a:picLocks noChangeAspect="1"/>
+          </p:cNvPicPr>
+          <p:nvPr/>
+        </p:nvPicPr>
+        <p:blipFill>
+          <a:blip r:embed="rId6">
+            <a:extLst>
+              <a:ext uri="{28A0092B-C50C-407E-A947-70E740481C1C}">
+                <a14:useLocalDpi xmlns:a14="http://schemas.microsoft.com/office/drawing/2010/main" val="0"/>
+              </a:ext>
+            </a:extLst>
+          </a:blip>
+          <a:stretch>
+            <a:fillRect/>
+          </a:stretch>
+        </p:blipFill>
+        <p:spPr>
+          <a:xfrm>
+            <a:off x="9055327" y="1846552"/>
+            <a:ext cx="2487746" cy="1189791"/>
+          </a:xfrm>
+          <a:prstGeom prst="rect">
+            <a:avLst/>
+          </a:prstGeom>
+        </p:spPr>
+      </p:pic>
+    </p:spTree>
+    <p:extLst>
+      <p:ext uri="{BB962C8B-B14F-4D97-AF65-F5344CB8AC3E}">
+        <p14:creationId xmlns:p14="http://schemas.microsoft.com/office/powerpoint/2010/main" val="1279032532"/>
+      </p:ext>
+    </p:extLst>
+  </p:cSld>
+  <p:clrMapOvr>
+    <a:masterClrMapping/>
+  </p:clrMapOvr>
+  <p:transition spd="slow">
+    <p:cover/>
+  </p:transition>
+</p:sld>
+</file>
+
+<file path=ppt/slides/slide5.xml><?xml version="1.0" encoding="utf-8"?>
+<p:sld xmlns:a="http://schemas.openxmlformats.org/drawingml/2006/main" xmlns:r="http://schemas.openxmlformats.org/officeDocument/2006/relationships" xmlns:p="http://schemas.openxmlformats.org/presentationml/2006/main">
+  <p:cSld>
+    <p:spTree>
+      <p:nvGrpSpPr>
+        <p:cNvPr id="1" name=""/>
+        <p:cNvGrpSpPr/>
+        <p:nvPr/>
+      </p:nvGrpSpPr>
+      <p:grpSpPr>
+        <a:xfrm>
+          <a:off x="0" y="0"/>
+          <a:ext cx="0" cy="0"/>
+          <a:chOff x="0" y="0"/>
+          <a:chExt cx="0" cy="0"/>
+        </a:xfrm>
+      </p:grpSpPr>
+      <p:sp>
+        <p:nvSpPr>
+          <p:cNvPr id="2" name="Título 1">
+            <a:extLst>
+              <a:ext uri="{FF2B5EF4-FFF2-40B4-BE49-F238E27FC236}">
                 <a16:creationId xmlns:a16="http://schemas.microsoft.com/office/drawing/2014/main" id="{D7D5C487-DAE2-4B7D-BFE9-AF4871322A8E}"/>
               </a:ext>
             </a:extLst>
@@ -5752,7 +6946,7 @@
 </p:sld>
 </file>
 
-<file path=ppt/slides/slide5.xml><?xml version="1.0" encoding="utf-8"?>
+<file path=ppt/slides/slide6.xml><?xml version="1.0" encoding="utf-8"?>
 <p:sld xmlns:a="http://schemas.openxmlformats.org/drawingml/2006/main" xmlns:r="http://schemas.openxmlformats.org/officeDocument/2006/relationships" xmlns:p="http://schemas.openxmlformats.org/presentationml/2006/main">
   <p:cSld>
     <p:spTree>
@@ -6159,7 +7353,7 @@
 </p:sld>
 </file>
 
-<file path=ppt/slides/slide6.xml><?xml version="1.0" encoding="utf-8"?>
+<file path=ppt/slides/slide7.xml><?xml version="1.0" encoding="utf-8"?>
 <p:sld xmlns:a="http://schemas.openxmlformats.org/drawingml/2006/main" xmlns:r="http://schemas.openxmlformats.org/officeDocument/2006/relationships" xmlns:p="http://schemas.openxmlformats.org/presentationml/2006/main">
   <p:cSld>
     <p:spTree>
@@ -6411,6 +7605,1679 @@
             <a:r>
               <a:rPr lang="sv-SE" sz="5200" dirty="0"/>
               <a:t>                    "123456", "4", "4", "3", "4", "3", "1"]</a:t>
+            </a:r>
+          </a:p>
+        </p:txBody>
+      </p:sp>
+      <p:sp>
+        <p:nvSpPr>
+          <p:cNvPr id="20" name="Marcador de Posição de Conteúdo 19">
+            <a:extLst>
+              <a:ext uri="{FF2B5EF4-FFF2-40B4-BE49-F238E27FC236}">
+                <a16:creationId xmlns:a16="http://schemas.microsoft.com/office/drawing/2014/main" id="{E6D76E72-3E5E-4298-ADA6-0607B4B80320}"/>
+              </a:ext>
+            </a:extLst>
+          </p:cNvPr>
+          <p:cNvSpPr>
+            <a:spLocks noGrp="1"/>
+          </p:cNvSpPr>
+          <p:nvPr>
+            <p:ph idx="1"/>
+          </p:nvPr>
+        </p:nvSpPr>
+        <p:spPr>
+          <a:xfrm>
+            <a:off x="4800600" y="1911352"/>
+            <a:ext cx="6492240" cy="4077967"/>
+          </a:xfrm>
+        </p:spPr>
+        <p:txBody>
+          <a:bodyPr/>
+          <a:lstStyle/>
+          <a:p>
+            <a:endParaRPr lang="pt-PT" dirty="0"/>
+          </a:p>
+        </p:txBody>
+      </p:sp>
+      <p:pic>
+        <p:nvPicPr>
+          <p:cNvPr id="22" name="Marcador de Posição de Conteúdo 9" descr="Uma imagem com captura de ecrã&#10;&#10;Descrição gerada automaticamente">
+            <a:extLst>
+              <a:ext uri="{FF2B5EF4-FFF2-40B4-BE49-F238E27FC236}">
+                <a16:creationId xmlns:a16="http://schemas.microsoft.com/office/drawing/2014/main" id="{50375737-C7DA-43B7-A2F5-C20ED74572B3}"/>
+              </a:ext>
+            </a:extLst>
+          </p:cNvPr>
+          <p:cNvPicPr>
+            <a:picLocks noChangeAspect="1"/>
+          </p:cNvPicPr>
+          <p:nvPr/>
+        </p:nvPicPr>
+        <p:blipFill>
+          <a:blip r:embed="rId3">
+            <a:extLst>
+              <a:ext uri="{28A0092B-C50C-407E-A947-70E740481C1C}">
+                <a14:useLocalDpi xmlns:a14="http://schemas.microsoft.com/office/drawing/2010/main" val="0"/>
+              </a:ext>
+            </a:extLst>
+          </a:blip>
+          <a:stretch>
+            <a:fillRect/>
+          </a:stretch>
+        </p:blipFill>
+        <p:spPr>
+          <a:xfrm>
+            <a:off x="4696327" y="252372"/>
+            <a:ext cx="6625388" cy="6353255"/>
+          </a:xfrm>
+          <a:prstGeom prst="rect">
+            <a:avLst/>
+          </a:prstGeom>
+        </p:spPr>
+      </p:pic>
+      <p:sp>
+        <p:nvSpPr>
+          <p:cNvPr id="7" name="Retângulo 6">
+            <a:extLst>
+              <a:ext uri="{FF2B5EF4-FFF2-40B4-BE49-F238E27FC236}">
+                <a16:creationId xmlns:a16="http://schemas.microsoft.com/office/drawing/2014/main" id="{CF46BB13-5178-4F11-96EC-F82F2EB82777}"/>
+              </a:ext>
+            </a:extLst>
+          </p:cNvPr>
+          <p:cNvSpPr/>
+          <p:nvPr/>
+        </p:nvSpPr>
+        <p:spPr>
+          <a:xfrm>
+            <a:off x="7001301" y="2586250"/>
+            <a:ext cx="307074" cy="129654"/>
+          </a:xfrm>
+          <a:prstGeom prst="rect">
+            <a:avLst/>
+          </a:prstGeom>
+          <a:solidFill>
+            <a:schemeClr val="bg1"/>
+          </a:solidFill>
+          <a:ln>
+            <a:solidFill>
+              <a:schemeClr val="bg1"/>
+            </a:solidFill>
+          </a:ln>
+        </p:spPr>
+        <p:style>
+          <a:lnRef idx="2">
+            <a:schemeClr val="accent1">
+              <a:shade val="50000"/>
+            </a:schemeClr>
+          </a:lnRef>
+          <a:fillRef idx="1">
+            <a:schemeClr val="accent1"/>
+          </a:fillRef>
+          <a:effectRef idx="0">
+            <a:schemeClr val="accent1"/>
+          </a:effectRef>
+          <a:fontRef idx="minor">
+            <a:schemeClr val="lt1"/>
+          </a:fontRef>
+        </p:style>
+        <p:txBody>
+          <a:bodyPr rtlCol="0" anchor="ctr"/>
+          <a:lstStyle/>
+          <a:p>
+            <a:pPr algn="ctr"/>
+            <a:endParaRPr lang="pt-PT"/>
+          </a:p>
+        </p:txBody>
+      </p:sp>
+      <p:sp>
+        <p:nvSpPr>
+          <p:cNvPr id="8" name="Retângulo 7">
+            <a:extLst>
+              <a:ext uri="{FF2B5EF4-FFF2-40B4-BE49-F238E27FC236}">
+                <a16:creationId xmlns:a16="http://schemas.microsoft.com/office/drawing/2014/main" id="{4BF05FD2-C97E-47AE-9985-44FC3C643217}"/>
+              </a:ext>
+            </a:extLst>
+          </p:cNvPr>
+          <p:cNvSpPr/>
+          <p:nvPr/>
+        </p:nvSpPr>
+        <p:spPr>
+          <a:xfrm>
+            <a:off x="7588157" y="3349860"/>
+            <a:ext cx="143003" cy="328212"/>
+          </a:xfrm>
+          <a:prstGeom prst="rect">
+            <a:avLst/>
+          </a:prstGeom>
+          <a:solidFill>
+            <a:schemeClr val="bg1"/>
+          </a:solidFill>
+          <a:ln>
+            <a:solidFill>
+              <a:schemeClr val="bg1"/>
+            </a:solidFill>
+          </a:ln>
+        </p:spPr>
+        <p:style>
+          <a:lnRef idx="2">
+            <a:schemeClr val="accent1">
+              <a:shade val="50000"/>
+            </a:schemeClr>
+          </a:lnRef>
+          <a:fillRef idx="1">
+            <a:schemeClr val="accent1"/>
+          </a:fillRef>
+          <a:effectRef idx="0">
+            <a:schemeClr val="accent1"/>
+          </a:effectRef>
+          <a:fontRef idx="minor">
+            <a:schemeClr val="lt1"/>
+          </a:fontRef>
+        </p:style>
+        <p:txBody>
+          <a:bodyPr rtlCol="0" anchor="ctr"/>
+          <a:lstStyle/>
+          <a:p>
+            <a:pPr algn="ctr"/>
+            <a:endParaRPr lang="pt-PT"/>
+          </a:p>
+        </p:txBody>
+      </p:sp>
+      <p:cxnSp>
+        <p:nvCxnSpPr>
+          <p:cNvPr id="5" name="Conexão: Ângulo Reto 4">
+            <a:extLst>
+              <a:ext uri="{FF2B5EF4-FFF2-40B4-BE49-F238E27FC236}">
+                <a16:creationId xmlns:a16="http://schemas.microsoft.com/office/drawing/2014/main" id="{02F9A718-A905-4F80-B3B9-E51A1D681EAF}"/>
+              </a:ext>
+            </a:extLst>
+          </p:cNvPr>
+          <p:cNvCxnSpPr>
+            <a:cxnSpLocks/>
+          </p:cNvCxnSpPr>
+          <p:nvPr/>
+        </p:nvCxnSpPr>
+        <p:spPr>
+          <a:xfrm rot="16200000" flipH="1">
+            <a:off x="6922111" y="2753017"/>
+            <a:ext cx="1010775" cy="607328"/>
+          </a:xfrm>
+          <a:prstGeom prst="bentConnector3">
+            <a:avLst>
+              <a:gd name="adj1" fmla="val 99959"/>
+            </a:avLst>
+          </a:prstGeom>
+          <a:ln w="28575">
+            <a:solidFill>
+              <a:srgbClr val="FF3300"/>
+            </a:solidFill>
+            <a:headEnd type="triangle"/>
+            <a:tailEnd type="triangle"/>
+          </a:ln>
+          <a:effectLst>
+            <a:glow rad="63500">
+              <a:schemeClr val="accent2">
+                <a:satMod val="175000"/>
+                <a:alpha val="40000"/>
+              </a:schemeClr>
+            </a:glow>
+          </a:effectLst>
+        </p:spPr>
+        <p:style>
+          <a:lnRef idx="1">
+            <a:schemeClr val="accent1"/>
+          </a:lnRef>
+          <a:fillRef idx="0">
+            <a:schemeClr val="accent1"/>
+          </a:fillRef>
+          <a:effectRef idx="0">
+            <a:schemeClr val="accent1"/>
+          </a:effectRef>
+          <a:fontRef idx="minor">
+            <a:schemeClr val="tx1"/>
+          </a:fontRef>
+        </p:style>
+      </p:cxnSp>
+      <p:sp>
+        <p:nvSpPr>
+          <p:cNvPr id="14" name="Forma livre: Forma 13">
+            <a:extLst>
+              <a:ext uri="{FF2B5EF4-FFF2-40B4-BE49-F238E27FC236}">
+                <a16:creationId xmlns:a16="http://schemas.microsoft.com/office/drawing/2014/main" id="{9C6D7A9A-0BB4-46E1-8024-A43D78ABB60B}"/>
+              </a:ext>
+            </a:extLst>
+          </p:cNvPr>
+          <p:cNvSpPr/>
+          <p:nvPr/>
+        </p:nvSpPr>
+        <p:spPr>
+          <a:xfrm>
+            <a:off x="5936143" y="2353016"/>
+            <a:ext cx="562948" cy="154882"/>
+          </a:xfrm>
+          <a:custGeom>
+            <a:avLst/>
+            <a:gdLst>
+              <a:gd name="connsiteX0" fmla="*/ 562948 w 562948"/>
+              <a:gd name="connsiteY0" fmla="*/ 47656 h 154882"/>
+              <a:gd name="connsiteX1" fmla="*/ 512313 w 562948"/>
+              <a:gd name="connsiteY1" fmla="*/ 80420 h 154882"/>
+              <a:gd name="connsiteX2" fmla="*/ 503378 w 562948"/>
+              <a:gd name="connsiteY2" fmla="*/ 86377 h 154882"/>
+              <a:gd name="connsiteX3" fmla="*/ 491464 w 562948"/>
+              <a:gd name="connsiteY3" fmla="*/ 92334 h 154882"/>
+              <a:gd name="connsiteX4" fmla="*/ 482528 w 562948"/>
+              <a:gd name="connsiteY4" fmla="*/ 98291 h 154882"/>
+              <a:gd name="connsiteX5" fmla="*/ 467636 w 562948"/>
+              <a:gd name="connsiteY5" fmla="*/ 101269 h 154882"/>
+              <a:gd name="connsiteX6" fmla="*/ 443807 w 562948"/>
+              <a:gd name="connsiteY6" fmla="*/ 119140 h 154882"/>
+              <a:gd name="connsiteX7" fmla="*/ 434872 w 562948"/>
+              <a:gd name="connsiteY7" fmla="*/ 125097 h 154882"/>
+              <a:gd name="connsiteX8" fmla="*/ 408065 w 562948"/>
+              <a:gd name="connsiteY8" fmla="*/ 134033 h 154882"/>
+              <a:gd name="connsiteX9" fmla="*/ 399130 w 562948"/>
+              <a:gd name="connsiteY9" fmla="*/ 137011 h 154882"/>
+              <a:gd name="connsiteX10" fmla="*/ 390194 w 562948"/>
+              <a:gd name="connsiteY10" fmla="*/ 139990 h 154882"/>
+              <a:gd name="connsiteX11" fmla="*/ 378280 w 562948"/>
+              <a:gd name="connsiteY11" fmla="*/ 142968 h 154882"/>
+              <a:gd name="connsiteX12" fmla="*/ 369345 w 562948"/>
+              <a:gd name="connsiteY12" fmla="*/ 145947 h 154882"/>
+              <a:gd name="connsiteX13" fmla="*/ 360409 w 562948"/>
+              <a:gd name="connsiteY13" fmla="*/ 151904 h 154882"/>
+              <a:gd name="connsiteX14" fmla="*/ 303818 w 562948"/>
+              <a:gd name="connsiteY14" fmla="*/ 154882 h 154882"/>
+              <a:gd name="connsiteX15" fmla="*/ 223398 w 562948"/>
+              <a:gd name="connsiteY15" fmla="*/ 151904 h 154882"/>
+              <a:gd name="connsiteX16" fmla="*/ 214463 w 562948"/>
+              <a:gd name="connsiteY16" fmla="*/ 145947 h 154882"/>
+              <a:gd name="connsiteX17" fmla="*/ 196592 w 562948"/>
+              <a:gd name="connsiteY17" fmla="*/ 139990 h 154882"/>
+              <a:gd name="connsiteX18" fmla="*/ 178721 w 562948"/>
+              <a:gd name="connsiteY18" fmla="*/ 134033 h 154882"/>
+              <a:gd name="connsiteX19" fmla="*/ 151914 w 562948"/>
+              <a:gd name="connsiteY19" fmla="*/ 128076 h 154882"/>
+              <a:gd name="connsiteX20" fmla="*/ 142979 w 562948"/>
+              <a:gd name="connsiteY20" fmla="*/ 122119 h 154882"/>
+              <a:gd name="connsiteX21" fmla="*/ 113194 w 562948"/>
+              <a:gd name="connsiteY21" fmla="*/ 113183 h 154882"/>
+              <a:gd name="connsiteX22" fmla="*/ 95323 w 562948"/>
+              <a:gd name="connsiteY22" fmla="*/ 104248 h 154882"/>
+              <a:gd name="connsiteX23" fmla="*/ 86387 w 562948"/>
+              <a:gd name="connsiteY23" fmla="*/ 95312 h 154882"/>
+              <a:gd name="connsiteX24" fmla="*/ 77452 w 562948"/>
+              <a:gd name="connsiteY24" fmla="*/ 92334 h 154882"/>
+              <a:gd name="connsiteX25" fmla="*/ 65538 w 562948"/>
+              <a:gd name="connsiteY25" fmla="*/ 74463 h 154882"/>
+              <a:gd name="connsiteX26" fmla="*/ 47667 w 562948"/>
+              <a:gd name="connsiteY26" fmla="*/ 62549 h 154882"/>
+              <a:gd name="connsiteX27" fmla="*/ 35753 w 562948"/>
+              <a:gd name="connsiteY27" fmla="*/ 44678 h 154882"/>
+              <a:gd name="connsiteX28" fmla="*/ 29796 w 562948"/>
+              <a:gd name="connsiteY28" fmla="*/ 35742 h 154882"/>
+              <a:gd name="connsiteX29" fmla="*/ 20860 w 562948"/>
+              <a:gd name="connsiteY29" fmla="*/ 32764 h 154882"/>
+              <a:gd name="connsiteX30" fmla="*/ 8946 w 562948"/>
+              <a:gd name="connsiteY30" fmla="*/ 20850 h 154882"/>
+              <a:gd name="connsiteX31" fmla="*/ 5968 w 562948"/>
+              <a:gd name="connsiteY31" fmla="*/ 11914 h 154882"/>
+              <a:gd name="connsiteX32" fmla="*/ 11 w 562948"/>
+              <a:gd name="connsiteY32" fmla="*/ 0 h 154882"/>
+            </a:gdLst>
+            <a:ahLst/>
+            <a:cxnLst>
+              <a:cxn ang="0">
+                <a:pos x="connsiteX0" y="connsiteY0"/>
+              </a:cxn>
+              <a:cxn ang="0">
+                <a:pos x="connsiteX1" y="connsiteY1"/>
+              </a:cxn>
+              <a:cxn ang="0">
+                <a:pos x="connsiteX2" y="connsiteY2"/>
+              </a:cxn>
+              <a:cxn ang="0">
+                <a:pos x="connsiteX3" y="connsiteY3"/>
+              </a:cxn>
+              <a:cxn ang="0">
+                <a:pos x="connsiteX4" y="connsiteY4"/>
+              </a:cxn>
+              <a:cxn ang="0">
+                <a:pos x="connsiteX5" y="connsiteY5"/>
+              </a:cxn>
+              <a:cxn ang="0">
+                <a:pos x="connsiteX6" y="connsiteY6"/>
+              </a:cxn>
+              <a:cxn ang="0">
+                <a:pos x="connsiteX7" y="connsiteY7"/>
+              </a:cxn>
+              <a:cxn ang="0">
+                <a:pos x="connsiteX8" y="connsiteY8"/>
+              </a:cxn>
+              <a:cxn ang="0">
+                <a:pos x="connsiteX9" y="connsiteY9"/>
+              </a:cxn>
+              <a:cxn ang="0">
+                <a:pos x="connsiteX10" y="connsiteY10"/>
+              </a:cxn>
+              <a:cxn ang="0">
+                <a:pos x="connsiteX11" y="connsiteY11"/>
+              </a:cxn>
+              <a:cxn ang="0">
+                <a:pos x="connsiteX12" y="connsiteY12"/>
+              </a:cxn>
+              <a:cxn ang="0">
+                <a:pos x="connsiteX13" y="connsiteY13"/>
+              </a:cxn>
+              <a:cxn ang="0">
+                <a:pos x="connsiteX14" y="connsiteY14"/>
+              </a:cxn>
+              <a:cxn ang="0">
+                <a:pos x="connsiteX15" y="connsiteY15"/>
+              </a:cxn>
+              <a:cxn ang="0">
+                <a:pos x="connsiteX16" y="connsiteY16"/>
+              </a:cxn>
+              <a:cxn ang="0">
+                <a:pos x="connsiteX17" y="connsiteY17"/>
+              </a:cxn>
+              <a:cxn ang="0">
+                <a:pos x="connsiteX18" y="connsiteY18"/>
+              </a:cxn>
+              <a:cxn ang="0">
+                <a:pos x="connsiteX19" y="connsiteY19"/>
+              </a:cxn>
+              <a:cxn ang="0">
+                <a:pos x="connsiteX20" y="connsiteY20"/>
+              </a:cxn>
+              <a:cxn ang="0">
+                <a:pos x="connsiteX21" y="connsiteY21"/>
+              </a:cxn>
+              <a:cxn ang="0">
+                <a:pos x="connsiteX22" y="connsiteY22"/>
+              </a:cxn>
+              <a:cxn ang="0">
+                <a:pos x="connsiteX23" y="connsiteY23"/>
+              </a:cxn>
+              <a:cxn ang="0">
+                <a:pos x="connsiteX24" y="connsiteY24"/>
+              </a:cxn>
+              <a:cxn ang="0">
+                <a:pos x="connsiteX25" y="connsiteY25"/>
+              </a:cxn>
+              <a:cxn ang="0">
+                <a:pos x="connsiteX26" y="connsiteY26"/>
+              </a:cxn>
+              <a:cxn ang="0">
+                <a:pos x="connsiteX27" y="connsiteY27"/>
+              </a:cxn>
+              <a:cxn ang="0">
+                <a:pos x="connsiteX28" y="connsiteY28"/>
+              </a:cxn>
+              <a:cxn ang="0">
+                <a:pos x="connsiteX29" y="connsiteY29"/>
+              </a:cxn>
+              <a:cxn ang="0">
+                <a:pos x="connsiteX30" y="connsiteY30"/>
+              </a:cxn>
+              <a:cxn ang="0">
+                <a:pos x="connsiteX31" y="connsiteY31"/>
+              </a:cxn>
+              <a:cxn ang="0">
+                <a:pos x="connsiteX32" y="connsiteY32"/>
+              </a:cxn>
+            </a:cxnLst>
+            <a:rect l="l" t="t" r="r" b="b"/>
+            <a:pathLst>
+              <a:path w="562948" h="154882">
+                <a:moveTo>
+                  <a:pt x="562948" y="47656"/>
+                </a:moveTo>
+                <a:lnTo>
+                  <a:pt x="512313" y="80420"/>
+                </a:lnTo>
+                <a:cubicBezTo>
+                  <a:pt x="509312" y="82371"/>
+                  <a:pt x="506580" y="84776"/>
+                  <a:pt x="503378" y="86377"/>
+                </a:cubicBezTo>
+                <a:cubicBezTo>
+                  <a:pt x="499407" y="88363"/>
+                  <a:pt x="495319" y="90131"/>
+                  <a:pt x="491464" y="92334"/>
+                </a:cubicBezTo>
+                <a:cubicBezTo>
+                  <a:pt x="488356" y="94110"/>
+                  <a:pt x="485880" y="97034"/>
+                  <a:pt x="482528" y="98291"/>
+                </a:cubicBezTo>
+                <a:cubicBezTo>
+                  <a:pt x="477788" y="100068"/>
+                  <a:pt x="472600" y="100276"/>
+                  <a:pt x="467636" y="101269"/>
+                </a:cubicBezTo>
+                <a:cubicBezTo>
+                  <a:pt x="456615" y="112288"/>
+                  <a:pt x="464015" y="105667"/>
+                  <a:pt x="443807" y="119140"/>
+                </a:cubicBezTo>
+                <a:cubicBezTo>
+                  <a:pt x="440829" y="121126"/>
+                  <a:pt x="438268" y="123965"/>
+                  <a:pt x="434872" y="125097"/>
+                </a:cubicBezTo>
+                <a:lnTo>
+                  <a:pt x="408065" y="134033"/>
+                </a:lnTo>
+                <a:lnTo>
+                  <a:pt x="399130" y="137011"/>
+                </a:lnTo>
+                <a:cubicBezTo>
+                  <a:pt x="396151" y="138004"/>
+                  <a:pt x="393240" y="139229"/>
+                  <a:pt x="390194" y="139990"/>
+                </a:cubicBezTo>
+                <a:cubicBezTo>
+                  <a:pt x="386223" y="140983"/>
+                  <a:pt x="382216" y="141843"/>
+                  <a:pt x="378280" y="142968"/>
+                </a:cubicBezTo>
+                <a:cubicBezTo>
+                  <a:pt x="375261" y="143831"/>
+                  <a:pt x="372153" y="144543"/>
+                  <a:pt x="369345" y="145947"/>
+                </a:cubicBezTo>
+                <a:cubicBezTo>
+                  <a:pt x="366143" y="147548"/>
+                  <a:pt x="363956" y="151420"/>
+                  <a:pt x="360409" y="151904"/>
+                </a:cubicBezTo>
+                <a:cubicBezTo>
+                  <a:pt x="341692" y="154456"/>
+                  <a:pt x="322682" y="153889"/>
+                  <a:pt x="303818" y="154882"/>
+                </a:cubicBezTo>
+                <a:cubicBezTo>
+                  <a:pt x="277011" y="153889"/>
+                  <a:pt x="250090" y="154573"/>
+                  <a:pt x="223398" y="151904"/>
+                </a:cubicBezTo>
+                <a:cubicBezTo>
+                  <a:pt x="219836" y="151548"/>
+                  <a:pt x="217734" y="147401"/>
+                  <a:pt x="214463" y="145947"/>
+                </a:cubicBezTo>
+                <a:cubicBezTo>
+                  <a:pt x="208725" y="143397"/>
+                  <a:pt x="202549" y="141976"/>
+                  <a:pt x="196592" y="139990"/>
+                </a:cubicBezTo>
+                <a:cubicBezTo>
+                  <a:pt x="196588" y="139989"/>
+                  <a:pt x="178726" y="134034"/>
+                  <a:pt x="178721" y="134033"/>
+                </a:cubicBezTo>
+                <a:cubicBezTo>
+                  <a:pt x="157753" y="130538"/>
+                  <a:pt x="166579" y="132963"/>
+                  <a:pt x="151914" y="128076"/>
+                </a:cubicBezTo>
+                <a:cubicBezTo>
+                  <a:pt x="148936" y="126090"/>
+                  <a:pt x="146269" y="123529"/>
+                  <a:pt x="142979" y="122119"/>
+                </a:cubicBezTo>
+                <a:cubicBezTo>
+                  <a:pt x="131325" y="117124"/>
+                  <a:pt x="125206" y="121191"/>
+                  <a:pt x="113194" y="113183"/>
+                </a:cubicBezTo>
+                <a:cubicBezTo>
+                  <a:pt x="101646" y="105485"/>
+                  <a:pt x="107654" y="108358"/>
+                  <a:pt x="95323" y="104248"/>
+                </a:cubicBezTo>
+                <a:cubicBezTo>
+                  <a:pt x="92344" y="101269"/>
+                  <a:pt x="89892" y="97649"/>
+                  <a:pt x="86387" y="95312"/>
+                </a:cubicBezTo>
+                <a:cubicBezTo>
+                  <a:pt x="83775" y="93571"/>
+                  <a:pt x="79672" y="94554"/>
+                  <a:pt x="77452" y="92334"/>
+                </a:cubicBezTo>
+                <a:cubicBezTo>
+                  <a:pt x="72390" y="87272"/>
+                  <a:pt x="71495" y="78434"/>
+                  <a:pt x="65538" y="74463"/>
+                </a:cubicBezTo>
+                <a:lnTo>
+                  <a:pt x="47667" y="62549"/>
+                </a:lnTo>
+                <a:lnTo>
+                  <a:pt x="35753" y="44678"/>
+                </a:lnTo>
+                <a:cubicBezTo>
+                  <a:pt x="33767" y="41699"/>
+                  <a:pt x="33192" y="36874"/>
+                  <a:pt x="29796" y="35742"/>
+                </a:cubicBezTo>
+                <a:lnTo>
+                  <a:pt x="20860" y="32764"/>
+                </a:lnTo>
+                <a:cubicBezTo>
+                  <a:pt x="12919" y="8935"/>
+                  <a:pt x="24831" y="36735"/>
+                  <a:pt x="8946" y="20850"/>
+                </a:cubicBezTo>
+                <a:cubicBezTo>
+                  <a:pt x="6726" y="18630"/>
+                  <a:pt x="7372" y="14722"/>
+                  <a:pt x="5968" y="11914"/>
+                </a:cubicBezTo>
+                <a:cubicBezTo>
+                  <a:pt x="-540" y="-1102"/>
+                  <a:pt x="11" y="7462"/>
+                  <a:pt x="11" y="0"/>
+                </a:cubicBezTo>
+              </a:path>
+            </a:pathLst>
+          </a:custGeom>
+          <a:noFill/>
+          <a:ln w="19050">
+            <a:solidFill>
+              <a:srgbClr val="FF3300"/>
+            </a:solidFill>
+          </a:ln>
+          <a:effectLst>
+            <a:glow rad="63500">
+              <a:schemeClr val="accent2">
+                <a:satMod val="175000"/>
+                <a:alpha val="40000"/>
+              </a:schemeClr>
+            </a:glow>
+          </a:effectLst>
+        </p:spPr>
+        <p:style>
+          <a:lnRef idx="2">
+            <a:schemeClr val="accent1">
+              <a:shade val="50000"/>
+            </a:schemeClr>
+          </a:lnRef>
+          <a:fillRef idx="1">
+            <a:schemeClr val="accent1"/>
+          </a:fillRef>
+          <a:effectRef idx="0">
+            <a:schemeClr val="accent1"/>
+          </a:effectRef>
+          <a:fontRef idx="minor">
+            <a:schemeClr val="lt1"/>
+          </a:fontRef>
+        </p:style>
+        <p:txBody>
+          <a:bodyPr rtlCol="0" anchor="ctr"/>
+          <a:lstStyle/>
+          <a:p>
+            <a:pPr algn="ctr"/>
+            <a:endParaRPr lang="pt-PT"/>
+          </a:p>
+        </p:txBody>
+      </p:sp>
+      <p:sp>
+        <p:nvSpPr>
+          <p:cNvPr id="15" name="Forma livre: Forma 14">
+            <a:extLst>
+              <a:ext uri="{FF2B5EF4-FFF2-40B4-BE49-F238E27FC236}">
+                <a16:creationId xmlns:a16="http://schemas.microsoft.com/office/drawing/2014/main" id="{576759F0-9CED-449C-B1FD-D02F0F445262}"/>
+              </a:ext>
+            </a:extLst>
+          </p:cNvPr>
+          <p:cNvSpPr/>
+          <p:nvPr/>
+        </p:nvSpPr>
+        <p:spPr>
+          <a:xfrm>
+            <a:off x="5899438" y="2045681"/>
+            <a:ext cx="602631" cy="215002"/>
+          </a:xfrm>
+          <a:custGeom>
+            <a:avLst/>
+            <a:gdLst>
+              <a:gd name="connsiteX0" fmla="*/ 602631 w 602631"/>
+              <a:gd name="connsiteY0" fmla="*/ 45227 h 215002"/>
+              <a:gd name="connsiteX1" fmla="*/ 578803 w 602631"/>
+              <a:gd name="connsiteY1" fmla="*/ 39270 h 215002"/>
+              <a:gd name="connsiteX2" fmla="*/ 569868 w 602631"/>
+              <a:gd name="connsiteY2" fmla="*/ 30335 h 215002"/>
+              <a:gd name="connsiteX3" fmla="*/ 551997 w 602631"/>
+              <a:gd name="connsiteY3" fmla="*/ 24378 h 215002"/>
+              <a:gd name="connsiteX4" fmla="*/ 504341 w 602631"/>
+              <a:gd name="connsiteY4" fmla="*/ 18421 h 215002"/>
+              <a:gd name="connsiteX5" fmla="*/ 468598 w 602631"/>
+              <a:gd name="connsiteY5" fmla="*/ 12464 h 215002"/>
+              <a:gd name="connsiteX6" fmla="*/ 414985 w 602631"/>
+              <a:gd name="connsiteY6" fmla="*/ 9485 h 215002"/>
+              <a:gd name="connsiteX7" fmla="*/ 406050 w 602631"/>
+              <a:gd name="connsiteY7" fmla="*/ 6507 h 215002"/>
+              <a:gd name="connsiteX8" fmla="*/ 292867 w 602631"/>
+              <a:gd name="connsiteY8" fmla="*/ 550 h 215002"/>
+              <a:gd name="connsiteX9" fmla="*/ 203512 w 602631"/>
+              <a:gd name="connsiteY9" fmla="*/ 3528 h 215002"/>
+              <a:gd name="connsiteX10" fmla="*/ 158834 w 602631"/>
+              <a:gd name="connsiteY10" fmla="*/ 9485 h 215002"/>
+              <a:gd name="connsiteX11" fmla="*/ 140963 w 602631"/>
+              <a:gd name="connsiteY11" fmla="*/ 21399 h 215002"/>
+              <a:gd name="connsiteX12" fmla="*/ 132028 w 602631"/>
+              <a:gd name="connsiteY12" fmla="*/ 24378 h 215002"/>
+              <a:gd name="connsiteX13" fmla="*/ 111178 w 602631"/>
+              <a:gd name="connsiteY13" fmla="*/ 30335 h 215002"/>
+              <a:gd name="connsiteX14" fmla="*/ 102243 w 602631"/>
+              <a:gd name="connsiteY14" fmla="*/ 36292 h 215002"/>
+              <a:gd name="connsiteX15" fmla="*/ 84372 w 602631"/>
+              <a:gd name="connsiteY15" fmla="*/ 42249 h 215002"/>
+              <a:gd name="connsiteX16" fmla="*/ 75436 w 602631"/>
+              <a:gd name="connsiteY16" fmla="*/ 45227 h 215002"/>
+              <a:gd name="connsiteX17" fmla="*/ 66501 w 602631"/>
+              <a:gd name="connsiteY17" fmla="*/ 57141 h 215002"/>
+              <a:gd name="connsiteX18" fmla="*/ 63522 w 602631"/>
+              <a:gd name="connsiteY18" fmla="*/ 66077 h 215002"/>
+              <a:gd name="connsiteX19" fmla="*/ 57565 w 602631"/>
+              <a:gd name="connsiteY19" fmla="*/ 75012 h 215002"/>
+              <a:gd name="connsiteX20" fmla="*/ 51608 w 602631"/>
+              <a:gd name="connsiteY20" fmla="*/ 92883 h 215002"/>
+              <a:gd name="connsiteX21" fmla="*/ 42673 w 602631"/>
+              <a:gd name="connsiteY21" fmla="*/ 98840 h 215002"/>
+              <a:gd name="connsiteX22" fmla="*/ 24802 w 602631"/>
+              <a:gd name="connsiteY22" fmla="*/ 107776 h 215002"/>
+              <a:gd name="connsiteX23" fmla="*/ 15866 w 602631"/>
+              <a:gd name="connsiteY23" fmla="*/ 125647 h 215002"/>
+              <a:gd name="connsiteX24" fmla="*/ 12888 w 602631"/>
+              <a:gd name="connsiteY24" fmla="*/ 146496 h 215002"/>
+              <a:gd name="connsiteX25" fmla="*/ 6931 w 602631"/>
+              <a:gd name="connsiteY25" fmla="*/ 155432 h 215002"/>
+              <a:gd name="connsiteX26" fmla="*/ 974 w 602631"/>
+              <a:gd name="connsiteY26" fmla="*/ 173303 h 215002"/>
+              <a:gd name="connsiteX27" fmla="*/ 9909 w 602631"/>
+              <a:gd name="connsiteY27" fmla="*/ 215002 h 215002"/>
+            </a:gdLst>
+            <a:ahLst/>
+            <a:cxnLst>
+              <a:cxn ang="0">
+                <a:pos x="connsiteX0" y="connsiteY0"/>
+              </a:cxn>
+              <a:cxn ang="0">
+                <a:pos x="connsiteX1" y="connsiteY1"/>
+              </a:cxn>
+              <a:cxn ang="0">
+                <a:pos x="connsiteX2" y="connsiteY2"/>
+              </a:cxn>
+              <a:cxn ang="0">
+                <a:pos x="connsiteX3" y="connsiteY3"/>
+              </a:cxn>
+              <a:cxn ang="0">
+                <a:pos x="connsiteX4" y="connsiteY4"/>
+              </a:cxn>
+              <a:cxn ang="0">
+                <a:pos x="connsiteX5" y="connsiteY5"/>
+              </a:cxn>
+              <a:cxn ang="0">
+                <a:pos x="connsiteX6" y="connsiteY6"/>
+              </a:cxn>
+              <a:cxn ang="0">
+                <a:pos x="connsiteX7" y="connsiteY7"/>
+              </a:cxn>
+              <a:cxn ang="0">
+                <a:pos x="connsiteX8" y="connsiteY8"/>
+              </a:cxn>
+              <a:cxn ang="0">
+                <a:pos x="connsiteX9" y="connsiteY9"/>
+              </a:cxn>
+              <a:cxn ang="0">
+                <a:pos x="connsiteX10" y="connsiteY10"/>
+              </a:cxn>
+              <a:cxn ang="0">
+                <a:pos x="connsiteX11" y="connsiteY11"/>
+              </a:cxn>
+              <a:cxn ang="0">
+                <a:pos x="connsiteX12" y="connsiteY12"/>
+              </a:cxn>
+              <a:cxn ang="0">
+                <a:pos x="connsiteX13" y="connsiteY13"/>
+              </a:cxn>
+              <a:cxn ang="0">
+                <a:pos x="connsiteX14" y="connsiteY14"/>
+              </a:cxn>
+              <a:cxn ang="0">
+                <a:pos x="connsiteX15" y="connsiteY15"/>
+              </a:cxn>
+              <a:cxn ang="0">
+                <a:pos x="connsiteX16" y="connsiteY16"/>
+              </a:cxn>
+              <a:cxn ang="0">
+                <a:pos x="connsiteX17" y="connsiteY17"/>
+              </a:cxn>
+              <a:cxn ang="0">
+                <a:pos x="connsiteX18" y="connsiteY18"/>
+              </a:cxn>
+              <a:cxn ang="0">
+                <a:pos x="connsiteX19" y="connsiteY19"/>
+              </a:cxn>
+              <a:cxn ang="0">
+                <a:pos x="connsiteX20" y="connsiteY20"/>
+              </a:cxn>
+              <a:cxn ang="0">
+                <a:pos x="connsiteX21" y="connsiteY21"/>
+              </a:cxn>
+              <a:cxn ang="0">
+                <a:pos x="connsiteX22" y="connsiteY22"/>
+              </a:cxn>
+              <a:cxn ang="0">
+                <a:pos x="connsiteX23" y="connsiteY23"/>
+              </a:cxn>
+              <a:cxn ang="0">
+                <a:pos x="connsiteX24" y="connsiteY24"/>
+              </a:cxn>
+              <a:cxn ang="0">
+                <a:pos x="connsiteX25" y="connsiteY25"/>
+              </a:cxn>
+              <a:cxn ang="0">
+                <a:pos x="connsiteX26" y="connsiteY26"/>
+              </a:cxn>
+              <a:cxn ang="0">
+                <a:pos x="connsiteX27" y="connsiteY27"/>
+              </a:cxn>
+            </a:cxnLst>
+            <a:rect l="l" t="t" r="r" b="b"/>
+            <a:pathLst>
+              <a:path w="602631" h="215002">
+                <a:moveTo>
+                  <a:pt x="602631" y="45227"/>
+                </a:moveTo>
+                <a:cubicBezTo>
+                  <a:pt x="600479" y="44797"/>
+                  <a:pt x="582730" y="41888"/>
+                  <a:pt x="578803" y="39270"/>
+                </a:cubicBezTo>
+                <a:cubicBezTo>
+                  <a:pt x="575298" y="36934"/>
+                  <a:pt x="573550" y="32381"/>
+                  <a:pt x="569868" y="30335"/>
+                </a:cubicBezTo>
+                <a:cubicBezTo>
+                  <a:pt x="564379" y="27286"/>
+                  <a:pt x="557954" y="26364"/>
+                  <a:pt x="551997" y="24378"/>
+                </a:cubicBezTo>
+                <a:cubicBezTo>
+                  <a:pt x="530779" y="17305"/>
+                  <a:pt x="546200" y="21640"/>
+                  <a:pt x="504341" y="18421"/>
+                </a:cubicBezTo>
+                <a:cubicBezTo>
+                  <a:pt x="492326" y="16018"/>
+                  <a:pt x="480922" y="13450"/>
+                  <a:pt x="468598" y="12464"/>
+                </a:cubicBezTo>
+                <a:cubicBezTo>
+                  <a:pt x="450756" y="11037"/>
+                  <a:pt x="432856" y="10478"/>
+                  <a:pt x="414985" y="9485"/>
+                </a:cubicBezTo>
+                <a:cubicBezTo>
+                  <a:pt x="412007" y="8492"/>
+                  <a:pt x="409069" y="7369"/>
+                  <a:pt x="406050" y="6507"/>
+                </a:cubicBezTo>
+                <a:cubicBezTo>
+                  <a:pt x="367593" y="-4481"/>
+                  <a:pt x="346923" y="2140"/>
+                  <a:pt x="292867" y="550"/>
+                </a:cubicBezTo>
+                <a:lnTo>
+                  <a:pt x="203512" y="3528"/>
+                </a:lnTo>
+                <a:cubicBezTo>
+                  <a:pt x="169503" y="5147"/>
+                  <a:pt x="177835" y="3153"/>
+                  <a:pt x="158834" y="9485"/>
+                </a:cubicBezTo>
+                <a:cubicBezTo>
+                  <a:pt x="152877" y="13456"/>
+                  <a:pt x="147755" y="19135"/>
+                  <a:pt x="140963" y="21399"/>
+                </a:cubicBezTo>
+                <a:cubicBezTo>
+                  <a:pt x="137985" y="22392"/>
+                  <a:pt x="135047" y="23515"/>
+                  <a:pt x="132028" y="24378"/>
+                </a:cubicBezTo>
+                <a:cubicBezTo>
+                  <a:pt x="127569" y="25652"/>
+                  <a:pt x="115943" y="27952"/>
+                  <a:pt x="111178" y="30335"/>
+                </a:cubicBezTo>
+                <a:cubicBezTo>
+                  <a:pt x="107976" y="31936"/>
+                  <a:pt x="105514" y="34838"/>
+                  <a:pt x="102243" y="36292"/>
+                </a:cubicBezTo>
+                <a:cubicBezTo>
+                  <a:pt x="96505" y="38842"/>
+                  <a:pt x="90329" y="40263"/>
+                  <a:pt x="84372" y="42249"/>
+                </a:cubicBezTo>
+                <a:lnTo>
+                  <a:pt x="75436" y="45227"/>
+                </a:lnTo>
+                <a:cubicBezTo>
+                  <a:pt x="72458" y="49198"/>
+                  <a:pt x="68964" y="52831"/>
+                  <a:pt x="66501" y="57141"/>
+                </a:cubicBezTo>
+                <a:cubicBezTo>
+                  <a:pt x="64943" y="59867"/>
+                  <a:pt x="64926" y="63269"/>
+                  <a:pt x="63522" y="66077"/>
+                </a:cubicBezTo>
+                <a:cubicBezTo>
+                  <a:pt x="61921" y="69279"/>
+                  <a:pt x="59551" y="72034"/>
+                  <a:pt x="57565" y="75012"/>
+                </a:cubicBezTo>
+                <a:cubicBezTo>
+                  <a:pt x="55579" y="80969"/>
+                  <a:pt x="56833" y="89400"/>
+                  <a:pt x="51608" y="92883"/>
+                </a:cubicBezTo>
+                <a:cubicBezTo>
+                  <a:pt x="48630" y="94869"/>
+                  <a:pt x="45875" y="97239"/>
+                  <a:pt x="42673" y="98840"/>
+                </a:cubicBezTo>
+                <a:cubicBezTo>
+                  <a:pt x="18011" y="111172"/>
+                  <a:pt x="50407" y="90705"/>
+                  <a:pt x="24802" y="107776"/>
+                </a:cubicBezTo>
+                <a:cubicBezTo>
+                  <a:pt x="19782" y="115306"/>
+                  <a:pt x="17628" y="116839"/>
+                  <a:pt x="15866" y="125647"/>
+                </a:cubicBezTo>
+                <a:cubicBezTo>
+                  <a:pt x="14489" y="132531"/>
+                  <a:pt x="14905" y="139772"/>
+                  <a:pt x="12888" y="146496"/>
+                </a:cubicBezTo>
+                <a:cubicBezTo>
+                  <a:pt x="11859" y="149925"/>
+                  <a:pt x="8385" y="152161"/>
+                  <a:pt x="6931" y="155432"/>
+                </a:cubicBezTo>
+                <a:cubicBezTo>
+                  <a:pt x="4381" y="161170"/>
+                  <a:pt x="974" y="173303"/>
+                  <a:pt x="974" y="173303"/>
+                </a:cubicBezTo>
+                <a:cubicBezTo>
+                  <a:pt x="4122" y="214237"/>
+                  <a:pt x="-7626" y="206233"/>
+                  <a:pt x="9909" y="215002"/>
+                </a:cubicBezTo>
+              </a:path>
+            </a:pathLst>
+          </a:custGeom>
+          <a:noFill/>
+          <a:ln w="19050">
+            <a:solidFill>
+              <a:srgbClr val="FF3300"/>
+            </a:solidFill>
+          </a:ln>
+          <a:effectLst>
+            <a:glow rad="63500">
+              <a:schemeClr val="accent2">
+                <a:satMod val="175000"/>
+                <a:alpha val="40000"/>
+              </a:schemeClr>
+            </a:glow>
+          </a:effectLst>
+        </p:spPr>
+        <p:style>
+          <a:lnRef idx="2">
+            <a:schemeClr val="accent1">
+              <a:shade val="50000"/>
+            </a:schemeClr>
+          </a:lnRef>
+          <a:fillRef idx="1">
+            <a:schemeClr val="accent1"/>
+          </a:fillRef>
+          <a:effectRef idx="0">
+            <a:schemeClr val="accent1"/>
+          </a:effectRef>
+          <a:fontRef idx="minor">
+            <a:schemeClr val="lt1"/>
+          </a:fontRef>
+        </p:style>
+        <p:txBody>
+          <a:bodyPr rtlCol="0" anchor="ctr"/>
+          <a:lstStyle/>
+          <a:p>
+            <a:pPr algn="ctr"/>
+            <a:endParaRPr lang="pt-PT"/>
+          </a:p>
+        </p:txBody>
+      </p:sp>
+      <p:sp>
+        <p:nvSpPr>
+          <p:cNvPr id="16" name="Forma livre: Forma 15">
+            <a:extLst>
+              <a:ext uri="{FF2B5EF4-FFF2-40B4-BE49-F238E27FC236}">
+                <a16:creationId xmlns:a16="http://schemas.microsoft.com/office/drawing/2014/main" id="{E790B01D-FC99-4F07-AD5F-569A8DD00511}"/>
+              </a:ext>
+            </a:extLst>
+          </p:cNvPr>
+          <p:cNvSpPr/>
+          <p:nvPr/>
+        </p:nvSpPr>
+        <p:spPr>
+          <a:xfrm>
+            <a:off x="5903382" y="2251747"/>
+            <a:ext cx="35750" cy="104248"/>
+          </a:xfrm>
+          <a:custGeom>
+            <a:avLst/>
+            <a:gdLst>
+              <a:gd name="connsiteX0" fmla="*/ 35750 w 35750"/>
+              <a:gd name="connsiteY0" fmla="*/ 104248 h 104248"/>
+              <a:gd name="connsiteX1" fmla="*/ 20858 w 35750"/>
+              <a:gd name="connsiteY1" fmla="*/ 74463 h 104248"/>
+              <a:gd name="connsiteX2" fmla="*/ 14901 w 35750"/>
+              <a:gd name="connsiteY2" fmla="*/ 56592 h 104248"/>
+              <a:gd name="connsiteX3" fmla="*/ 11922 w 35750"/>
+              <a:gd name="connsiteY3" fmla="*/ 47656 h 104248"/>
+              <a:gd name="connsiteX4" fmla="*/ 8944 w 35750"/>
+              <a:gd name="connsiteY4" fmla="*/ 29785 h 104248"/>
+              <a:gd name="connsiteX5" fmla="*/ 2987 w 35750"/>
+              <a:gd name="connsiteY5" fmla="*/ 11914 h 104248"/>
+              <a:gd name="connsiteX6" fmla="*/ 8 w 35750"/>
+              <a:gd name="connsiteY6" fmla="*/ 0 h 104248"/>
+            </a:gdLst>
+            <a:ahLst/>
+            <a:cxnLst>
+              <a:cxn ang="0">
+                <a:pos x="connsiteX0" y="connsiteY0"/>
+              </a:cxn>
+              <a:cxn ang="0">
+                <a:pos x="connsiteX1" y="connsiteY1"/>
+              </a:cxn>
+              <a:cxn ang="0">
+                <a:pos x="connsiteX2" y="connsiteY2"/>
+              </a:cxn>
+              <a:cxn ang="0">
+                <a:pos x="connsiteX3" y="connsiteY3"/>
+              </a:cxn>
+              <a:cxn ang="0">
+                <a:pos x="connsiteX4" y="connsiteY4"/>
+              </a:cxn>
+              <a:cxn ang="0">
+                <a:pos x="connsiteX5" y="connsiteY5"/>
+              </a:cxn>
+              <a:cxn ang="0">
+                <a:pos x="connsiteX6" y="connsiteY6"/>
+              </a:cxn>
+            </a:cxnLst>
+            <a:rect l="l" t="t" r="r" b="b"/>
+            <a:pathLst>
+              <a:path w="35750" h="104248">
+                <a:moveTo>
+                  <a:pt x="35750" y="104248"/>
+                </a:moveTo>
+                <a:cubicBezTo>
+                  <a:pt x="17746" y="81742"/>
+                  <a:pt x="27414" y="98504"/>
+                  <a:pt x="20858" y="74463"/>
+                </a:cubicBezTo>
+                <a:cubicBezTo>
+                  <a:pt x="19206" y="68405"/>
+                  <a:pt x="16887" y="62549"/>
+                  <a:pt x="14901" y="56592"/>
+                </a:cubicBezTo>
+                <a:lnTo>
+                  <a:pt x="11922" y="47656"/>
+                </a:lnTo>
+                <a:cubicBezTo>
+                  <a:pt x="10929" y="41699"/>
+                  <a:pt x="10409" y="35644"/>
+                  <a:pt x="8944" y="29785"/>
+                </a:cubicBezTo>
+                <a:cubicBezTo>
+                  <a:pt x="7421" y="23693"/>
+                  <a:pt x="4973" y="17871"/>
+                  <a:pt x="2987" y="11914"/>
+                </a:cubicBezTo>
+                <a:cubicBezTo>
+                  <a:pt x="-306" y="2036"/>
+                  <a:pt x="8" y="6119"/>
+                  <a:pt x="8" y="0"/>
+                </a:cubicBezTo>
+              </a:path>
+            </a:pathLst>
+          </a:custGeom>
+          <a:noFill/>
+          <a:ln w="19050">
+            <a:solidFill>
+              <a:srgbClr val="FF3300"/>
+            </a:solidFill>
+          </a:ln>
+          <a:effectLst>
+            <a:glow rad="63500">
+              <a:schemeClr val="accent2">
+                <a:satMod val="175000"/>
+                <a:alpha val="40000"/>
+              </a:schemeClr>
+            </a:glow>
+          </a:effectLst>
+        </p:spPr>
+        <p:style>
+          <a:lnRef idx="2">
+            <a:schemeClr val="accent1">
+              <a:shade val="50000"/>
+            </a:schemeClr>
+          </a:lnRef>
+          <a:fillRef idx="1">
+            <a:schemeClr val="accent1"/>
+          </a:fillRef>
+          <a:effectRef idx="0">
+            <a:schemeClr val="accent1"/>
+          </a:effectRef>
+          <a:fontRef idx="minor">
+            <a:schemeClr val="lt1"/>
+          </a:fontRef>
+        </p:style>
+        <p:txBody>
+          <a:bodyPr rtlCol="0" anchor="ctr"/>
+          <a:lstStyle/>
+          <a:p>
+            <a:pPr algn="ctr"/>
+            <a:endParaRPr lang="pt-PT"/>
+          </a:p>
+        </p:txBody>
+      </p:sp>
+      <p:sp>
+        <p:nvSpPr>
+          <p:cNvPr id="17" name="Forma livre: Forma 16">
+            <a:extLst>
+              <a:ext uri="{FF2B5EF4-FFF2-40B4-BE49-F238E27FC236}">
+                <a16:creationId xmlns:a16="http://schemas.microsoft.com/office/drawing/2014/main" id="{16EE3FEA-52EE-485F-9622-2F8AD36F20C6}"/>
+              </a:ext>
+            </a:extLst>
+          </p:cNvPr>
+          <p:cNvSpPr/>
+          <p:nvPr/>
+        </p:nvSpPr>
+        <p:spPr>
+          <a:xfrm>
+            <a:off x="6403779" y="2019424"/>
+            <a:ext cx="86711" cy="95312"/>
+          </a:xfrm>
+          <a:custGeom>
+            <a:avLst/>
+            <a:gdLst>
+              <a:gd name="connsiteX0" fmla="*/ 17871 w 86711"/>
+              <a:gd name="connsiteY0" fmla="*/ 0 h 95312"/>
+              <a:gd name="connsiteX1" fmla="*/ 32763 w 86711"/>
+              <a:gd name="connsiteY1" fmla="*/ 8936 h 95312"/>
+              <a:gd name="connsiteX2" fmla="*/ 41699 w 86711"/>
+              <a:gd name="connsiteY2" fmla="*/ 17871 h 95312"/>
+              <a:gd name="connsiteX3" fmla="*/ 50634 w 86711"/>
+              <a:gd name="connsiteY3" fmla="*/ 23828 h 95312"/>
+              <a:gd name="connsiteX4" fmla="*/ 56591 w 86711"/>
+              <a:gd name="connsiteY4" fmla="*/ 32764 h 95312"/>
+              <a:gd name="connsiteX5" fmla="*/ 74462 w 86711"/>
+              <a:gd name="connsiteY5" fmla="*/ 44678 h 95312"/>
+              <a:gd name="connsiteX6" fmla="*/ 83398 w 86711"/>
+              <a:gd name="connsiteY6" fmla="*/ 53613 h 95312"/>
+              <a:gd name="connsiteX7" fmla="*/ 86376 w 86711"/>
+              <a:gd name="connsiteY7" fmla="*/ 62549 h 95312"/>
+              <a:gd name="connsiteX8" fmla="*/ 77441 w 86711"/>
+              <a:gd name="connsiteY8" fmla="*/ 65527 h 95312"/>
+              <a:gd name="connsiteX9" fmla="*/ 59570 w 86711"/>
+              <a:gd name="connsiteY9" fmla="*/ 68506 h 95312"/>
+              <a:gd name="connsiteX10" fmla="*/ 47656 w 86711"/>
+              <a:gd name="connsiteY10" fmla="*/ 71484 h 95312"/>
+              <a:gd name="connsiteX11" fmla="*/ 41699 w 86711"/>
+              <a:gd name="connsiteY11" fmla="*/ 80420 h 95312"/>
+              <a:gd name="connsiteX12" fmla="*/ 17871 w 86711"/>
+              <a:gd name="connsiteY12" fmla="*/ 89355 h 95312"/>
+              <a:gd name="connsiteX13" fmla="*/ 0 w 86711"/>
+              <a:gd name="connsiteY13" fmla="*/ 95312 h 95312"/>
+              <a:gd name="connsiteX14" fmla="*/ 8935 w 86711"/>
+              <a:gd name="connsiteY14" fmla="*/ 77441 h 95312"/>
+              <a:gd name="connsiteX15" fmla="*/ 11914 w 86711"/>
+              <a:gd name="connsiteY15" fmla="*/ 68506 h 95312"/>
+              <a:gd name="connsiteX16" fmla="*/ 20849 w 86711"/>
+              <a:gd name="connsiteY16" fmla="*/ 65527 h 95312"/>
+              <a:gd name="connsiteX17" fmla="*/ 29785 w 86711"/>
+              <a:gd name="connsiteY17" fmla="*/ 56592 h 95312"/>
+              <a:gd name="connsiteX18" fmla="*/ 26806 w 86711"/>
+              <a:gd name="connsiteY18" fmla="*/ 17871 h 95312"/>
+              <a:gd name="connsiteX19" fmla="*/ 23828 w 86711"/>
+              <a:gd name="connsiteY19" fmla="*/ 8936 h 95312"/>
+              <a:gd name="connsiteX20" fmla="*/ 14892 w 86711"/>
+              <a:gd name="connsiteY20" fmla="*/ 2979 h 95312"/>
+              <a:gd name="connsiteX21" fmla="*/ 29785 w 86711"/>
+              <a:gd name="connsiteY21" fmla="*/ 20850 h 95312"/>
+              <a:gd name="connsiteX22" fmla="*/ 41699 w 86711"/>
+              <a:gd name="connsiteY22" fmla="*/ 38721 h 95312"/>
+              <a:gd name="connsiteX23" fmla="*/ 47656 w 86711"/>
+              <a:gd name="connsiteY23" fmla="*/ 47656 h 95312"/>
+              <a:gd name="connsiteX24" fmla="*/ 44677 w 86711"/>
+              <a:gd name="connsiteY24" fmla="*/ 56592 h 95312"/>
+              <a:gd name="connsiteX25" fmla="*/ 17871 w 86711"/>
+              <a:gd name="connsiteY25" fmla="*/ 71484 h 95312"/>
+              <a:gd name="connsiteX26" fmla="*/ 29785 w 86711"/>
+              <a:gd name="connsiteY26" fmla="*/ 74463 h 95312"/>
+              <a:gd name="connsiteX27" fmla="*/ 20849 w 86711"/>
+              <a:gd name="connsiteY27" fmla="*/ 80420 h 95312"/>
+              <a:gd name="connsiteX28" fmla="*/ 32763 w 86711"/>
+              <a:gd name="connsiteY28" fmla="*/ 77441 h 95312"/>
+              <a:gd name="connsiteX29" fmla="*/ 47656 w 86711"/>
+              <a:gd name="connsiteY29" fmla="*/ 71484 h 95312"/>
+            </a:gdLst>
+            <a:ahLst/>
+            <a:cxnLst>
+              <a:cxn ang="0">
+                <a:pos x="connsiteX0" y="connsiteY0"/>
+              </a:cxn>
+              <a:cxn ang="0">
+                <a:pos x="connsiteX1" y="connsiteY1"/>
+              </a:cxn>
+              <a:cxn ang="0">
+                <a:pos x="connsiteX2" y="connsiteY2"/>
+              </a:cxn>
+              <a:cxn ang="0">
+                <a:pos x="connsiteX3" y="connsiteY3"/>
+              </a:cxn>
+              <a:cxn ang="0">
+                <a:pos x="connsiteX4" y="connsiteY4"/>
+              </a:cxn>
+              <a:cxn ang="0">
+                <a:pos x="connsiteX5" y="connsiteY5"/>
+              </a:cxn>
+              <a:cxn ang="0">
+                <a:pos x="connsiteX6" y="connsiteY6"/>
+              </a:cxn>
+              <a:cxn ang="0">
+                <a:pos x="connsiteX7" y="connsiteY7"/>
+              </a:cxn>
+              <a:cxn ang="0">
+                <a:pos x="connsiteX8" y="connsiteY8"/>
+              </a:cxn>
+              <a:cxn ang="0">
+                <a:pos x="connsiteX9" y="connsiteY9"/>
+              </a:cxn>
+              <a:cxn ang="0">
+                <a:pos x="connsiteX10" y="connsiteY10"/>
+              </a:cxn>
+              <a:cxn ang="0">
+                <a:pos x="connsiteX11" y="connsiteY11"/>
+              </a:cxn>
+              <a:cxn ang="0">
+                <a:pos x="connsiteX12" y="connsiteY12"/>
+              </a:cxn>
+              <a:cxn ang="0">
+                <a:pos x="connsiteX13" y="connsiteY13"/>
+              </a:cxn>
+              <a:cxn ang="0">
+                <a:pos x="connsiteX14" y="connsiteY14"/>
+              </a:cxn>
+              <a:cxn ang="0">
+                <a:pos x="connsiteX15" y="connsiteY15"/>
+              </a:cxn>
+              <a:cxn ang="0">
+                <a:pos x="connsiteX16" y="connsiteY16"/>
+              </a:cxn>
+              <a:cxn ang="0">
+                <a:pos x="connsiteX17" y="connsiteY17"/>
+              </a:cxn>
+              <a:cxn ang="0">
+                <a:pos x="connsiteX18" y="connsiteY18"/>
+              </a:cxn>
+              <a:cxn ang="0">
+                <a:pos x="connsiteX19" y="connsiteY19"/>
+              </a:cxn>
+              <a:cxn ang="0">
+                <a:pos x="connsiteX20" y="connsiteY20"/>
+              </a:cxn>
+              <a:cxn ang="0">
+                <a:pos x="connsiteX21" y="connsiteY21"/>
+              </a:cxn>
+              <a:cxn ang="0">
+                <a:pos x="connsiteX22" y="connsiteY22"/>
+              </a:cxn>
+              <a:cxn ang="0">
+                <a:pos x="connsiteX23" y="connsiteY23"/>
+              </a:cxn>
+              <a:cxn ang="0">
+                <a:pos x="connsiteX24" y="connsiteY24"/>
+              </a:cxn>
+              <a:cxn ang="0">
+                <a:pos x="connsiteX25" y="connsiteY25"/>
+              </a:cxn>
+              <a:cxn ang="0">
+                <a:pos x="connsiteX26" y="connsiteY26"/>
+              </a:cxn>
+              <a:cxn ang="0">
+                <a:pos x="connsiteX27" y="connsiteY27"/>
+              </a:cxn>
+              <a:cxn ang="0">
+                <a:pos x="connsiteX28" y="connsiteY28"/>
+              </a:cxn>
+              <a:cxn ang="0">
+                <a:pos x="connsiteX29" y="connsiteY29"/>
+              </a:cxn>
+            </a:cxnLst>
+            <a:rect l="l" t="t" r="r" b="b"/>
+            <a:pathLst>
+              <a:path w="86711" h="95312">
+                <a:moveTo>
+                  <a:pt x="17871" y="0"/>
+                </a:moveTo>
+                <a:cubicBezTo>
+                  <a:pt x="22835" y="2979"/>
+                  <a:pt x="28132" y="5463"/>
+                  <a:pt x="32763" y="8936"/>
+                </a:cubicBezTo>
+                <a:cubicBezTo>
+                  <a:pt x="36133" y="11463"/>
+                  <a:pt x="38463" y="15174"/>
+                  <a:pt x="41699" y="17871"/>
+                </a:cubicBezTo>
+                <a:cubicBezTo>
+                  <a:pt x="44449" y="20163"/>
+                  <a:pt x="47656" y="21842"/>
+                  <a:pt x="50634" y="23828"/>
+                </a:cubicBezTo>
+                <a:cubicBezTo>
+                  <a:pt x="52620" y="26807"/>
+                  <a:pt x="53897" y="30407"/>
+                  <a:pt x="56591" y="32764"/>
+                </a:cubicBezTo>
+                <a:cubicBezTo>
+                  <a:pt x="61979" y="37479"/>
+                  <a:pt x="69399" y="39616"/>
+                  <a:pt x="74462" y="44678"/>
+                </a:cubicBezTo>
+                <a:lnTo>
+                  <a:pt x="83398" y="53613"/>
+                </a:lnTo>
+                <a:cubicBezTo>
+                  <a:pt x="84391" y="56592"/>
+                  <a:pt x="87780" y="59741"/>
+                  <a:pt x="86376" y="62549"/>
+                </a:cubicBezTo>
+                <a:cubicBezTo>
+                  <a:pt x="84972" y="65357"/>
+                  <a:pt x="80506" y="64846"/>
+                  <a:pt x="77441" y="65527"/>
+                </a:cubicBezTo>
+                <a:cubicBezTo>
+                  <a:pt x="71546" y="66837"/>
+                  <a:pt x="65492" y="67322"/>
+                  <a:pt x="59570" y="68506"/>
+                </a:cubicBezTo>
+                <a:cubicBezTo>
+                  <a:pt x="55556" y="69309"/>
+                  <a:pt x="51627" y="70491"/>
+                  <a:pt x="47656" y="71484"/>
+                </a:cubicBezTo>
+                <a:cubicBezTo>
+                  <a:pt x="45670" y="74463"/>
+                  <a:pt x="44230" y="77889"/>
+                  <a:pt x="41699" y="80420"/>
+                </a:cubicBezTo>
+                <a:cubicBezTo>
+                  <a:pt x="33276" y="88843"/>
+                  <a:pt x="29591" y="86159"/>
+                  <a:pt x="17871" y="89355"/>
+                </a:cubicBezTo>
+                <a:cubicBezTo>
+                  <a:pt x="11813" y="91007"/>
+                  <a:pt x="0" y="95312"/>
+                  <a:pt x="0" y="95312"/>
+                </a:cubicBezTo>
+                <a:cubicBezTo>
+                  <a:pt x="7483" y="72861"/>
+                  <a:pt x="-2609" y="100528"/>
+                  <a:pt x="8935" y="77441"/>
+                </a:cubicBezTo>
+                <a:cubicBezTo>
+                  <a:pt x="10339" y="74633"/>
+                  <a:pt x="9694" y="70726"/>
+                  <a:pt x="11914" y="68506"/>
+                </a:cubicBezTo>
+                <a:cubicBezTo>
+                  <a:pt x="14134" y="66286"/>
+                  <a:pt x="17871" y="66520"/>
+                  <a:pt x="20849" y="65527"/>
+                </a:cubicBezTo>
+                <a:cubicBezTo>
+                  <a:pt x="23828" y="62549"/>
+                  <a:pt x="29263" y="60772"/>
+                  <a:pt x="29785" y="56592"/>
+                </a:cubicBezTo>
+                <a:cubicBezTo>
+                  <a:pt x="31391" y="43747"/>
+                  <a:pt x="28412" y="30716"/>
+                  <a:pt x="26806" y="17871"/>
+                </a:cubicBezTo>
+                <a:cubicBezTo>
+                  <a:pt x="26417" y="14756"/>
+                  <a:pt x="25789" y="11387"/>
+                  <a:pt x="23828" y="8936"/>
+                </a:cubicBezTo>
+                <a:cubicBezTo>
+                  <a:pt x="21592" y="6141"/>
+                  <a:pt x="17871" y="4965"/>
+                  <a:pt x="14892" y="2979"/>
+                </a:cubicBezTo>
+                <a:cubicBezTo>
+                  <a:pt x="36182" y="34913"/>
+                  <a:pt x="3023" y="-13558"/>
+                  <a:pt x="29785" y="20850"/>
+                </a:cubicBezTo>
+                <a:cubicBezTo>
+                  <a:pt x="34180" y="26501"/>
+                  <a:pt x="37728" y="32764"/>
+                  <a:pt x="41699" y="38721"/>
+                </a:cubicBezTo>
+                <a:lnTo>
+                  <a:pt x="47656" y="47656"/>
+                </a:lnTo>
+                <a:cubicBezTo>
+                  <a:pt x="46663" y="50635"/>
+                  <a:pt x="46897" y="54372"/>
+                  <a:pt x="44677" y="56592"/>
+                </a:cubicBezTo>
+                <a:cubicBezTo>
+                  <a:pt x="34435" y="66834"/>
+                  <a:pt x="29107" y="67739"/>
+                  <a:pt x="17871" y="71484"/>
+                </a:cubicBezTo>
+                <a:cubicBezTo>
+                  <a:pt x="21842" y="72477"/>
+                  <a:pt x="28491" y="70579"/>
+                  <a:pt x="29785" y="74463"/>
+                </a:cubicBezTo>
+                <a:cubicBezTo>
+                  <a:pt x="30917" y="77859"/>
+                  <a:pt x="18318" y="77889"/>
+                  <a:pt x="20849" y="80420"/>
+                </a:cubicBezTo>
+                <a:cubicBezTo>
+                  <a:pt x="23744" y="83315"/>
+                  <a:pt x="28792" y="78434"/>
+                  <a:pt x="32763" y="77441"/>
+                </a:cubicBezTo>
+                <a:cubicBezTo>
+                  <a:pt x="43351" y="70383"/>
+                  <a:pt x="38119" y="71484"/>
+                  <a:pt x="47656" y="71484"/>
+                </a:cubicBezTo>
+              </a:path>
+            </a:pathLst>
+          </a:custGeom>
+          <a:noFill/>
+          <a:ln w="19050">
+            <a:solidFill>
+              <a:srgbClr val="FF3300"/>
+            </a:solidFill>
+          </a:ln>
+          <a:effectLst>
+            <a:glow rad="63500">
+              <a:schemeClr val="accent2">
+                <a:satMod val="175000"/>
+                <a:alpha val="40000"/>
+              </a:schemeClr>
+            </a:glow>
+          </a:effectLst>
+        </p:spPr>
+        <p:style>
+          <a:lnRef idx="2">
+            <a:schemeClr val="accent1">
+              <a:shade val="50000"/>
+            </a:schemeClr>
+          </a:lnRef>
+          <a:fillRef idx="1">
+            <a:schemeClr val="accent1"/>
+          </a:fillRef>
+          <a:effectRef idx="0">
+            <a:schemeClr val="accent1"/>
+          </a:effectRef>
+          <a:fontRef idx="minor">
+            <a:schemeClr val="lt1"/>
+          </a:fontRef>
+        </p:style>
+        <p:txBody>
+          <a:bodyPr rtlCol="0" anchor="ctr"/>
+          <a:lstStyle/>
+          <a:p>
+            <a:pPr algn="ctr"/>
+            <a:endParaRPr lang="pt-PT"/>
+          </a:p>
+        </p:txBody>
+      </p:sp>
+      <p:cxnSp>
+        <p:nvCxnSpPr>
+          <p:cNvPr id="19" name="Conexão reta unidirecional 18">
+            <a:extLst>
+              <a:ext uri="{FF2B5EF4-FFF2-40B4-BE49-F238E27FC236}">
+                <a16:creationId xmlns:a16="http://schemas.microsoft.com/office/drawing/2014/main" id="{DAAB9CEF-48A1-4C6B-93E0-619B84FD3640}"/>
+              </a:ext>
+            </a:extLst>
+          </p:cNvPr>
+          <p:cNvCxnSpPr/>
+          <p:nvPr/>
+        </p:nvCxnSpPr>
+        <p:spPr>
+          <a:xfrm>
+            <a:off x="8382000" y="3862388"/>
+            <a:ext cx="0" cy="528637"/>
+          </a:xfrm>
+          <a:prstGeom prst="straightConnector1">
+            <a:avLst/>
+          </a:prstGeom>
+          <a:ln w="28575">
+            <a:solidFill>
+              <a:srgbClr val="FF3300"/>
+            </a:solidFill>
+            <a:headEnd type="triangle"/>
+            <a:tailEnd type="triangle"/>
+          </a:ln>
+          <a:effectLst>
+            <a:glow rad="63500">
+              <a:schemeClr val="accent2">
+                <a:satMod val="175000"/>
+                <a:alpha val="40000"/>
+              </a:schemeClr>
+            </a:glow>
+          </a:effectLst>
+        </p:spPr>
+        <p:style>
+          <a:lnRef idx="1">
+            <a:schemeClr val="accent1"/>
+          </a:lnRef>
+          <a:fillRef idx="0">
+            <a:schemeClr val="accent1"/>
+          </a:fillRef>
+          <a:effectRef idx="0">
+            <a:schemeClr val="accent1"/>
+          </a:effectRef>
+          <a:fontRef idx="minor">
+            <a:schemeClr val="tx1"/>
+          </a:fontRef>
+        </p:style>
+      </p:cxnSp>
+      <p:sp>
+        <p:nvSpPr>
+          <p:cNvPr id="21" name="Retângulo 20">
+            <a:extLst>
+              <a:ext uri="{FF2B5EF4-FFF2-40B4-BE49-F238E27FC236}">
+                <a16:creationId xmlns:a16="http://schemas.microsoft.com/office/drawing/2014/main" id="{F2083A7F-6975-41B6-8274-9122E14533FB}"/>
+              </a:ext>
+            </a:extLst>
+          </p:cNvPr>
+          <p:cNvSpPr/>
+          <p:nvPr/>
+        </p:nvSpPr>
+        <p:spPr>
+          <a:xfrm>
+            <a:off x="8284191" y="5031475"/>
+            <a:ext cx="191063" cy="486770"/>
+          </a:xfrm>
+          <a:prstGeom prst="rect">
+            <a:avLst/>
+          </a:prstGeom>
+          <a:solidFill>
+            <a:schemeClr val="bg1"/>
+          </a:solidFill>
+          <a:ln>
+            <a:solidFill>
+              <a:schemeClr val="bg1"/>
+            </a:solidFill>
+          </a:ln>
+        </p:spPr>
+        <p:style>
+          <a:lnRef idx="2">
+            <a:schemeClr val="accent1">
+              <a:shade val="50000"/>
+            </a:schemeClr>
+          </a:lnRef>
+          <a:fillRef idx="1">
+            <a:schemeClr val="accent1"/>
+          </a:fillRef>
+          <a:effectRef idx="0">
+            <a:schemeClr val="accent1"/>
+          </a:effectRef>
+          <a:fontRef idx="minor">
+            <a:schemeClr val="lt1"/>
+          </a:fontRef>
+        </p:style>
+        <p:txBody>
+          <a:bodyPr rtlCol="0" anchor="ctr"/>
+          <a:lstStyle/>
+          <a:p>
+            <a:pPr algn="ctr"/>
+            <a:endParaRPr lang="pt-PT"/>
+          </a:p>
+        </p:txBody>
+      </p:sp>
+      <p:cxnSp>
+        <p:nvCxnSpPr>
+          <p:cNvPr id="23" name="Conexão reta unidirecional 22">
+            <a:extLst>
+              <a:ext uri="{FF2B5EF4-FFF2-40B4-BE49-F238E27FC236}">
+                <a16:creationId xmlns:a16="http://schemas.microsoft.com/office/drawing/2014/main" id="{D9821D09-AD8A-4B32-94B2-3CB985EF0C5A}"/>
+              </a:ext>
+            </a:extLst>
+          </p:cNvPr>
+          <p:cNvCxnSpPr/>
+          <p:nvPr/>
+        </p:nvCxnSpPr>
+        <p:spPr>
+          <a:xfrm>
+            <a:off x="8384273" y="5031475"/>
+            <a:ext cx="0" cy="528637"/>
+          </a:xfrm>
+          <a:prstGeom prst="straightConnector1">
+            <a:avLst/>
+          </a:prstGeom>
+          <a:ln w="28575">
+            <a:solidFill>
+              <a:srgbClr val="FF3300"/>
+            </a:solidFill>
+            <a:headEnd type="triangle"/>
+            <a:tailEnd type="triangle"/>
+          </a:ln>
+          <a:effectLst>
+            <a:glow rad="63500">
+              <a:schemeClr val="accent2">
+                <a:satMod val="175000"/>
+                <a:alpha val="40000"/>
+              </a:schemeClr>
+            </a:glow>
+          </a:effectLst>
+        </p:spPr>
+        <p:style>
+          <a:lnRef idx="1">
+            <a:schemeClr val="accent1"/>
+          </a:lnRef>
+          <a:fillRef idx="0">
+            <a:schemeClr val="accent1"/>
+          </a:fillRef>
+          <a:effectRef idx="0">
+            <a:schemeClr val="accent1"/>
+          </a:effectRef>
+          <a:fontRef idx="minor">
+            <a:schemeClr val="tx1"/>
+          </a:fontRef>
+        </p:style>
+      </p:cxnSp>
+    </p:spTree>
+    <p:extLst>
+      <p:ext uri="{BB962C8B-B14F-4D97-AF65-F5344CB8AC3E}">
+        <p14:creationId xmlns:p14="http://schemas.microsoft.com/office/powerpoint/2010/main" val="3203707965"/>
+      </p:ext>
+    </p:extLst>
+  </p:cSld>
+  <p:clrMapOvr>
+    <a:masterClrMapping/>
+  </p:clrMapOvr>
+</p:sld>
+</file>
+
+<file path=ppt/slides/slide8.xml><?xml version="1.0" encoding="utf-8"?>
+<p:sld xmlns:a="http://schemas.openxmlformats.org/drawingml/2006/main" xmlns:r="http://schemas.openxmlformats.org/officeDocument/2006/relationships" xmlns:p="http://schemas.openxmlformats.org/presentationml/2006/main">
+  <p:cSld>
+    <p:spTree>
+      <p:nvGrpSpPr>
+        <p:cNvPr id="1" name=""/>
+        <p:cNvGrpSpPr/>
+        <p:nvPr/>
+      </p:nvGrpSpPr>
+      <p:grpSpPr>
+        <a:xfrm>
+          <a:off x="0" y="0"/>
+          <a:ext cx="0" cy="0"/>
+          <a:chOff x="0" y="0"/>
+          <a:chExt cx="0" cy="0"/>
+        </a:xfrm>
+      </p:grpSpPr>
+      <p:sp>
+        <p:nvSpPr>
+          <p:cNvPr id="2" name="Título 1">
+            <a:extLst>
+              <a:ext uri="{FF2B5EF4-FFF2-40B4-BE49-F238E27FC236}">
+                <a16:creationId xmlns:a16="http://schemas.microsoft.com/office/drawing/2014/main" id="{D7D5C487-DAE2-4B7D-BFE9-AF4871322A8E}"/>
+              </a:ext>
+            </a:extLst>
+          </p:cNvPr>
+          <p:cNvSpPr>
+            <a:spLocks noGrp="1"/>
+          </p:cNvSpPr>
+          <p:nvPr>
+            <p:ph type="title"/>
+          </p:nvPr>
+        </p:nvSpPr>
+        <p:spPr/>
+        <p:txBody>
+          <a:bodyPr/>
+          <a:lstStyle/>
+          <a:p>
+            <a:r>
+              <a:rPr lang="pt-PT" dirty="0"/>
+              <a:t>Funcionamento do Sistema</a:t>
             </a:r>
           </a:p>
         </p:txBody>
@@ -6481,10 +9348,116 @@
           </a:prstGeom>
         </p:spPr>
       </p:pic>
+      <p:sp>
+        <p:nvSpPr>
+          <p:cNvPr id="10" name="Retângulo 9">
+            <a:extLst>
+              <a:ext uri="{FF2B5EF4-FFF2-40B4-BE49-F238E27FC236}">
+                <a16:creationId xmlns:a16="http://schemas.microsoft.com/office/drawing/2014/main" id="{A48B53B7-60D8-40F1-A968-DBEEB42C819B}"/>
+              </a:ext>
+            </a:extLst>
+          </p:cNvPr>
+          <p:cNvSpPr/>
+          <p:nvPr/>
+        </p:nvSpPr>
+        <p:spPr>
+          <a:xfrm>
+            <a:off x="8866496" y="2067635"/>
+            <a:ext cx="218364" cy="141027"/>
+          </a:xfrm>
+          <a:prstGeom prst="rect">
+            <a:avLst/>
+          </a:prstGeom>
+          <a:solidFill>
+            <a:schemeClr val="bg1"/>
+          </a:solidFill>
+          <a:ln>
+            <a:solidFill>
+              <a:schemeClr val="bg1"/>
+            </a:solidFill>
+          </a:ln>
+        </p:spPr>
+        <p:style>
+          <a:lnRef idx="2">
+            <a:schemeClr val="accent1">
+              <a:shade val="50000"/>
+            </a:schemeClr>
+          </a:lnRef>
+          <a:fillRef idx="1">
+            <a:schemeClr val="accent1"/>
+          </a:fillRef>
+          <a:effectRef idx="0">
+            <a:schemeClr val="accent1"/>
+          </a:effectRef>
+          <a:fontRef idx="minor">
+            <a:schemeClr val="lt1"/>
+          </a:fontRef>
+        </p:style>
+        <p:txBody>
+          <a:bodyPr rtlCol="0" anchor="ctr"/>
+          <a:lstStyle/>
+          <a:p>
+            <a:pPr algn="ctr"/>
+            <a:endParaRPr lang="pt-PT"/>
+          </a:p>
+        </p:txBody>
+      </p:sp>
+      <p:cxnSp>
+        <p:nvCxnSpPr>
+          <p:cNvPr id="7" name="Conexão reta unidirecional 6">
+            <a:extLst>
+              <a:ext uri="{FF2B5EF4-FFF2-40B4-BE49-F238E27FC236}">
+                <a16:creationId xmlns:a16="http://schemas.microsoft.com/office/drawing/2014/main" id="{23FAA8B1-6CD6-4A4F-98FE-42B55C13F874}"/>
+              </a:ext>
+            </a:extLst>
+          </p:cNvPr>
+          <p:cNvCxnSpPr>
+            <a:cxnSpLocks/>
+          </p:cNvCxnSpPr>
+          <p:nvPr/>
+        </p:nvCxnSpPr>
+        <p:spPr>
+          <a:xfrm>
+            <a:off x="7751928" y="2138149"/>
+            <a:ext cx="1378424" cy="0"/>
+          </a:xfrm>
+          <a:prstGeom prst="straightConnector1">
+            <a:avLst/>
+          </a:prstGeom>
+          <a:ln w="28575">
+            <a:solidFill>
+              <a:srgbClr val="FF3300"/>
+            </a:solidFill>
+            <a:tailEnd type="triangle"/>
+          </a:ln>
+          <a:effectLst>
+            <a:glow rad="63500">
+              <a:schemeClr val="accent2">
+                <a:satMod val="175000"/>
+                <a:alpha val="40000"/>
+              </a:schemeClr>
+            </a:glow>
+          </a:effectLst>
+        </p:spPr>
+        <p:style>
+          <a:lnRef idx="1">
+            <a:schemeClr val="accent1"/>
+          </a:lnRef>
+          <a:fillRef idx="0">
+            <a:schemeClr val="accent1"/>
+          </a:fillRef>
+          <a:effectRef idx="0">
+            <a:schemeClr val="accent1"/>
+          </a:effectRef>
+          <a:fontRef idx="minor">
+            <a:schemeClr val="tx1"/>
+          </a:fontRef>
+        </p:style>
+      </p:cxnSp>
     </p:spTree>
     <p:extLst>
       <p:ext uri="{BB962C8B-B14F-4D97-AF65-F5344CB8AC3E}">
-        <p14:creationId xmlns:p14="http://schemas.microsoft.com/office/powerpoint/2010/main" val="3203707965"/>
+        <p14:creationId xmlns:p14="http://schemas.microsoft.com/office/powerpoint/2010/main" val="1476461664"/>
       </p:ext>
     </p:extLst>
   </p:cSld>
@@ -6494,7 +9467,7 @@
 </p:sld>
 </file>
 
-<file path=ppt/slides/slide7.xml><?xml version="1.0" encoding="utf-8"?>
+<file path=ppt/slides/slide9.xml><?xml version="1.0" encoding="utf-8"?>
 <p:sld xmlns:a="http://schemas.openxmlformats.org/drawingml/2006/main" xmlns:r="http://schemas.openxmlformats.org/officeDocument/2006/relationships" xmlns:p="http://schemas.openxmlformats.org/presentationml/2006/main">
   <p:cSld>
     <p:spTree>
@@ -6536,43 +9509,6 @@
               <a:rPr lang="pt-PT" dirty="0"/>
               <a:t>Funcionamento do Sistema</a:t>
             </a:r>
-          </a:p>
-        </p:txBody>
-      </p:sp>
-      <p:sp>
-        <p:nvSpPr>
-          <p:cNvPr id="4" name="Marcador de Posição do Texto 3">
-            <a:extLst>
-              <a:ext uri="{FF2B5EF4-FFF2-40B4-BE49-F238E27FC236}">
-                <a16:creationId xmlns:a16="http://schemas.microsoft.com/office/drawing/2014/main" id="{417E3BDF-5D19-4BAF-AEB7-734DBFCE7AA0}"/>
-              </a:ext>
-            </a:extLst>
-          </p:cNvPr>
-          <p:cNvSpPr>
-            <a:spLocks noGrp="1"/>
-          </p:cNvSpPr>
-          <p:nvPr>
-            <p:ph type="body" sz="half" idx="2"/>
-          </p:nvPr>
-        </p:nvSpPr>
-        <p:spPr>
-          <a:xfrm>
-            <a:off x="457200" y="2858701"/>
-            <a:ext cx="3441032" cy="3746925"/>
-          </a:xfrm>
-        </p:spPr>
-        <p:txBody>
-          <a:bodyPr>
-            <a:normAutofit/>
-          </a:bodyPr>
-          <a:lstStyle/>
-          <a:p>
-            <a:pPr>
-              <a:lnSpc>
-                <a:spcPct val="120000"/>
-              </a:lnSpc>
-            </a:pPr>
-            <a:endParaRPr lang="sv-SE" sz="5200" dirty="0"/>
           </a:p>
         </p:txBody>
       </p:sp>
@@ -6642,12 +9578,65 @@
           </a:prstGeom>
         </p:spPr>
       </p:pic>
-      <p:sp>
-        <p:nvSpPr>
-          <p:cNvPr id="10" name="Retângulo 9">
+      <p:cxnSp>
+        <p:nvCxnSpPr>
+          <p:cNvPr id="4" name="Conexão reta unidirecional 3">
             <a:extLst>
               <a:ext uri="{FF2B5EF4-FFF2-40B4-BE49-F238E27FC236}">
-                <a16:creationId xmlns:a16="http://schemas.microsoft.com/office/drawing/2014/main" id="{A48B53B7-60D8-40F1-A968-DBEEB42C819B}"/>
+                <a16:creationId xmlns:a16="http://schemas.microsoft.com/office/drawing/2014/main" id="{4F5987C9-FF35-4542-B58D-FD9F52F53D2C}"/>
+              </a:ext>
+            </a:extLst>
+          </p:cNvPr>
+          <p:cNvCxnSpPr>
+            <a:cxnSpLocks/>
+          </p:cNvCxnSpPr>
+          <p:nvPr/>
+        </p:nvCxnSpPr>
+        <p:spPr>
+          <a:xfrm>
+            <a:off x="8384273" y="3854450"/>
+            <a:ext cx="185" cy="518447"/>
+          </a:xfrm>
+          <a:prstGeom prst="straightConnector1">
+            <a:avLst/>
+          </a:prstGeom>
+          <a:ln w="28575">
+            <a:solidFill>
+              <a:srgbClr val="FF3300"/>
+            </a:solidFill>
+            <a:headEnd type="triangle"/>
+            <a:tailEnd type="triangle"/>
+          </a:ln>
+          <a:effectLst>
+            <a:glow rad="63500">
+              <a:schemeClr val="accent2">
+                <a:satMod val="175000"/>
+                <a:alpha val="40000"/>
+              </a:schemeClr>
+            </a:glow>
+          </a:effectLst>
+        </p:spPr>
+        <p:style>
+          <a:lnRef idx="1">
+            <a:schemeClr val="accent1"/>
+          </a:lnRef>
+          <a:fillRef idx="0">
+            <a:schemeClr val="accent1"/>
+          </a:fillRef>
+          <a:effectRef idx="0">
+            <a:schemeClr val="accent1"/>
+          </a:effectRef>
+          <a:fontRef idx="minor">
+            <a:schemeClr val="tx1"/>
+          </a:fontRef>
+        </p:style>
+      </p:cxnSp>
+      <p:sp>
+        <p:nvSpPr>
+          <p:cNvPr id="9" name="Retângulo 8">
+            <a:extLst>
+              <a:ext uri="{FF2B5EF4-FFF2-40B4-BE49-F238E27FC236}">
+                <a16:creationId xmlns:a16="http://schemas.microsoft.com/office/drawing/2014/main" id="{2CB4C81D-0D0B-41F2-AB5B-4CE42719D131}"/>
               </a:ext>
             </a:extLst>
           </p:cNvPr>
@@ -6656,8 +9645,8 @@
         </p:nvSpPr>
         <p:spPr>
           <a:xfrm>
-            <a:off x="8866496" y="2067635"/>
-            <a:ext cx="218364" cy="141027"/>
+            <a:off x="8284191" y="5031475"/>
+            <a:ext cx="191063" cy="486770"/>
           </a:xfrm>
           <a:prstGeom prst="rect">
             <a:avLst/>
@@ -6698,10 +9687,112 @@
       </p:sp>
       <p:cxnSp>
         <p:nvCxnSpPr>
-          <p:cNvPr id="7" name="Conexão reta unidirecional 6">
+          <p:cNvPr id="11" name="Conexão reta unidirecional 10">
             <a:extLst>
               <a:ext uri="{FF2B5EF4-FFF2-40B4-BE49-F238E27FC236}">
-                <a16:creationId xmlns:a16="http://schemas.microsoft.com/office/drawing/2014/main" id="{23FAA8B1-6CD6-4A4F-98FE-42B55C13F874}"/>
+                <a16:creationId xmlns:a16="http://schemas.microsoft.com/office/drawing/2014/main" id="{ABE50A18-5EEA-4785-8128-669DE154F0E4}"/>
+              </a:ext>
+            </a:extLst>
+          </p:cNvPr>
+          <p:cNvCxnSpPr/>
+          <p:nvPr/>
+        </p:nvCxnSpPr>
+        <p:spPr>
+          <a:xfrm>
+            <a:off x="8384273" y="5031475"/>
+            <a:ext cx="0" cy="528637"/>
+          </a:xfrm>
+          <a:prstGeom prst="straightConnector1">
+            <a:avLst/>
+          </a:prstGeom>
+          <a:ln w="28575">
+            <a:solidFill>
+              <a:srgbClr val="FF3300"/>
+            </a:solidFill>
+            <a:headEnd type="triangle"/>
+            <a:tailEnd type="triangle"/>
+          </a:ln>
+          <a:effectLst>
+            <a:glow rad="63500">
+              <a:schemeClr val="accent2">
+                <a:satMod val="175000"/>
+                <a:alpha val="40000"/>
+              </a:schemeClr>
+            </a:glow>
+          </a:effectLst>
+        </p:spPr>
+        <p:style>
+          <a:lnRef idx="1">
+            <a:schemeClr val="accent1"/>
+          </a:lnRef>
+          <a:fillRef idx="0">
+            <a:schemeClr val="accent1"/>
+          </a:fillRef>
+          <a:effectRef idx="0">
+            <a:schemeClr val="accent1"/>
+          </a:effectRef>
+          <a:fontRef idx="minor">
+            <a:schemeClr val="tx1"/>
+          </a:fontRef>
+        </p:style>
+      </p:cxnSp>
+      <p:cxnSp>
+        <p:nvCxnSpPr>
+          <p:cNvPr id="8" name="Conexão reta unidirecional 7">
+            <a:extLst>
+              <a:ext uri="{FF2B5EF4-FFF2-40B4-BE49-F238E27FC236}">
+                <a16:creationId xmlns:a16="http://schemas.microsoft.com/office/drawing/2014/main" id="{3476A50F-9B6B-4F31-9AB8-D918D8B56E0C}"/>
+              </a:ext>
+            </a:extLst>
+          </p:cNvPr>
+          <p:cNvCxnSpPr/>
+          <p:nvPr/>
+        </p:nvCxnSpPr>
+        <p:spPr>
+          <a:xfrm flipH="1">
+            <a:off x="9017000" y="3651250"/>
+            <a:ext cx="1041400" cy="0"/>
+          </a:xfrm>
+          <a:prstGeom prst="straightConnector1">
+            <a:avLst/>
+          </a:prstGeom>
+          <a:ln w="28575">
+            <a:solidFill>
+              <a:srgbClr val="FF3300"/>
+            </a:solidFill>
+            <a:headEnd type="triangle"/>
+            <a:tailEnd type="triangle"/>
+          </a:ln>
+          <a:effectLst>
+            <a:glow rad="63500">
+              <a:schemeClr val="accent2">
+                <a:satMod val="175000"/>
+                <a:alpha val="40000"/>
+              </a:schemeClr>
+            </a:glow>
+          </a:effectLst>
+        </p:spPr>
+        <p:style>
+          <a:lnRef idx="1">
+            <a:schemeClr val="accent1"/>
+          </a:lnRef>
+          <a:fillRef idx="0">
+            <a:schemeClr val="accent1"/>
+          </a:fillRef>
+          <a:effectRef idx="0">
+            <a:schemeClr val="accent1"/>
+          </a:effectRef>
+          <a:fontRef idx="minor">
+            <a:schemeClr val="tx1"/>
+          </a:fontRef>
+        </p:style>
+      </p:cxnSp>
+      <p:cxnSp>
+        <p:nvCxnSpPr>
+          <p:cNvPr id="13" name="Conexão: Ângulo Reto 12">
+            <a:extLst>
+              <a:ext uri="{FF2B5EF4-FFF2-40B4-BE49-F238E27FC236}">
+                <a16:creationId xmlns:a16="http://schemas.microsoft.com/office/drawing/2014/main" id="{A28FFD9B-7CA6-4B63-8888-A7C6F8FDFE78}"/>
               </a:ext>
             </a:extLst>
           </p:cNvPr>
@@ -6711,17 +9802,20 @@
           <p:nvPr/>
         </p:nvCxnSpPr>
         <p:spPr>
-          <a:xfrm>
-            <a:off x="7751928" y="2138149"/>
-            <a:ext cx="1378424" cy="0"/>
-          </a:xfrm>
-          <a:prstGeom prst="straightConnector1">
-            <a:avLst/>
+          <a:xfrm rot="5400000">
+            <a:off x="8972551" y="2609849"/>
+            <a:ext cx="812803" cy="723906"/>
+          </a:xfrm>
+          <a:prstGeom prst="bentConnector3">
+            <a:avLst>
+              <a:gd name="adj1" fmla="val 100781"/>
+            </a:avLst>
           </a:prstGeom>
           <a:ln w="28575">
             <a:solidFill>
               <a:srgbClr val="FF3300"/>
             </a:solidFill>
+            <a:headEnd type="triangle"/>
             <a:tailEnd type="triangle"/>
           </a:ln>
           <a:effectLst>
@@ -6751,543 +9845,7 @@
     </p:spTree>
     <p:extLst>
       <p:ext uri="{BB962C8B-B14F-4D97-AF65-F5344CB8AC3E}">
-        <p14:creationId xmlns:p14="http://schemas.microsoft.com/office/powerpoint/2010/main" val="1476461664"/>
-      </p:ext>
-    </p:extLst>
-  </p:cSld>
-  <p:clrMapOvr>
-    <a:masterClrMapping/>
-  </p:clrMapOvr>
-</p:sld>
-</file>
-
-<file path=ppt/slides/slide8.xml><?xml version="1.0" encoding="utf-8"?>
-<p:sld xmlns:a="http://schemas.openxmlformats.org/drawingml/2006/main" xmlns:r="http://schemas.openxmlformats.org/officeDocument/2006/relationships" xmlns:p="http://schemas.openxmlformats.org/presentationml/2006/main">
-  <p:cSld>
-    <p:spTree>
-      <p:nvGrpSpPr>
-        <p:cNvPr id="1" name=""/>
-        <p:cNvGrpSpPr/>
-        <p:nvPr/>
-      </p:nvGrpSpPr>
-      <p:grpSpPr>
-        <a:xfrm>
-          <a:off x="0" y="0"/>
-          <a:ext cx="0" cy="0"/>
-          <a:chOff x="0" y="0"/>
-          <a:chExt cx="0" cy="0"/>
-        </a:xfrm>
-      </p:grpSpPr>
-      <p:sp>
-        <p:nvSpPr>
-          <p:cNvPr id="2" name="Título 1">
-            <a:extLst>
-              <a:ext uri="{FF2B5EF4-FFF2-40B4-BE49-F238E27FC236}">
-                <a16:creationId xmlns:a16="http://schemas.microsoft.com/office/drawing/2014/main" id="{D7D5C487-DAE2-4B7D-BFE9-AF4871322A8E}"/>
-              </a:ext>
-            </a:extLst>
-          </p:cNvPr>
-          <p:cNvSpPr>
-            <a:spLocks noGrp="1"/>
-          </p:cNvSpPr>
-          <p:nvPr>
-            <p:ph type="title"/>
-          </p:nvPr>
-        </p:nvSpPr>
-        <p:spPr/>
-        <p:txBody>
-          <a:bodyPr/>
-          <a:lstStyle/>
-          <a:p>
-            <a:r>
-              <a:rPr lang="pt-PT" dirty="0"/>
-              <a:t>Funcionamento do Sistema</a:t>
-            </a:r>
-          </a:p>
-        </p:txBody>
-      </p:sp>
-      <p:sp>
-        <p:nvSpPr>
-          <p:cNvPr id="4" name="Marcador de Posição do Texto 3">
-            <a:extLst>
-              <a:ext uri="{FF2B5EF4-FFF2-40B4-BE49-F238E27FC236}">
-                <a16:creationId xmlns:a16="http://schemas.microsoft.com/office/drawing/2014/main" id="{417E3BDF-5D19-4BAF-AEB7-734DBFCE7AA0}"/>
-              </a:ext>
-            </a:extLst>
-          </p:cNvPr>
-          <p:cNvSpPr>
-            <a:spLocks noGrp="1"/>
-          </p:cNvSpPr>
-          <p:nvPr>
-            <p:ph type="body" sz="half" idx="2"/>
-          </p:nvPr>
-        </p:nvSpPr>
-        <p:spPr>
-          <a:xfrm>
-            <a:off x="457200" y="2858701"/>
-            <a:ext cx="3441032" cy="3746925"/>
-          </a:xfrm>
-        </p:spPr>
-        <p:txBody>
-          <a:bodyPr>
-            <a:normAutofit/>
-          </a:bodyPr>
-          <a:lstStyle/>
-          <a:p>
-            <a:pPr>
-              <a:lnSpc>
-                <a:spcPct val="120000"/>
-              </a:lnSpc>
-            </a:pPr>
-            <a:endParaRPr lang="sv-SE" sz="5200" dirty="0"/>
-          </a:p>
-        </p:txBody>
-      </p:sp>
-      <p:sp>
-        <p:nvSpPr>
-          <p:cNvPr id="20" name="Marcador de Posição de Conteúdo 19">
-            <a:extLst>
-              <a:ext uri="{FF2B5EF4-FFF2-40B4-BE49-F238E27FC236}">
-                <a16:creationId xmlns:a16="http://schemas.microsoft.com/office/drawing/2014/main" id="{E6D76E72-3E5E-4298-ADA6-0607B4B80320}"/>
-              </a:ext>
-            </a:extLst>
-          </p:cNvPr>
-          <p:cNvSpPr>
-            <a:spLocks noGrp="1"/>
-          </p:cNvSpPr>
-          <p:nvPr>
-            <p:ph idx="1"/>
-          </p:nvPr>
-        </p:nvSpPr>
-        <p:spPr>
-          <a:xfrm>
-            <a:off x="4800600" y="1911352"/>
-            <a:ext cx="6492240" cy="4077967"/>
-          </a:xfrm>
-        </p:spPr>
-        <p:txBody>
-          <a:bodyPr/>
-          <a:lstStyle/>
-          <a:p>
-            <a:endParaRPr lang="pt-PT" dirty="0"/>
-          </a:p>
-        </p:txBody>
-      </p:sp>
-      <p:pic>
-        <p:nvPicPr>
-          <p:cNvPr id="22" name="Marcador de Posição de Conteúdo 9" descr="Uma imagem com captura de ecrã&#10;&#10;Descrição gerada automaticamente">
-            <a:extLst>
-              <a:ext uri="{FF2B5EF4-FFF2-40B4-BE49-F238E27FC236}">
-                <a16:creationId xmlns:a16="http://schemas.microsoft.com/office/drawing/2014/main" id="{50375737-C7DA-43B7-A2F5-C20ED74572B3}"/>
-              </a:ext>
-            </a:extLst>
-          </p:cNvPr>
-          <p:cNvPicPr>
-            <a:picLocks noChangeAspect="1"/>
-          </p:cNvPicPr>
-          <p:nvPr/>
-        </p:nvPicPr>
-        <p:blipFill>
-          <a:blip r:embed="rId2">
-            <a:extLst>
-              <a:ext uri="{28A0092B-C50C-407E-A947-70E740481C1C}">
-                <a14:useLocalDpi xmlns:a14="http://schemas.microsoft.com/office/drawing/2010/main" val="0"/>
-              </a:ext>
-            </a:extLst>
-          </a:blip>
-          <a:stretch>
-            <a:fillRect/>
-          </a:stretch>
-        </p:blipFill>
-        <p:spPr>
-          <a:xfrm>
-            <a:off x="4696327" y="252372"/>
-            <a:ext cx="6625388" cy="6353255"/>
-          </a:xfrm>
-          <a:prstGeom prst="rect">
-            <a:avLst/>
-          </a:prstGeom>
-        </p:spPr>
-      </p:pic>
-      <p:sp>
-        <p:nvSpPr>
-          <p:cNvPr id="17" name="Retângulo 16">
-            <a:extLst>
-              <a:ext uri="{FF2B5EF4-FFF2-40B4-BE49-F238E27FC236}">
-                <a16:creationId xmlns:a16="http://schemas.microsoft.com/office/drawing/2014/main" id="{33E9C5B0-2D92-4B6A-9A94-54E23E51FA04}"/>
-              </a:ext>
-            </a:extLst>
-          </p:cNvPr>
-          <p:cNvSpPr/>
-          <p:nvPr/>
-        </p:nvSpPr>
-        <p:spPr>
-          <a:xfrm>
-            <a:off x="7772400" y="2233613"/>
-            <a:ext cx="166688" cy="138112"/>
-          </a:xfrm>
-          <a:prstGeom prst="rect">
-            <a:avLst/>
-          </a:prstGeom>
-          <a:solidFill>
-            <a:schemeClr val="bg1"/>
-          </a:solidFill>
-          <a:ln>
-            <a:solidFill>
-              <a:schemeClr val="bg1"/>
-            </a:solidFill>
-          </a:ln>
-        </p:spPr>
-        <p:style>
-          <a:lnRef idx="2">
-            <a:schemeClr val="accent1">
-              <a:shade val="50000"/>
-            </a:schemeClr>
-          </a:lnRef>
-          <a:fillRef idx="1">
-            <a:schemeClr val="accent1"/>
-          </a:fillRef>
-          <a:effectRef idx="0">
-            <a:schemeClr val="accent1"/>
-          </a:effectRef>
-          <a:fontRef idx="minor">
-            <a:schemeClr val="lt1"/>
-          </a:fontRef>
-        </p:style>
-        <p:txBody>
-          <a:bodyPr rtlCol="0" anchor="ctr"/>
-          <a:lstStyle/>
-          <a:p>
-            <a:pPr algn="ctr"/>
-            <a:endParaRPr lang="pt-PT"/>
-          </a:p>
-        </p:txBody>
-      </p:sp>
-      <p:cxnSp>
-        <p:nvCxnSpPr>
-          <p:cNvPr id="19" name="Conexão reta unidirecional 18">
-            <a:extLst>
-              <a:ext uri="{FF2B5EF4-FFF2-40B4-BE49-F238E27FC236}">
-                <a16:creationId xmlns:a16="http://schemas.microsoft.com/office/drawing/2014/main" id="{B1A1F4BA-9D68-4455-93BE-D4DBE505ACE6}"/>
-              </a:ext>
-            </a:extLst>
-          </p:cNvPr>
-          <p:cNvCxnSpPr>
-            <a:cxnSpLocks/>
-          </p:cNvCxnSpPr>
-          <p:nvPr/>
-        </p:nvCxnSpPr>
-        <p:spPr>
-          <a:xfrm flipH="1">
-            <a:off x="7735195" y="2301431"/>
-            <a:ext cx="1376362" cy="0"/>
-          </a:xfrm>
-          <a:prstGeom prst="straightConnector1">
-            <a:avLst/>
-          </a:prstGeom>
-          <a:ln w="28575">
-            <a:solidFill>
-              <a:srgbClr val="FF3300"/>
-            </a:solidFill>
-            <a:tailEnd type="triangle"/>
-          </a:ln>
-          <a:effectLst>
-            <a:glow rad="63500">
-              <a:schemeClr val="accent2">
-                <a:satMod val="175000"/>
-                <a:alpha val="40000"/>
-              </a:schemeClr>
-            </a:glow>
-          </a:effectLst>
-        </p:spPr>
-        <p:style>
-          <a:lnRef idx="1">
-            <a:schemeClr val="accent1"/>
-          </a:lnRef>
-          <a:fillRef idx="0">
-            <a:schemeClr val="accent1"/>
-          </a:fillRef>
-          <a:effectRef idx="0">
-            <a:schemeClr val="accent1"/>
-          </a:effectRef>
-          <a:fontRef idx="minor">
-            <a:schemeClr val="tx1"/>
-          </a:fontRef>
-        </p:style>
-      </p:cxnSp>
-    </p:spTree>
-    <p:extLst>
-      <p:ext uri="{BB962C8B-B14F-4D97-AF65-F5344CB8AC3E}">
-        <p14:creationId xmlns:p14="http://schemas.microsoft.com/office/powerpoint/2010/main" val="3176708937"/>
-      </p:ext>
-    </p:extLst>
-  </p:cSld>
-  <p:clrMapOvr>
-    <a:masterClrMapping/>
-  </p:clrMapOvr>
-</p:sld>
-</file>
-
-<file path=ppt/slides/slide9.xml><?xml version="1.0" encoding="utf-8"?>
-<p:sld xmlns:a="http://schemas.openxmlformats.org/drawingml/2006/main" xmlns:r="http://schemas.openxmlformats.org/officeDocument/2006/relationships" xmlns:p="http://schemas.openxmlformats.org/presentationml/2006/main">
-  <p:cSld>
-    <p:spTree>
-      <p:nvGrpSpPr>
-        <p:cNvPr id="1" name=""/>
-        <p:cNvGrpSpPr/>
-        <p:nvPr/>
-      </p:nvGrpSpPr>
-      <p:grpSpPr>
-        <a:xfrm>
-          <a:off x="0" y="0"/>
-          <a:ext cx="0" cy="0"/>
-          <a:chOff x="0" y="0"/>
-          <a:chExt cx="0" cy="0"/>
-        </a:xfrm>
-      </p:grpSpPr>
-      <p:sp>
-        <p:nvSpPr>
-          <p:cNvPr id="2" name="Título 1">
-            <a:extLst>
-              <a:ext uri="{FF2B5EF4-FFF2-40B4-BE49-F238E27FC236}">
-                <a16:creationId xmlns:a16="http://schemas.microsoft.com/office/drawing/2014/main" id="{D7D5C487-DAE2-4B7D-BFE9-AF4871322A8E}"/>
-              </a:ext>
-            </a:extLst>
-          </p:cNvPr>
-          <p:cNvSpPr>
-            <a:spLocks noGrp="1"/>
-          </p:cNvSpPr>
-          <p:nvPr>
-            <p:ph type="title"/>
-          </p:nvPr>
-        </p:nvSpPr>
-        <p:spPr/>
-        <p:txBody>
-          <a:bodyPr/>
-          <a:lstStyle/>
-          <a:p>
-            <a:r>
-              <a:rPr lang="pt-PT" dirty="0"/>
-              <a:t>Funcionamento do Sistema</a:t>
-            </a:r>
-          </a:p>
-        </p:txBody>
-      </p:sp>
-      <p:sp>
-        <p:nvSpPr>
-          <p:cNvPr id="4" name="Marcador de Posição do Texto 3">
-            <a:extLst>
-              <a:ext uri="{FF2B5EF4-FFF2-40B4-BE49-F238E27FC236}">
-                <a16:creationId xmlns:a16="http://schemas.microsoft.com/office/drawing/2014/main" id="{417E3BDF-5D19-4BAF-AEB7-734DBFCE7AA0}"/>
-              </a:ext>
-            </a:extLst>
-          </p:cNvPr>
-          <p:cNvSpPr>
-            <a:spLocks noGrp="1"/>
-          </p:cNvSpPr>
-          <p:nvPr>
-            <p:ph type="body" sz="half" idx="2"/>
-          </p:nvPr>
-        </p:nvSpPr>
-        <p:spPr>
-          <a:xfrm>
-            <a:off x="457200" y="2858701"/>
-            <a:ext cx="3441032" cy="3746925"/>
-          </a:xfrm>
-        </p:spPr>
-        <p:txBody>
-          <a:bodyPr>
-            <a:normAutofit/>
-          </a:bodyPr>
-          <a:lstStyle/>
-          <a:p>
-            <a:pPr>
-              <a:lnSpc>
-                <a:spcPct val="120000"/>
-              </a:lnSpc>
-            </a:pPr>
-            <a:endParaRPr lang="sv-SE" sz="5200" dirty="0"/>
-          </a:p>
-        </p:txBody>
-      </p:sp>
-      <p:sp>
-        <p:nvSpPr>
-          <p:cNvPr id="20" name="Marcador de Posição de Conteúdo 19">
-            <a:extLst>
-              <a:ext uri="{FF2B5EF4-FFF2-40B4-BE49-F238E27FC236}">
-                <a16:creationId xmlns:a16="http://schemas.microsoft.com/office/drawing/2014/main" id="{E6D76E72-3E5E-4298-ADA6-0607B4B80320}"/>
-              </a:ext>
-            </a:extLst>
-          </p:cNvPr>
-          <p:cNvSpPr>
-            <a:spLocks noGrp="1"/>
-          </p:cNvSpPr>
-          <p:nvPr>
-            <p:ph idx="1"/>
-          </p:nvPr>
-        </p:nvSpPr>
-        <p:spPr>
-          <a:xfrm>
-            <a:off x="4800600" y="1911352"/>
-            <a:ext cx="6492240" cy="4077967"/>
-          </a:xfrm>
-        </p:spPr>
-        <p:txBody>
-          <a:bodyPr/>
-          <a:lstStyle/>
-          <a:p>
-            <a:endParaRPr lang="pt-PT" dirty="0"/>
-          </a:p>
-        </p:txBody>
-      </p:sp>
-      <p:pic>
-        <p:nvPicPr>
-          <p:cNvPr id="22" name="Marcador de Posição de Conteúdo 9" descr="Uma imagem com captura de ecrã&#10;&#10;Descrição gerada automaticamente">
-            <a:extLst>
-              <a:ext uri="{FF2B5EF4-FFF2-40B4-BE49-F238E27FC236}">
-                <a16:creationId xmlns:a16="http://schemas.microsoft.com/office/drawing/2014/main" id="{50375737-C7DA-43B7-A2F5-C20ED74572B3}"/>
-              </a:ext>
-            </a:extLst>
-          </p:cNvPr>
-          <p:cNvPicPr>
-            <a:picLocks noChangeAspect="1"/>
-          </p:cNvPicPr>
-          <p:nvPr/>
-        </p:nvPicPr>
-        <p:blipFill>
-          <a:blip r:embed="rId2">
-            <a:extLst>
-              <a:ext uri="{28A0092B-C50C-407E-A947-70E740481C1C}">
-                <a14:useLocalDpi xmlns:a14="http://schemas.microsoft.com/office/drawing/2010/main" val="0"/>
-              </a:ext>
-            </a:extLst>
-          </a:blip>
-          <a:stretch>
-            <a:fillRect/>
-          </a:stretch>
-        </p:blipFill>
-        <p:spPr>
-          <a:xfrm>
-            <a:off x="4696327" y="252372"/>
-            <a:ext cx="6625388" cy="6353255"/>
-          </a:xfrm>
-          <a:prstGeom prst="rect">
-            <a:avLst/>
-          </a:prstGeom>
-        </p:spPr>
-      </p:pic>
-      <p:sp>
-        <p:nvSpPr>
-          <p:cNvPr id="9" name="Retângulo 8">
-            <a:extLst>
-              <a:ext uri="{FF2B5EF4-FFF2-40B4-BE49-F238E27FC236}">
-                <a16:creationId xmlns:a16="http://schemas.microsoft.com/office/drawing/2014/main" id="{0328868E-BE98-426E-ACAC-2E1D7B160452}"/>
-              </a:ext>
-            </a:extLst>
-          </p:cNvPr>
-          <p:cNvSpPr/>
-          <p:nvPr/>
-        </p:nvSpPr>
-        <p:spPr>
-          <a:xfrm>
-            <a:off x="7915450" y="914400"/>
-            <a:ext cx="218783" cy="157075"/>
-          </a:xfrm>
-          <a:prstGeom prst="rect">
-            <a:avLst/>
-          </a:prstGeom>
-          <a:solidFill>
-            <a:schemeClr val="bg1"/>
-          </a:solidFill>
-          <a:ln>
-            <a:solidFill>
-              <a:schemeClr val="bg1"/>
-            </a:solidFill>
-          </a:ln>
-        </p:spPr>
-        <p:style>
-          <a:lnRef idx="2">
-            <a:schemeClr val="accent1">
-              <a:shade val="50000"/>
-            </a:schemeClr>
-          </a:lnRef>
-          <a:fillRef idx="1">
-            <a:schemeClr val="accent1"/>
-          </a:fillRef>
-          <a:effectRef idx="0">
-            <a:schemeClr val="accent1"/>
-          </a:effectRef>
-          <a:fontRef idx="minor">
-            <a:schemeClr val="lt1"/>
-          </a:fontRef>
-        </p:style>
-        <p:txBody>
-          <a:bodyPr rtlCol="0" anchor="ctr"/>
-          <a:lstStyle/>
-          <a:p>
-            <a:pPr algn="ctr"/>
-            <a:endParaRPr lang="pt-PT"/>
-          </a:p>
-        </p:txBody>
-      </p:sp>
-      <p:cxnSp>
-        <p:nvCxnSpPr>
-          <p:cNvPr id="8" name="Conexão: Ângulo Reto 7">
-            <a:extLst>
-              <a:ext uri="{FF2B5EF4-FFF2-40B4-BE49-F238E27FC236}">
-                <a16:creationId xmlns:a16="http://schemas.microsoft.com/office/drawing/2014/main" id="{C02C7A4A-4398-43CF-9D60-0174ED2493C3}"/>
-              </a:ext>
-            </a:extLst>
-          </p:cNvPr>
-          <p:cNvCxnSpPr>
-            <a:cxnSpLocks/>
-          </p:cNvCxnSpPr>
-          <p:nvPr/>
-        </p:nvCxnSpPr>
-        <p:spPr>
-          <a:xfrm rot="5400000" flipH="1" flipV="1">
-            <a:off x="7207496" y="1105415"/>
-            <a:ext cx="1042670" cy="569205"/>
-          </a:xfrm>
-          <a:prstGeom prst="bentConnector3">
-            <a:avLst>
-              <a:gd name="adj1" fmla="val 33321"/>
-            </a:avLst>
-          </a:prstGeom>
-          <a:ln w="28575">
-            <a:solidFill>
-              <a:srgbClr val="FF3300"/>
-            </a:solidFill>
-            <a:tailEnd type="triangle"/>
-          </a:ln>
-          <a:effectLst>
-            <a:glow rad="63500">
-              <a:schemeClr val="accent2">
-                <a:satMod val="175000"/>
-                <a:alpha val="40000"/>
-              </a:schemeClr>
-            </a:glow>
-          </a:effectLst>
-        </p:spPr>
-        <p:style>
-          <a:lnRef idx="1">
-            <a:schemeClr val="accent1"/>
-          </a:lnRef>
-          <a:fillRef idx="0">
-            <a:schemeClr val="accent1"/>
-          </a:fillRef>
-          <a:effectRef idx="0">
-            <a:schemeClr val="accent1"/>
-          </a:effectRef>
-          <a:fontRef idx="minor">
-            <a:schemeClr val="tx1"/>
-          </a:fontRef>
-        </p:style>
-      </p:cxnSp>
-    </p:spTree>
-    <p:extLst>
-      <p:ext uri="{BB962C8B-B14F-4D97-AF65-F5344CB8AC3E}">
-        <p14:creationId xmlns:p14="http://schemas.microsoft.com/office/powerpoint/2010/main" val="907343855"/>
+        <p14:creationId xmlns:p14="http://schemas.microsoft.com/office/powerpoint/2010/main" val="66027227"/>
       </p:ext>
     </p:extLst>
   </p:cSld>
